--- a/presentations/Bài 25_Bao mat trong Java Spring Boot.pptx
+++ b/presentations/Bài 25_Bao mat trong Java Spring Boot.pptx
@@ -5,7 +5,7 @@
     <p:sldMasterId id="2147483659" r:id="rId1"/>
   </p:sldMasterIdLst>
   <p:notesMasterIdLst>
-    <p:notesMasterId r:id="rId9"/>
+    <p:notesMasterId r:id="rId19"/>
   </p:notesMasterIdLst>
   <p:sldIdLst>
     <p:sldId id="256" r:id="rId2"/>
@@ -13,22 +13,32 @@
     <p:sldId id="258" r:id="rId4"/>
     <p:sldId id="294" r:id="rId5"/>
     <p:sldId id="295" r:id="rId6"/>
-    <p:sldId id="296" r:id="rId7"/>
-    <p:sldId id="297" r:id="rId8"/>
+    <p:sldId id="299" r:id="rId7"/>
+    <p:sldId id="300" r:id="rId8"/>
+    <p:sldId id="301" r:id="rId9"/>
+    <p:sldId id="302" r:id="rId10"/>
+    <p:sldId id="303" r:id="rId11"/>
+    <p:sldId id="304" r:id="rId12"/>
+    <p:sldId id="305" r:id="rId13"/>
+    <p:sldId id="306" r:id="rId14"/>
+    <p:sldId id="307" r:id="rId15"/>
+    <p:sldId id="308" r:id="rId16"/>
+    <p:sldId id="309" r:id="rId17"/>
+    <p:sldId id="310" r:id="rId18"/>
   </p:sldIdLst>
   <p:sldSz cx="9144000" cy="5143500" type="screen16x9"/>
   <p:notesSz cx="6858000" cy="9144000"/>
   <p:embeddedFontLst>
     <p:embeddedFont>
       <p:font typeface="Alfa Slab One" panose="020B0604020202020204" charset="0"/>
-      <p:regular r:id="rId10"/>
+      <p:regular r:id="rId20"/>
     </p:embeddedFont>
     <p:embeddedFont>
       <p:font typeface="Proxima Nova" panose="020B0604020202020204" charset="0"/>
-      <p:regular r:id="rId11"/>
-      <p:bold r:id="rId12"/>
-      <p:italic r:id="rId13"/>
-      <p:boldItalic r:id="rId14"/>
+      <p:regular r:id="rId21"/>
+      <p:bold r:id="rId22"/>
+      <p:italic r:id="rId23"/>
+      <p:boldItalic r:id="rId24"/>
     </p:embeddedFont>
   </p:embeddedFontLst>
   <p:defaultTextStyle>
@@ -824,6 +834,878 @@
 </p:notes>
 </file>
 
+<file path=ppt/notesSlides/notesSlide10.xml><?xml version="1.0" encoding="utf-8"?>
+<p:notes xmlns:a="http://schemas.openxmlformats.org/drawingml/2006/main" xmlns:r="http://schemas.openxmlformats.org/officeDocument/2006/relationships" xmlns:p="http://schemas.openxmlformats.org/presentationml/2006/main" showMasterSp="0" showMasterPhAnim="0">
+  <p:cSld>
+    <p:spTree>
+      <p:nvGrpSpPr>
+        <p:cNvPr id="1" name="Shape 63"/>
+        <p:cNvGrpSpPr/>
+        <p:nvPr/>
+      </p:nvGrpSpPr>
+      <p:grpSpPr>
+        <a:xfrm>
+          <a:off x="0" y="0"/>
+          <a:ext cx="0" cy="0"/>
+          <a:chOff x="0" y="0"/>
+          <a:chExt cx="0" cy="0"/>
+        </a:xfrm>
+      </p:grpSpPr>
+      <p:sp>
+        <p:nvSpPr>
+          <p:cNvPr id="64" name="Google Shape;64;g163dd5cb31f_0_287:notes"/>
+          <p:cNvSpPr>
+            <a:spLocks noGrp="1" noRot="1" noChangeAspect="1"/>
+          </p:cNvSpPr>
+          <p:nvPr>
+            <p:ph type="sldImg" idx="2"/>
+          </p:nvPr>
+        </p:nvSpPr>
+        <p:spPr>
+          <a:xfrm>
+            <a:off x="381000" y="685800"/>
+            <a:ext cx="6096000" cy="3429000"/>
+          </a:xfrm>
+          <a:custGeom>
+            <a:avLst/>
+            <a:gdLst/>
+            <a:ahLst/>
+            <a:cxnLst/>
+            <a:rect l="l" t="t" r="r" b="b"/>
+            <a:pathLst>
+              <a:path w="120000" h="120000" extrusionOk="0">
+                <a:moveTo>
+                  <a:pt x="0" y="0"/>
+                </a:moveTo>
+                <a:lnTo>
+                  <a:pt x="120000" y="0"/>
+                </a:lnTo>
+                <a:lnTo>
+                  <a:pt x="120000" y="120000"/>
+                </a:lnTo>
+                <a:lnTo>
+                  <a:pt x="0" y="120000"/>
+                </a:lnTo>
+                <a:close/>
+              </a:path>
+            </a:pathLst>
+          </a:custGeom>
+        </p:spPr>
+      </p:sp>
+      <p:sp>
+        <p:nvSpPr>
+          <p:cNvPr id="65" name="Google Shape;65;g163dd5cb31f_0_287:notes"/>
+          <p:cNvSpPr txBox="1">
+            <a:spLocks noGrp="1"/>
+          </p:cNvSpPr>
+          <p:nvPr>
+            <p:ph type="body" idx="1"/>
+          </p:nvPr>
+        </p:nvSpPr>
+        <p:spPr>
+          <a:xfrm>
+            <a:off x="685800" y="4343400"/>
+            <a:ext cx="5486400" cy="4114800"/>
+          </a:xfrm>
+          <a:prstGeom prst="rect">
+            <a:avLst/>
+          </a:prstGeom>
+        </p:spPr>
+        <p:txBody>
+          <a:bodyPr spcFirstLastPara="1" wrap="square" lIns="91425" tIns="91425" rIns="91425" bIns="91425" anchor="t" anchorCtr="0">
+            <a:noAutofit/>
+          </a:bodyPr>
+          <a:lstStyle/>
+          <a:p>
+            <a:pPr marL="0" lvl="0" indent="0" algn="l" rtl="0">
+              <a:spcBef>
+                <a:spcPts val="0"/>
+              </a:spcBef>
+              <a:spcAft>
+                <a:spcPts val="0"/>
+              </a:spcAft>
+              <a:buNone/>
+            </a:pPr>
+            <a:endParaRPr/>
+          </a:p>
+        </p:txBody>
+      </p:sp>
+    </p:spTree>
+    <p:extLst>
+      <p:ext uri="{BB962C8B-B14F-4D97-AF65-F5344CB8AC3E}">
+        <p14:creationId xmlns:p14="http://schemas.microsoft.com/office/powerpoint/2010/main" val="728914040"/>
+      </p:ext>
+    </p:extLst>
+  </p:cSld>
+  <p:clrMapOvr>
+    <a:masterClrMapping/>
+  </p:clrMapOvr>
+</p:notes>
+</file>
+
+<file path=ppt/notesSlides/notesSlide11.xml><?xml version="1.0" encoding="utf-8"?>
+<p:notes xmlns:a="http://schemas.openxmlformats.org/drawingml/2006/main" xmlns:r="http://schemas.openxmlformats.org/officeDocument/2006/relationships" xmlns:p="http://schemas.openxmlformats.org/presentationml/2006/main" showMasterSp="0" showMasterPhAnim="0">
+  <p:cSld>
+    <p:spTree>
+      <p:nvGrpSpPr>
+        <p:cNvPr id="1" name="Shape 63"/>
+        <p:cNvGrpSpPr/>
+        <p:nvPr/>
+      </p:nvGrpSpPr>
+      <p:grpSpPr>
+        <a:xfrm>
+          <a:off x="0" y="0"/>
+          <a:ext cx="0" cy="0"/>
+          <a:chOff x="0" y="0"/>
+          <a:chExt cx="0" cy="0"/>
+        </a:xfrm>
+      </p:grpSpPr>
+      <p:sp>
+        <p:nvSpPr>
+          <p:cNvPr id="64" name="Google Shape;64;g163dd5cb31f_0_287:notes"/>
+          <p:cNvSpPr>
+            <a:spLocks noGrp="1" noRot="1" noChangeAspect="1"/>
+          </p:cNvSpPr>
+          <p:nvPr>
+            <p:ph type="sldImg" idx="2"/>
+          </p:nvPr>
+        </p:nvSpPr>
+        <p:spPr>
+          <a:xfrm>
+            <a:off x="381000" y="685800"/>
+            <a:ext cx="6096000" cy="3429000"/>
+          </a:xfrm>
+          <a:custGeom>
+            <a:avLst/>
+            <a:gdLst/>
+            <a:ahLst/>
+            <a:cxnLst/>
+            <a:rect l="l" t="t" r="r" b="b"/>
+            <a:pathLst>
+              <a:path w="120000" h="120000" extrusionOk="0">
+                <a:moveTo>
+                  <a:pt x="0" y="0"/>
+                </a:moveTo>
+                <a:lnTo>
+                  <a:pt x="120000" y="0"/>
+                </a:lnTo>
+                <a:lnTo>
+                  <a:pt x="120000" y="120000"/>
+                </a:lnTo>
+                <a:lnTo>
+                  <a:pt x="0" y="120000"/>
+                </a:lnTo>
+                <a:close/>
+              </a:path>
+            </a:pathLst>
+          </a:custGeom>
+        </p:spPr>
+      </p:sp>
+      <p:sp>
+        <p:nvSpPr>
+          <p:cNvPr id="65" name="Google Shape;65;g163dd5cb31f_0_287:notes"/>
+          <p:cNvSpPr txBox="1">
+            <a:spLocks noGrp="1"/>
+          </p:cNvSpPr>
+          <p:nvPr>
+            <p:ph type="body" idx="1"/>
+          </p:nvPr>
+        </p:nvSpPr>
+        <p:spPr>
+          <a:xfrm>
+            <a:off x="685800" y="4343400"/>
+            <a:ext cx="5486400" cy="4114800"/>
+          </a:xfrm>
+          <a:prstGeom prst="rect">
+            <a:avLst/>
+          </a:prstGeom>
+        </p:spPr>
+        <p:txBody>
+          <a:bodyPr spcFirstLastPara="1" wrap="square" lIns="91425" tIns="91425" rIns="91425" bIns="91425" anchor="t" anchorCtr="0">
+            <a:noAutofit/>
+          </a:bodyPr>
+          <a:lstStyle/>
+          <a:p>
+            <a:pPr marL="0" lvl="0" indent="0" algn="l" rtl="0">
+              <a:spcBef>
+                <a:spcPts val="0"/>
+              </a:spcBef>
+              <a:spcAft>
+                <a:spcPts val="0"/>
+              </a:spcAft>
+              <a:buNone/>
+            </a:pPr>
+            <a:endParaRPr/>
+          </a:p>
+        </p:txBody>
+      </p:sp>
+    </p:spTree>
+    <p:extLst>
+      <p:ext uri="{BB962C8B-B14F-4D97-AF65-F5344CB8AC3E}">
+        <p14:creationId xmlns:p14="http://schemas.microsoft.com/office/powerpoint/2010/main" val="897912455"/>
+      </p:ext>
+    </p:extLst>
+  </p:cSld>
+  <p:clrMapOvr>
+    <a:masterClrMapping/>
+  </p:clrMapOvr>
+</p:notes>
+</file>
+
+<file path=ppt/notesSlides/notesSlide12.xml><?xml version="1.0" encoding="utf-8"?>
+<p:notes xmlns:a="http://schemas.openxmlformats.org/drawingml/2006/main" xmlns:r="http://schemas.openxmlformats.org/officeDocument/2006/relationships" xmlns:p="http://schemas.openxmlformats.org/presentationml/2006/main" showMasterSp="0" showMasterPhAnim="0">
+  <p:cSld>
+    <p:spTree>
+      <p:nvGrpSpPr>
+        <p:cNvPr id="1" name="Shape 63"/>
+        <p:cNvGrpSpPr/>
+        <p:nvPr/>
+      </p:nvGrpSpPr>
+      <p:grpSpPr>
+        <a:xfrm>
+          <a:off x="0" y="0"/>
+          <a:ext cx="0" cy="0"/>
+          <a:chOff x="0" y="0"/>
+          <a:chExt cx="0" cy="0"/>
+        </a:xfrm>
+      </p:grpSpPr>
+      <p:sp>
+        <p:nvSpPr>
+          <p:cNvPr id="64" name="Google Shape;64;g163dd5cb31f_0_287:notes"/>
+          <p:cNvSpPr>
+            <a:spLocks noGrp="1" noRot="1" noChangeAspect="1"/>
+          </p:cNvSpPr>
+          <p:nvPr>
+            <p:ph type="sldImg" idx="2"/>
+          </p:nvPr>
+        </p:nvSpPr>
+        <p:spPr>
+          <a:xfrm>
+            <a:off x="381000" y="685800"/>
+            <a:ext cx="6096000" cy="3429000"/>
+          </a:xfrm>
+          <a:custGeom>
+            <a:avLst/>
+            <a:gdLst/>
+            <a:ahLst/>
+            <a:cxnLst/>
+            <a:rect l="l" t="t" r="r" b="b"/>
+            <a:pathLst>
+              <a:path w="120000" h="120000" extrusionOk="0">
+                <a:moveTo>
+                  <a:pt x="0" y="0"/>
+                </a:moveTo>
+                <a:lnTo>
+                  <a:pt x="120000" y="0"/>
+                </a:lnTo>
+                <a:lnTo>
+                  <a:pt x="120000" y="120000"/>
+                </a:lnTo>
+                <a:lnTo>
+                  <a:pt x="0" y="120000"/>
+                </a:lnTo>
+                <a:close/>
+              </a:path>
+            </a:pathLst>
+          </a:custGeom>
+        </p:spPr>
+      </p:sp>
+      <p:sp>
+        <p:nvSpPr>
+          <p:cNvPr id="65" name="Google Shape;65;g163dd5cb31f_0_287:notes"/>
+          <p:cNvSpPr txBox="1">
+            <a:spLocks noGrp="1"/>
+          </p:cNvSpPr>
+          <p:nvPr>
+            <p:ph type="body" idx="1"/>
+          </p:nvPr>
+        </p:nvSpPr>
+        <p:spPr>
+          <a:xfrm>
+            <a:off x="685800" y="4343400"/>
+            <a:ext cx="5486400" cy="4114800"/>
+          </a:xfrm>
+          <a:prstGeom prst="rect">
+            <a:avLst/>
+          </a:prstGeom>
+        </p:spPr>
+        <p:txBody>
+          <a:bodyPr spcFirstLastPara="1" wrap="square" lIns="91425" tIns="91425" rIns="91425" bIns="91425" anchor="t" anchorCtr="0">
+            <a:noAutofit/>
+          </a:bodyPr>
+          <a:lstStyle/>
+          <a:p>
+            <a:pPr marL="0" lvl="0" indent="0" algn="l" rtl="0">
+              <a:spcBef>
+                <a:spcPts val="0"/>
+              </a:spcBef>
+              <a:spcAft>
+                <a:spcPts val="0"/>
+              </a:spcAft>
+              <a:buNone/>
+            </a:pPr>
+            <a:endParaRPr/>
+          </a:p>
+        </p:txBody>
+      </p:sp>
+    </p:spTree>
+    <p:extLst>
+      <p:ext uri="{BB962C8B-B14F-4D97-AF65-F5344CB8AC3E}">
+        <p14:creationId xmlns:p14="http://schemas.microsoft.com/office/powerpoint/2010/main" val="2124303327"/>
+      </p:ext>
+    </p:extLst>
+  </p:cSld>
+  <p:clrMapOvr>
+    <a:masterClrMapping/>
+  </p:clrMapOvr>
+</p:notes>
+</file>
+
+<file path=ppt/notesSlides/notesSlide13.xml><?xml version="1.0" encoding="utf-8"?>
+<p:notes xmlns:a="http://schemas.openxmlformats.org/drawingml/2006/main" xmlns:r="http://schemas.openxmlformats.org/officeDocument/2006/relationships" xmlns:p="http://schemas.openxmlformats.org/presentationml/2006/main" showMasterSp="0" showMasterPhAnim="0">
+  <p:cSld>
+    <p:spTree>
+      <p:nvGrpSpPr>
+        <p:cNvPr id="1" name="Shape 63"/>
+        <p:cNvGrpSpPr/>
+        <p:nvPr/>
+      </p:nvGrpSpPr>
+      <p:grpSpPr>
+        <a:xfrm>
+          <a:off x="0" y="0"/>
+          <a:ext cx="0" cy="0"/>
+          <a:chOff x="0" y="0"/>
+          <a:chExt cx="0" cy="0"/>
+        </a:xfrm>
+      </p:grpSpPr>
+      <p:sp>
+        <p:nvSpPr>
+          <p:cNvPr id="64" name="Google Shape;64;g163dd5cb31f_0_287:notes"/>
+          <p:cNvSpPr>
+            <a:spLocks noGrp="1" noRot="1" noChangeAspect="1"/>
+          </p:cNvSpPr>
+          <p:nvPr>
+            <p:ph type="sldImg" idx="2"/>
+          </p:nvPr>
+        </p:nvSpPr>
+        <p:spPr>
+          <a:xfrm>
+            <a:off x="381000" y="685800"/>
+            <a:ext cx="6096000" cy="3429000"/>
+          </a:xfrm>
+          <a:custGeom>
+            <a:avLst/>
+            <a:gdLst/>
+            <a:ahLst/>
+            <a:cxnLst/>
+            <a:rect l="l" t="t" r="r" b="b"/>
+            <a:pathLst>
+              <a:path w="120000" h="120000" extrusionOk="0">
+                <a:moveTo>
+                  <a:pt x="0" y="0"/>
+                </a:moveTo>
+                <a:lnTo>
+                  <a:pt x="120000" y="0"/>
+                </a:lnTo>
+                <a:lnTo>
+                  <a:pt x="120000" y="120000"/>
+                </a:lnTo>
+                <a:lnTo>
+                  <a:pt x="0" y="120000"/>
+                </a:lnTo>
+                <a:close/>
+              </a:path>
+            </a:pathLst>
+          </a:custGeom>
+        </p:spPr>
+      </p:sp>
+      <p:sp>
+        <p:nvSpPr>
+          <p:cNvPr id="65" name="Google Shape;65;g163dd5cb31f_0_287:notes"/>
+          <p:cNvSpPr txBox="1">
+            <a:spLocks noGrp="1"/>
+          </p:cNvSpPr>
+          <p:nvPr>
+            <p:ph type="body" idx="1"/>
+          </p:nvPr>
+        </p:nvSpPr>
+        <p:spPr>
+          <a:xfrm>
+            <a:off x="685800" y="4343400"/>
+            <a:ext cx="5486400" cy="4114800"/>
+          </a:xfrm>
+          <a:prstGeom prst="rect">
+            <a:avLst/>
+          </a:prstGeom>
+        </p:spPr>
+        <p:txBody>
+          <a:bodyPr spcFirstLastPara="1" wrap="square" lIns="91425" tIns="91425" rIns="91425" bIns="91425" anchor="t" anchorCtr="0">
+            <a:noAutofit/>
+          </a:bodyPr>
+          <a:lstStyle/>
+          <a:p>
+            <a:pPr marL="0" lvl="0" indent="0" algn="l" rtl="0">
+              <a:spcBef>
+                <a:spcPts val="0"/>
+              </a:spcBef>
+              <a:spcAft>
+                <a:spcPts val="0"/>
+              </a:spcAft>
+              <a:buNone/>
+            </a:pPr>
+            <a:endParaRPr/>
+          </a:p>
+        </p:txBody>
+      </p:sp>
+    </p:spTree>
+    <p:extLst>
+      <p:ext uri="{BB962C8B-B14F-4D97-AF65-F5344CB8AC3E}">
+        <p14:creationId xmlns:p14="http://schemas.microsoft.com/office/powerpoint/2010/main" val="227625090"/>
+      </p:ext>
+    </p:extLst>
+  </p:cSld>
+  <p:clrMapOvr>
+    <a:masterClrMapping/>
+  </p:clrMapOvr>
+</p:notes>
+</file>
+
+<file path=ppt/notesSlides/notesSlide14.xml><?xml version="1.0" encoding="utf-8"?>
+<p:notes xmlns:a="http://schemas.openxmlformats.org/drawingml/2006/main" xmlns:r="http://schemas.openxmlformats.org/officeDocument/2006/relationships" xmlns:p="http://schemas.openxmlformats.org/presentationml/2006/main" showMasterSp="0" showMasterPhAnim="0">
+  <p:cSld>
+    <p:spTree>
+      <p:nvGrpSpPr>
+        <p:cNvPr id="1" name="Shape 63"/>
+        <p:cNvGrpSpPr/>
+        <p:nvPr/>
+      </p:nvGrpSpPr>
+      <p:grpSpPr>
+        <a:xfrm>
+          <a:off x="0" y="0"/>
+          <a:ext cx="0" cy="0"/>
+          <a:chOff x="0" y="0"/>
+          <a:chExt cx="0" cy="0"/>
+        </a:xfrm>
+      </p:grpSpPr>
+      <p:sp>
+        <p:nvSpPr>
+          <p:cNvPr id="64" name="Google Shape;64;g163dd5cb31f_0_287:notes"/>
+          <p:cNvSpPr>
+            <a:spLocks noGrp="1" noRot="1" noChangeAspect="1"/>
+          </p:cNvSpPr>
+          <p:nvPr>
+            <p:ph type="sldImg" idx="2"/>
+          </p:nvPr>
+        </p:nvSpPr>
+        <p:spPr>
+          <a:xfrm>
+            <a:off x="381000" y="685800"/>
+            <a:ext cx="6096000" cy="3429000"/>
+          </a:xfrm>
+          <a:custGeom>
+            <a:avLst/>
+            <a:gdLst/>
+            <a:ahLst/>
+            <a:cxnLst/>
+            <a:rect l="l" t="t" r="r" b="b"/>
+            <a:pathLst>
+              <a:path w="120000" h="120000" extrusionOk="0">
+                <a:moveTo>
+                  <a:pt x="0" y="0"/>
+                </a:moveTo>
+                <a:lnTo>
+                  <a:pt x="120000" y="0"/>
+                </a:lnTo>
+                <a:lnTo>
+                  <a:pt x="120000" y="120000"/>
+                </a:lnTo>
+                <a:lnTo>
+                  <a:pt x="0" y="120000"/>
+                </a:lnTo>
+                <a:close/>
+              </a:path>
+            </a:pathLst>
+          </a:custGeom>
+        </p:spPr>
+      </p:sp>
+      <p:sp>
+        <p:nvSpPr>
+          <p:cNvPr id="65" name="Google Shape;65;g163dd5cb31f_0_287:notes"/>
+          <p:cNvSpPr txBox="1">
+            <a:spLocks noGrp="1"/>
+          </p:cNvSpPr>
+          <p:nvPr>
+            <p:ph type="body" idx="1"/>
+          </p:nvPr>
+        </p:nvSpPr>
+        <p:spPr>
+          <a:xfrm>
+            <a:off x="685800" y="4343400"/>
+            <a:ext cx="5486400" cy="4114800"/>
+          </a:xfrm>
+          <a:prstGeom prst="rect">
+            <a:avLst/>
+          </a:prstGeom>
+        </p:spPr>
+        <p:txBody>
+          <a:bodyPr spcFirstLastPara="1" wrap="square" lIns="91425" tIns="91425" rIns="91425" bIns="91425" anchor="t" anchorCtr="0">
+            <a:noAutofit/>
+          </a:bodyPr>
+          <a:lstStyle/>
+          <a:p>
+            <a:pPr marL="0" lvl="0" indent="0" algn="l" rtl="0">
+              <a:spcBef>
+                <a:spcPts val="0"/>
+              </a:spcBef>
+              <a:spcAft>
+                <a:spcPts val="0"/>
+              </a:spcAft>
+              <a:buNone/>
+            </a:pPr>
+            <a:endParaRPr/>
+          </a:p>
+        </p:txBody>
+      </p:sp>
+    </p:spTree>
+    <p:extLst>
+      <p:ext uri="{BB962C8B-B14F-4D97-AF65-F5344CB8AC3E}">
+        <p14:creationId xmlns:p14="http://schemas.microsoft.com/office/powerpoint/2010/main" val="1273731938"/>
+      </p:ext>
+    </p:extLst>
+  </p:cSld>
+  <p:clrMapOvr>
+    <a:masterClrMapping/>
+  </p:clrMapOvr>
+</p:notes>
+</file>
+
+<file path=ppt/notesSlides/notesSlide15.xml><?xml version="1.0" encoding="utf-8"?>
+<p:notes xmlns:a="http://schemas.openxmlformats.org/drawingml/2006/main" xmlns:r="http://schemas.openxmlformats.org/officeDocument/2006/relationships" xmlns:p="http://schemas.openxmlformats.org/presentationml/2006/main" showMasterSp="0" showMasterPhAnim="0">
+  <p:cSld>
+    <p:spTree>
+      <p:nvGrpSpPr>
+        <p:cNvPr id="1" name="Shape 63"/>
+        <p:cNvGrpSpPr/>
+        <p:nvPr/>
+      </p:nvGrpSpPr>
+      <p:grpSpPr>
+        <a:xfrm>
+          <a:off x="0" y="0"/>
+          <a:ext cx="0" cy="0"/>
+          <a:chOff x="0" y="0"/>
+          <a:chExt cx="0" cy="0"/>
+        </a:xfrm>
+      </p:grpSpPr>
+      <p:sp>
+        <p:nvSpPr>
+          <p:cNvPr id="64" name="Google Shape;64;g163dd5cb31f_0_287:notes"/>
+          <p:cNvSpPr>
+            <a:spLocks noGrp="1" noRot="1" noChangeAspect="1"/>
+          </p:cNvSpPr>
+          <p:nvPr>
+            <p:ph type="sldImg" idx="2"/>
+          </p:nvPr>
+        </p:nvSpPr>
+        <p:spPr>
+          <a:xfrm>
+            <a:off x="381000" y="685800"/>
+            <a:ext cx="6096000" cy="3429000"/>
+          </a:xfrm>
+          <a:custGeom>
+            <a:avLst/>
+            <a:gdLst/>
+            <a:ahLst/>
+            <a:cxnLst/>
+            <a:rect l="l" t="t" r="r" b="b"/>
+            <a:pathLst>
+              <a:path w="120000" h="120000" extrusionOk="0">
+                <a:moveTo>
+                  <a:pt x="0" y="0"/>
+                </a:moveTo>
+                <a:lnTo>
+                  <a:pt x="120000" y="0"/>
+                </a:lnTo>
+                <a:lnTo>
+                  <a:pt x="120000" y="120000"/>
+                </a:lnTo>
+                <a:lnTo>
+                  <a:pt x="0" y="120000"/>
+                </a:lnTo>
+                <a:close/>
+              </a:path>
+            </a:pathLst>
+          </a:custGeom>
+        </p:spPr>
+      </p:sp>
+      <p:sp>
+        <p:nvSpPr>
+          <p:cNvPr id="65" name="Google Shape;65;g163dd5cb31f_0_287:notes"/>
+          <p:cNvSpPr txBox="1">
+            <a:spLocks noGrp="1"/>
+          </p:cNvSpPr>
+          <p:nvPr>
+            <p:ph type="body" idx="1"/>
+          </p:nvPr>
+        </p:nvSpPr>
+        <p:spPr>
+          <a:xfrm>
+            <a:off x="685800" y="4343400"/>
+            <a:ext cx="5486400" cy="4114800"/>
+          </a:xfrm>
+          <a:prstGeom prst="rect">
+            <a:avLst/>
+          </a:prstGeom>
+        </p:spPr>
+        <p:txBody>
+          <a:bodyPr spcFirstLastPara="1" wrap="square" lIns="91425" tIns="91425" rIns="91425" bIns="91425" anchor="t" anchorCtr="0">
+            <a:noAutofit/>
+          </a:bodyPr>
+          <a:lstStyle/>
+          <a:p>
+            <a:pPr marL="0" lvl="0" indent="0" algn="l" rtl="0">
+              <a:spcBef>
+                <a:spcPts val="0"/>
+              </a:spcBef>
+              <a:spcAft>
+                <a:spcPts val="0"/>
+              </a:spcAft>
+              <a:buNone/>
+            </a:pPr>
+            <a:endParaRPr/>
+          </a:p>
+        </p:txBody>
+      </p:sp>
+    </p:spTree>
+    <p:extLst>
+      <p:ext uri="{BB962C8B-B14F-4D97-AF65-F5344CB8AC3E}">
+        <p14:creationId xmlns:p14="http://schemas.microsoft.com/office/powerpoint/2010/main" val="1990958122"/>
+      </p:ext>
+    </p:extLst>
+  </p:cSld>
+  <p:clrMapOvr>
+    <a:masterClrMapping/>
+  </p:clrMapOvr>
+</p:notes>
+</file>
+
+<file path=ppt/notesSlides/notesSlide16.xml><?xml version="1.0" encoding="utf-8"?>
+<p:notes xmlns:a="http://schemas.openxmlformats.org/drawingml/2006/main" xmlns:r="http://schemas.openxmlformats.org/officeDocument/2006/relationships" xmlns:p="http://schemas.openxmlformats.org/presentationml/2006/main" showMasterSp="0" showMasterPhAnim="0">
+  <p:cSld>
+    <p:spTree>
+      <p:nvGrpSpPr>
+        <p:cNvPr id="1" name="Shape 63"/>
+        <p:cNvGrpSpPr/>
+        <p:nvPr/>
+      </p:nvGrpSpPr>
+      <p:grpSpPr>
+        <a:xfrm>
+          <a:off x="0" y="0"/>
+          <a:ext cx="0" cy="0"/>
+          <a:chOff x="0" y="0"/>
+          <a:chExt cx="0" cy="0"/>
+        </a:xfrm>
+      </p:grpSpPr>
+      <p:sp>
+        <p:nvSpPr>
+          <p:cNvPr id="64" name="Google Shape;64;g163dd5cb31f_0_287:notes"/>
+          <p:cNvSpPr>
+            <a:spLocks noGrp="1" noRot="1" noChangeAspect="1"/>
+          </p:cNvSpPr>
+          <p:nvPr>
+            <p:ph type="sldImg" idx="2"/>
+          </p:nvPr>
+        </p:nvSpPr>
+        <p:spPr>
+          <a:xfrm>
+            <a:off x="381000" y="685800"/>
+            <a:ext cx="6096000" cy="3429000"/>
+          </a:xfrm>
+          <a:custGeom>
+            <a:avLst/>
+            <a:gdLst/>
+            <a:ahLst/>
+            <a:cxnLst/>
+            <a:rect l="l" t="t" r="r" b="b"/>
+            <a:pathLst>
+              <a:path w="120000" h="120000" extrusionOk="0">
+                <a:moveTo>
+                  <a:pt x="0" y="0"/>
+                </a:moveTo>
+                <a:lnTo>
+                  <a:pt x="120000" y="0"/>
+                </a:lnTo>
+                <a:lnTo>
+                  <a:pt x="120000" y="120000"/>
+                </a:lnTo>
+                <a:lnTo>
+                  <a:pt x="0" y="120000"/>
+                </a:lnTo>
+                <a:close/>
+              </a:path>
+            </a:pathLst>
+          </a:custGeom>
+        </p:spPr>
+      </p:sp>
+      <p:sp>
+        <p:nvSpPr>
+          <p:cNvPr id="65" name="Google Shape;65;g163dd5cb31f_0_287:notes"/>
+          <p:cNvSpPr txBox="1">
+            <a:spLocks noGrp="1"/>
+          </p:cNvSpPr>
+          <p:nvPr>
+            <p:ph type="body" idx="1"/>
+          </p:nvPr>
+        </p:nvSpPr>
+        <p:spPr>
+          <a:xfrm>
+            <a:off x="685800" y="4343400"/>
+            <a:ext cx="5486400" cy="4114800"/>
+          </a:xfrm>
+          <a:prstGeom prst="rect">
+            <a:avLst/>
+          </a:prstGeom>
+        </p:spPr>
+        <p:txBody>
+          <a:bodyPr spcFirstLastPara="1" wrap="square" lIns="91425" tIns="91425" rIns="91425" bIns="91425" anchor="t" anchorCtr="0">
+            <a:noAutofit/>
+          </a:bodyPr>
+          <a:lstStyle/>
+          <a:p>
+            <a:pPr marL="0" lvl="0" indent="0" algn="l" rtl="0">
+              <a:spcBef>
+                <a:spcPts val="0"/>
+              </a:spcBef>
+              <a:spcAft>
+                <a:spcPts val="0"/>
+              </a:spcAft>
+              <a:buNone/>
+            </a:pPr>
+            <a:endParaRPr/>
+          </a:p>
+        </p:txBody>
+      </p:sp>
+    </p:spTree>
+    <p:extLst>
+      <p:ext uri="{BB962C8B-B14F-4D97-AF65-F5344CB8AC3E}">
+        <p14:creationId xmlns:p14="http://schemas.microsoft.com/office/powerpoint/2010/main" val="3164261199"/>
+      </p:ext>
+    </p:extLst>
+  </p:cSld>
+  <p:clrMapOvr>
+    <a:masterClrMapping/>
+  </p:clrMapOvr>
+</p:notes>
+</file>
+
+<file path=ppt/notesSlides/notesSlide17.xml><?xml version="1.0" encoding="utf-8"?>
+<p:notes xmlns:a="http://schemas.openxmlformats.org/drawingml/2006/main" xmlns:r="http://schemas.openxmlformats.org/officeDocument/2006/relationships" xmlns:p="http://schemas.openxmlformats.org/presentationml/2006/main" showMasterSp="0" showMasterPhAnim="0">
+  <p:cSld>
+    <p:spTree>
+      <p:nvGrpSpPr>
+        <p:cNvPr id="1" name="Shape 63"/>
+        <p:cNvGrpSpPr/>
+        <p:nvPr/>
+      </p:nvGrpSpPr>
+      <p:grpSpPr>
+        <a:xfrm>
+          <a:off x="0" y="0"/>
+          <a:ext cx="0" cy="0"/>
+          <a:chOff x="0" y="0"/>
+          <a:chExt cx="0" cy="0"/>
+        </a:xfrm>
+      </p:grpSpPr>
+      <p:sp>
+        <p:nvSpPr>
+          <p:cNvPr id="64" name="Google Shape;64;g163dd5cb31f_0_287:notes"/>
+          <p:cNvSpPr>
+            <a:spLocks noGrp="1" noRot="1" noChangeAspect="1"/>
+          </p:cNvSpPr>
+          <p:nvPr>
+            <p:ph type="sldImg" idx="2"/>
+          </p:nvPr>
+        </p:nvSpPr>
+        <p:spPr>
+          <a:xfrm>
+            <a:off x="381000" y="685800"/>
+            <a:ext cx="6096000" cy="3429000"/>
+          </a:xfrm>
+          <a:custGeom>
+            <a:avLst/>
+            <a:gdLst/>
+            <a:ahLst/>
+            <a:cxnLst/>
+            <a:rect l="l" t="t" r="r" b="b"/>
+            <a:pathLst>
+              <a:path w="120000" h="120000" extrusionOk="0">
+                <a:moveTo>
+                  <a:pt x="0" y="0"/>
+                </a:moveTo>
+                <a:lnTo>
+                  <a:pt x="120000" y="0"/>
+                </a:lnTo>
+                <a:lnTo>
+                  <a:pt x="120000" y="120000"/>
+                </a:lnTo>
+                <a:lnTo>
+                  <a:pt x="0" y="120000"/>
+                </a:lnTo>
+                <a:close/>
+              </a:path>
+            </a:pathLst>
+          </a:custGeom>
+        </p:spPr>
+      </p:sp>
+      <p:sp>
+        <p:nvSpPr>
+          <p:cNvPr id="65" name="Google Shape;65;g163dd5cb31f_0_287:notes"/>
+          <p:cNvSpPr txBox="1">
+            <a:spLocks noGrp="1"/>
+          </p:cNvSpPr>
+          <p:nvPr>
+            <p:ph type="body" idx="1"/>
+          </p:nvPr>
+        </p:nvSpPr>
+        <p:spPr>
+          <a:xfrm>
+            <a:off x="685800" y="4343400"/>
+            <a:ext cx="5486400" cy="4114800"/>
+          </a:xfrm>
+          <a:prstGeom prst="rect">
+            <a:avLst/>
+          </a:prstGeom>
+        </p:spPr>
+        <p:txBody>
+          <a:bodyPr spcFirstLastPara="1" wrap="square" lIns="91425" tIns="91425" rIns="91425" bIns="91425" anchor="t" anchorCtr="0">
+            <a:noAutofit/>
+          </a:bodyPr>
+          <a:lstStyle/>
+          <a:p>
+            <a:pPr marL="0" lvl="0" indent="0" algn="l" rtl="0">
+              <a:spcBef>
+                <a:spcPts val="0"/>
+              </a:spcBef>
+              <a:spcAft>
+                <a:spcPts val="0"/>
+              </a:spcAft>
+              <a:buNone/>
+            </a:pPr>
+            <a:endParaRPr/>
+          </a:p>
+        </p:txBody>
+      </p:sp>
+    </p:spTree>
+    <p:extLst>
+      <p:ext uri="{BB962C8B-B14F-4D97-AF65-F5344CB8AC3E}">
+        <p14:creationId xmlns:p14="http://schemas.microsoft.com/office/powerpoint/2010/main" val="125979610"/>
+      </p:ext>
+    </p:extLst>
+  </p:cSld>
+  <p:clrMapOvr>
+    <a:masterClrMapping/>
+  </p:clrMapOvr>
+</p:notes>
+</file>
+
 <file path=ppt/notesSlides/notesSlide2.xml><?xml version="1.0" encoding="utf-8"?>
 <p:notes xmlns:a="http://schemas.openxmlformats.org/drawingml/2006/main" xmlns:r="http://schemas.openxmlformats.org/officeDocument/2006/relationships" xmlns:p="http://schemas.openxmlformats.org/presentationml/2006/main" showMasterSp="0" showMasterPhAnim="0">
   <p:cSld>
@@ -1349,7 +2231,7 @@
     </p:spTree>
     <p:extLst>
       <p:ext uri="{BB962C8B-B14F-4D97-AF65-F5344CB8AC3E}">
-        <p14:creationId xmlns:p14="http://schemas.microsoft.com/office/powerpoint/2010/main" val="4197503069"/>
+        <p14:creationId xmlns:p14="http://schemas.microsoft.com/office/powerpoint/2010/main" val="3376508604"/>
       </p:ext>
     </p:extLst>
   </p:cSld>
@@ -1458,7 +2340,225 @@
     </p:spTree>
     <p:extLst>
       <p:ext uri="{BB962C8B-B14F-4D97-AF65-F5344CB8AC3E}">
-        <p14:creationId xmlns:p14="http://schemas.microsoft.com/office/powerpoint/2010/main" val="3380128081"/>
+        <p14:creationId xmlns:p14="http://schemas.microsoft.com/office/powerpoint/2010/main" val="2398695139"/>
+      </p:ext>
+    </p:extLst>
+  </p:cSld>
+  <p:clrMapOvr>
+    <a:masterClrMapping/>
+  </p:clrMapOvr>
+</p:notes>
+</file>
+
+<file path=ppt/notesSlides/notesSlide8.xml><?xml version="1.0" encoding="utf-8"?>
+<p:notes xmlns:a="http://schemas.openxmlformats.org/drawingml/2006/main" xmlns:r="http://schemas.openxmlformats.org/officeDocument/2006/relationships" xmlns:p="http://schemas.openxmlformats.org/presentationml/2006/main" showMasterSp="0" showMasterPhAnim="0">
+  <p:cSld>
+    <p:spTree>
+      <p:nvGrpSpPr>
+        <p:cNvPr id="1" name="Shape 63"/>
+        <p:cNvGrpSpPr/>
+        <p:nvPr/>
+      </p:nvGrpSpPr>
+      <p:grpSpPr>
+        <a:xfrm>
+          <a:off x="0" y="0"/>
+          <a:ext cx="0" cy="0"/>
+          <a:chOff x="0" y="0"/>
+          <a:chExt cx="0" cy="0"/>
+        </a:xfrm>
+      </p:grpSpPr>
+      <p:sp>
+        <p:nvSpPr>
+          <p:cNvPr id="64" name="Google Shape;64;g163dd5cb31f_0_287:notes"/>
+          <p:cNvSpPr>
+            <a:spLocks noGrp="1" noRot="1" noChangeAspect="1"/>
+          </p:cNvSpPr>
+          <p:nvPr>
+            <p:ph type="sldImg" idx="2"/>
+          </p:nvPr>
+        </p:nvSpPr>
+        <p:spPr>
+          <a:xfrm>
+            <a:off x="381000" y="685800"/>
+            <a:ext cx="6096000" cy="3429000"/>
+          </a:xfrm>
+          <a:custGeom>
+            <a:avLst/>
+            <a:gdLst/>
+            <a:ahLst/>
+            <a:cxnLst/>
+            <a:rect l="l" t="t" r="r" b="b"/>
+            <a:pathLst>
+              <a:path w="120000" h="120000" extrusionOk="0">
+                <a:moveTo>
+                  <a:pt x="0" y="0"/>
+                </a:moveTo>
+                <a:lnTo>
+                  <a:pt x="120000" y="0"/>
+                </a:lnTo>
+                <a:lnTo>
+                  <a:pt x="120000" y="120000"/>
+                </a:lnTo>
+                <a:lnTo>
+                  <a:pt x="0" y="120000"/>
+                </a:lnTo>
+                <a:close/>
+              </a:path>
+            </a:pathLst>
+          </a:custGeom>
+        </p:spPr>
+      </p:sp>
+      <p:sp>
+        <p:nvSpPr>
+          <p:cNvPr id="65" name="Google Shape;65;g163dd5cb31f_0_287:notes"/>
+          <p:cNvSpPr txBox="1">
+            <a:spLocks noGrp="1"/>
+          </p:cNvSpPr>
+          <p:nvPr>
+            <p:ph type="body" idx="1"/>
+          </p:nvPr>
+        </p:nvSpPr>
+        <p:spPr>
+          <a:xfrm>
+            <a:off x="685800" y="4343400"/>
+            <a:ext cx="5486400" cy="4114800"/>
+          </a:xfrm>
+          <a:prstGeom prst="rect">
+            <a:avLst/>
+          </a:prstGeom>
+        </p:spPr>
+        <p:txBody>
+          <a:bodyPr spcFirstLastPara="1" wrap="square" lIns="91425" tIns="91425" rIns="91425" bIns="91425" anchor="t" anchorCtr="0">
+            <a:noAutofit/>
+          </a:bodyPr>
+          <a:lstStyle/>
+          <a:p>
+            <a:pPr marL="0" lvl="0" indent="0" algn="l" rtl="0">
+              <a:spcBef>
+                <a:spcPts val="0"/>
+              </a:spcBef>
+              <a:spcAft>
+                <a:spcPts val="0"/>
+              </a:spcAft>
+              <a:buNone/>
+            </a:pPr>
+            <a:endParaRPr/>
+          </a:p>
+        </p:txBody>
+      </p:sp>
+    </p:spTree>
+    <p:extLst>
+      <p:ext uri="{BB962C8B-B14F-4D97-AF65-F5344CB8AC3E}">
+        <p14:creationId xmlns:p14="http://schemas.microsoft.com/office/powerpoint/2010/main" val="2037683201"/>
+      </p:ext>
+    </p:extLst>
+  </p:cSld>
+  <p:clrMapOvr>
+    <a:masterClrMapping/>
+  </p:clrMapOvr>
+</p:notes>
+</file>
+
+<file path=ppt/notesSlides/notesSlide9.xml><?xml version="1.0" encoding="utf-8"?>
+<p:notes xmlns:a="http://schemas.openxmlformats.org/drawingml/2006/main" xmlns:r="http://schemas.openxmlformats.org/officeDocument/2006/relationships" xmlns:p="http://schemas.openxmlformats.org/presentationml/2006/main" showMasterSp="0" showMasterPhAnim="0">
+  <p:cSld>
+    <p:spTree>
+      <p:nvGrpSpPr>
+        <p:cNvPr id="1" name="Shape 69"/>
+        <p:cNvGrpSpPr/>
+        <p:nvPr/>
+      </p:nvGrpSpPr>
+      <p:grpSpPr>
+        <a:xfrm>
+          <a:off x="0" y="0"/>
+          <a:ext cx="0" cy="0"/>
+          <a:chOff x="0" y="0"/>
+          <a:chExt cx="0" cy="0"/>
+        </a:xfrm>
+      </p:grpSpPr>
+      <p:sp>
+        <p:nvSpPr>
+          <p:cNvPr id="70" name="Google Shape;70;g1658efc2617_0_22:notes"/>
+          <p:cNvSpPr>
+            <a:spLocks noGrp="1" noRot="1" noChangeAspect="1"/>
+          </p:cNvSpPr>
+          <p:nvPr>
+            <p:ph type="sldImg" idx="2"/>
+          </p:nvPr>
+        </p:nvSpPr>
+        <p:spPr>
+          <a:xfrm>
+            <a:off x="381000" y="685800"/>
+            <a:ext cx="6096000" cy="3429000"/>
+          </a:xfrm>
+          <a:custGeom>
+            <a:avLst/>
+            <a:gdLst/>
+            <a:ahLst/>
+            <a:cxnLst/>
+            <a:rect l="l" t="t" r="r" b="b"/>
+            <a:pathLst>
+              <a:path w="120000" h="120000" extrusionOk="0">
+                <a:moveTo>
+                  <a:pt x="0" y="0"/>
+                </a:moveTo>
+                <a:lnTo>
+                  <a:pt x="120000" y="0"/>
+                </a:lnTo>
+                <a:lnTo>
+                  <a:pt x="120000" y="120000"/>
+                </a:lnTo>
+                <a:lnTo>
+                  <a:pt x="0" y="120000"/>
+                </a:lnTo>
+                <a:close/>
+              </a:path>
+            </a:pathLst>
+          </a:custGeom>
+        </p:spPr>
+      </p:sp>
+      <p:sp>
+        <p:nvSpPr>
+          <p:cNvPr id="71" name="Google Shape;71;g1658efc2617_0_22:notes"/>
+          <p:cNvSpPr txBox="1">
+            <a:spLocks noGrp="1"/>
+          </p:cNvSpPr>
+          <p:nvPr>
+            <p:ph type="body" idx="1"/>
+          </p:nvPr>
+        </p:nvSpPr>
+        <p:spPr>
+          <a:xfrm>
+            <a:off x="685800" y="4343400"/>
+            <a:ext cx="5486400" cy="4114800"/>
+          </a:xfrm>
+          <a:prstGeom prst="rect">
+            <a:avLst/>
+          </a:prstGeom>
+        </p:spPr>
+        <p:txBody>
+          <a:bodyPr spcFirstLastPara="1" wrap="square" lIns="91425" tIns="91425" rIns="91425" bIns="91425" anchor="t" anchorCtr="0">
+            <a:noAutofit/>
+          </a:bodyPr>
+          <a:lstStyle/>
+          <a:p>
+            <a:pPr marL="0" lvl="0" indent="0" algn="l" rtl="0">
+              <a:spcBef>
+                <a:spcPts val="0"/>
+              </a:spcBef>
+              <a:spcAft>
+                <a:spcPts val="0"/>
+              </a:spcAft>
+              <a:buNone/>
+            </a:pPr>
+            <a:endParaRPr/>
+          </a:p>
+        </p:txBody>
+      </p:sp>
+    </p:spTree>
+    <p:extLst>
+      <p:ext uri="{BB962C8B-B14F-4D97-AF65-F5344CB8AC3E}">
+        <p14:creationId xmlns:p14="http://schemas.microsoft.com/office/powerpoint/2010/main" val="1173763263"/>
       </p:ext>
     </p:extLst>
   </p:cSld>
@@ -6775,6 +7875,1133 @@
 </p:sld>
 </file>
 
+<file path=ppt/slides/slide10.xml><?xml version="1.0" encoding="utf-8"?>
+<p:sld xmlns:a="http://schemas.openxmlformats.org/drawingml/2006/main" xmlns:r="http://schemas.openxmlformats.org/officeDocument/2006/relationships" xmlns:p="http://schemas.openxmlformats.org/presentationml/2006/main">
+  <p:cSld>
+    <p:spTree>
+      <p:nvGrpSpPr>
+        <p:cNvPr id="1" name="Shape 66"/>
+        <p:cNvGrpSpPr/>
+        <p:nvPr/>
+      </p:nvGrpSpPr>
+      <p:grpSpPr>
+        <a:xfrm>
+          <a:off x="0" y="0"/>
+          <a:ext cx="0" cy="0"/>
+          <a:chOff x="0" y="0"/>
+          <a:chExt cx="0" cy="0"/>
+        </a:xfrm>
+      </p:grpSpPr>
+      <p:sp>
+        <p:nvSpPr>
+          <p:cNvPr id="67" name="Google Shape;67;p14"/>
+          <p:cNvSpPr txBox="1">
+            <a:spLocks noGrp="1"/>
+          </p:cNvSpPr>
+          <p:nvPr>
+            <p:ph type="body" idx="1"/>
+          </p:nvPr>
+        </p:nvSpPr>
+        <p:spPr>
+          <a:xfrm>
+            <a:off x="311700" y="1152475"/>
+            <a:ext cx="8520600" cy="3416400"/>
+          </a:xfrm>
+          <a:prstGeom prst="rect">
+            <a:avLst/>
+          </a:prstGeom>
+        </p:spPr>
+        <p:txBody>
+          <a:bodyPr spcFirstLastPara="1" wrap="square" lIns="91425" tIns="91425" rIns="91425" bIns="91425" anchor="t" anchorCtr="0">
+            <a:normAutofit/>
+          </a:bodyPr>
+          <a:lstStyle/>
+          <a:p>
+            <a:pPr marL="457200" lvl="0" indent="-342900" algn="just" rtl="0">
+              <a:spcBef>
+                <a:spcPts val="0"/>
+              </a:spcBef>
+              <a:spcAft>
+                <a:spcPts val="0"/>
+              </a:spcAft>
+              <a:buSzPts val="1800"/>
+              <a:buChar char="●"/>
+            </a:pPr>
+            <a:r>
+              <a:rPr lang="vi-VN" sz="1800"/>
+              <a:t>JSON Web Token (JWT) là một cách nhỏ gọn và an toàn để truyền dữ liệu giữa hai bên. Thông tin có thể được tin cậy vì nó được ký số.</a:t>
+            </a:r>
+            <a:endParaRPr lang="vi-VN"/>
+          </a:p>
+        </p:txBody>
+      </p:sp>
+      <p:sp>
+        <p:nvSpPr>
+          <p:cNvPr id="68" name="Google Shape;68;p14"/>
+          <p:cNvSpPr txBox="1">
+            <a:spLocks noGrp="1"/>
+          </p:cNvSpPr>
+          <p:nvPr>
+            <p:ph type="title"/>
+          </p:nvPr>
+        </p:nvSpPr>
+        <p:spPr>
+          <a:xfrm>
+            <a:off x="311700" y="445025"/>
+            <a:ext cx="8520600" cy="572700"/>
+          </a:xfrm>
+          <a:prstGeom prst="rect">
+            <a:avLst/>
+          </a:prstGeom>
+        </p:spPr>
+        <p:txBody>
+          <a:bodyPr spcFirstLastPara="1" wrap="square" lIns="91425" tIns="91425" rIns="91425" bIns="91425" anchor="t" anchorCtr="0">
+            <a:normAutofit fontScale="90000"/>
+          </a:bodyPr>
+          <a:lstStyle/>
+          <a:p>
+            <a:pPr marL="0" lvl="0" indent="0" algn="l" rtl="0">
+              <a:spcBef>
+                <a:spcPts val="0"/>
+              </a:spcBef>
+              <a:spcAft>
+                <a:spcPts val="0"/>
+              </a:spcAft>
+              <a:buNone/>
+            </a:pPr>
+            <a:r>
+              <a:rPr lang="vi-VN"/>
+              <a:t>JSON Web Token (JWT)</a:t>
+            </a:r>
+            <a:endParaRPr/>
+          </a:p>
+        </p:txBody>
+      </p:sp>
+      <p:pic>
+        <p:nvPicPr>
+          <p:cNvPr id="7" name="Picture 6">
+            <a:extLst>
+              <a:ext uri="{FF2B5EF4-FFF2-40B4-BE49-F238E27FC236}">
+                <a16:creationId xmlns:a16="http://schemas.microsoft.com/office/drawing/2014/main" id="{8EBC4B7C-F015-BEBB-A07C-5984E521192E}"/>
+              </a:ext>
+            </a:extLst>
+          </p:cNvPr>
+          <p:cNvPicPr>
+            <a:picLocks noChangeAspect="1"/>
+          </p:cNvPicPr>
+          <p:nvPr/>
+        </p:nvPicPr>
+        <p:blipFill>
+          <a:blip r:embed="rId3"/>
+          <a:stretch>
+            <a:fillRect/>
+          </a:stretch>
+        </p:blipFill>
+        <p:spPr>
+          <a:xfrm>
+            <a:off x="1915391" y="1959986"/>
+            <a:ext cx="5313218" cy="2796255"/>
+          </a:xfrm>
+          <a:prstGeom prst="rect">
+            <a:avLst/>
+          </a:prstGeom>
+        </p:spPr>
+      </p:pic>
+    </p:spTree>
+    <p:extLst>
+      <p:ext uri="{BB962C8B-B14F-4D97-AF65-F5344CB8AC3E}">
+        <p14:creationId xmlns:p14="http://schemas.microsoft.com/office/powerpoint/2010/main" val="2655464343"/>
+      </p:ext>
+    </p:extLst>
+  </p:cSld>
+  <p:clrMapOvr>
+    <a:masterClrMapping/>
+  </p:clrMapOvr>
+</p:sld>
+</file>
+
+<file path=ppt/slides/slide11.xml><?xml version="1.0" encoding="utf-8"?>
+<p:sld xmlns:a="http://schemas.openxmlformats.org/drawingml/2006/main" xmlns:r="http://schemas.openxmlformats.org/officeDocument/2006/relationships" xmlns:p="http://schemas.openxmlformats.org/presentationml/2006/main">
+  <p:cSld>
+    <p:spTree>
+      <p:nvGrpSpPr>
+        <p:cNvPr id="1" name="Shape 66"/>
+        <p:cNvGrpSpPr/>
+        <p:nvPr/>
+      </p:nvGrpSpPr>
+      <p:grpSpPr>
+        <a:xfrm>
+          <a:off x="0" y="0"/>
+          <a:ext cx="0" cy="0"/>
+          <a:chOff x="0" y="0"/>
+          <a:chExt cx="0" cy="0"/>
+        </a:xfrm>
+      </p:grpSpPr>
+      <p:sp>
+        <p:nvSpPr>
+          <p:cNvPr id="67" name="Google Shape;67;p14"/>
+          <p:cNvSpPr txBox="1">
+            <a:spLocks noGrp="1"/>
+          </p:cNvSpPr>
+          <p:nvPr>
+            <p:ph type="body" idx="1"/>
+          </p:nvPr>
+        </p:nvSpPr>
+        <p:spPr>
+          <a:xfrm>
+            <a:off x="311700" y="1152475"/>
+            <a:ext cx="8520600" cy="3416400"/>
+          </a:xfrm>
+          <a:prstGeom prst="rect">
+            <a:avLst/>
+          </a:prstGeom>
+        </p:spPr>
+        <p:txBody>
+          <a:bodyPr spcFirstLastPara="1" wrap="square" lIns="91425" tIns="91425" rIns="91425" bIns="91425" anchor="t" anchorCtr="0">
+            <a:normAutofit/>
+          </a:bodyPr>
+          <a:lstStyle/>
+          <a:p>
+            <a:pPr marL="457200" lvl="0" indent="-342900" algn="just" rtl="0">
+              <a:spcBef>
+                <a:spcPts val="0"/>
+              </a:spcBef>
+              <a:spcAft>
+                <a:spcPts val="0"/>
+              </a:spcAft>
+              <a:buSzPts val="1800"/>
+              <a:buChar char="●"/>
+            </a:pPr>
+            <a:r>
+              <a:rPr lang="vi-VN" sz="1800"/>
+              <a:t>Cấu trúc của JWT: bao gồm 3 thành phần tách biệt bởi dấu .</a:t>
+            </a:r>
+          </a:p>
+          <a:p>
+            <a:pPr lvl="1" indent="-342900" algn="just">
+              <a:buSzPts val="1800"/>
+              <a:buChar char="●"/>
+            </a:pPr>
+            <a:r>
+              <a:rPr lang="vi-VN"/>
+              <a:t>Header</a:t>
+            </a:r>
+          </a:p>
+          <a:p>
+            <a:pPr lvl="1" indent="-342900" algn="just">
+              <a:buSzPts val="1800"/>
+              <a:buChar char="●"/>
+            </a:pPr>
+            <a:r>
+              <a:rPr lang="vi-VN"/>
+              <a:t>Payload</a:t>
+            </a:r>
+          </a:p>
+          <a:p>
+            <a:pPr lvl="1" indent="-342900" algn="just">
+              <a:buSzPts val="1800"/>
+              <a:buChar char="●"/>
+            </a:pPr>
+            <a:r>
+              <a:rPr lang="vi-VN"/>
+              <a:t>Signature</a:t>
+            </a:r>
+          </a:p>
+          <a:p>
+            <a:pPr algn="just"/>
+            <a:r>
+              <a:rPr lang="vi-VN"/>
+              <a:t>Ví dụ: hhhh.pppppp.ssssssss</a:t>
+            </a:r>
+          </a:p>
+        </p:txBody>
+      </p:sp>
+      <p:sp>
+        <p:nvSpPr>
+          <p:cNvPr id="68" name="Google Shape;68;p14"/>
+          <p:cNvSpPr txBox="1">
+            <a:spLocks noGrp="1"/>
+          </p:cNvSpPr>
+          <p:nvPr>
+            <p:ph type="title"/>
+          </p:nvPr>
+        </p:nvSpPr>
+        <p:spPr>
+          <a:xfrm>
+            <a:off x="311700" y="445025"/>
+            <a:ext cx="8520600" cy="572700"/>
+          </a:xfrm>
+          <a:prstGeom prst="rect">
+            <a:avLst/>
+          </a:prstGeom>
+        </p:spPr>
+        <p:txBody>
+          <a:bodyPr spcFirstLastPara="1" wrap="square" lIns="91425" tIns="91425" rIns="91425" bIns="91425" anchor="t" anchorCtr="0">
+            <a:normAutofit fontScale="90000"/>
+          </a:bodyPr>
+          <a:lstStyle/>
+          <a:p>
+            <a:pPr marL="0" lvl="0" indent="0" algn="l" rtl="0">
+              <a:spcBef>
+                <a:spcPts val="0"/>
+              </a:spcBef>
+              <a:spcAft>
+                <a:spcPts val="0"/>
+              </a:spcAft>
+              <a:buNone/>
+            </a:pPr>
+            <a:r>
+              <a:rPr lang="vi-VN"/>
+              <a:t>JSON Web Token (JWT)</a:t>
+            </a:r>
+            <a:endParaRPr/>
+          </a:p>
+        </p:txBody>
+      </p:sp>
+    </p:spTree>
+    <p:extLst>
+      <p:ext uri="{BB962C8B-B14F-4D97-AF65-F5344CB8AC3E}">
+        <p14:creationId xmlns:p14="http://schemas.microsoft.com/office/powerpoint/2010/main" val="541534169"/>
+      </p:ext>
+    </p:extLst>
+  </p:cSld>
+  <p:clrMapOvr>
+    <a:masterClrMapping/>
+  </p:clrMapOvr>
+</p:sld>
+</file>
+
+<file path=ppt/slides/slide12.xml><?xml version="1.0" encoding="utf-8"?>
+<p:sld xmlns:a="http://schemas.openxmlformats.org/drawingml/2006/main" xmlns:r="http://schemas.openxmlformats.org/officeDocument/2006/relationships" xmlns:p="http://schemas.openxmlformats.org/presentationml/2006/main">
+  <p:cSld>
+    <p:spTree>
+      <p:nvGrpSpPr>
+        <p:cNvPr id="1" name="Shape 66"/>
+        <p:cNvGrpSpPr/>
+        <p:nvPr/>
+      </p:nvGrpSpPr>
+      <p:grpSpPr>
+        <a:xfrm>
+          <a:off x="0" y="0"/>
+          <a:ext cx="0" cy="0"/>
+          <a:chOff x="0" y="0"/>
+          <a:chExt cx="0" cy="0"/>
+        </a:xfrm>
+      </p:grpSpPr>
+      <p:sp>
+        <p:nvSpPr>
+          <p:cNvPr id="67" name="Google Shape;67;p14"/>
+          <p:cNvSpPr txBox="1">
+            <a:spLocks noGrp="1"/>
+          </p:cNvSpPr>
+          <p:nvPr>
+            <p:ph type="body" idx="1"/>
+          </p:nvPr>
+        </p:nvSpPr>
+        <p:spPr>
+          <a:xfrm>
+            <a:off x="311700" y="1152475"/>
+            <a:ext cx="8520600" cy="3416400"/>
+          </a:xfrm>
+          <a:prstGeom prst="rect">
+            <a:avLst/>
+          </a:prstGeom>
+        </p:spPr>
+        <p:txBody>
+          <a:bodyPr spcFirstLastPara="1" wrap="square" lIns="91425" tIns="91425" rIns="91425" bIns="91425" anchor="t" anchorCtr="0">
+            <a:normAutofit/>
+          </a:bodyPr>
+          <a:lstStyle/>
+          <a:p>
+            <a:pPr algn="just"/>
+            <a:r>
+              <a:rPr lang="vi-VN"/>
+              <a:t>Ví dụ: hhhh.pppppp.ssssssss</a:t>
+            </a:r>
+          </a:p>
+        </p:txBody>
+      </p:sp>
+      <p:sp>
+        <p:nvSpPr>
+          <p:cNvPr id="68" name="Google Shape;68;p14"/>
+          <p:cNvSpPr txBox="1">
+            <a:spLocks noGrp="1"/>
+          </p:cNvSpPr>
+          <p:nvPr>
+            <p:ph type="title"/>
+          </p:nvPr>
+        </p:nvSpPr>
+        <p:spPr>
+          <a:xfrm>
+            <a:off x="311700" y="445025"/>
+            <a:ext cx="8520600" cy="572700"/>
+          </a:xfrm>
+          <a:prstGeom prst="rect">
+            <a:avLst/>
+          </a:prstGeom>
+        </p:spPr>
+        <p:txBody>
+          <a:bodyPr spcFirstLastPara="1" wrap="square" lIns="91425" tIns="91425" rIns="91425" bIns="91425" anchor="t" anchorCtr="0">
+            <a:normAutofit fontScale="90000"/>
+          </a:bodyPr>
+          <a:lstStyle/>
+          <a:p>
+            <a:pPr marL="0" lvl="0" indent="0" algn="l" rtl="0">
+              <a:spcBef>
+                <a:spcPts val="0"/>
+              </a:spcBef>
+              <a:spcAft>
+                <a:spcPts val="0"/>
+              </a:spcAft>
+              <a:buNone/>
+            </a:pPr>
+            <a:r>
+              <a:rPr lang="vi-VN"/>
+              <a:t>JSON Web Token (JWT)</a:t>
+            </a:r>
+            <a:endParaRPr/>
+          </a:p>
+        </p:txBody>
+      </p:sp>
+      <p:pic>
+        <p:nvPicPr>
+          <p:cNvPr id="3" name="Picture 2">
+            <a:extLst>
+              <a:ext uri="{FF2B5EF4-FFF2-40B4-BE49-F238E27FC236}">
+                <a16:creationId xmlns:a16="http://schemas.microsoft.com/office/drawing/2014/main" id="{0F3D5136-BFF4-584C-21DA-BE04294FAAFD}"/>
+              </a:ext>
+            </a:extLst>
+          </p:cNvPr>
+          <p:cNvPicPr>
+            <a:picLocks noChangeAspect="1"/>
+          </p:cNvPicPr>
+          <p:nvPr/>
+        </p:nvPicPr>
+        <p:blipFill>
+          <a:blip r:embed="rId3"/>
+          <a:stretch>
+            <a:fillRect/>
+          </a:stretch>
+        </p:blipFill>
+        <p:spPr>
+          <a:xfrm>
+            <a:off x="810490" y="1239133"/>
+            <a:ext cx="6747164" cy="3639435"/>
+          </a:xfrm>
+          <a:prstGeom prst="rect">
+            <a:avLst/>
+          </a:prstGeom>
+        </p:spPr>
+      </p:pic>
+    </p:spTree>
+    <p:extLst>
+      <p:ext uri="{BB962C8B-B14F-4D97-AF65-F5344CB8AC3E}">
+        <p14:creationId xmlns:p14="http://schemas.microsoft.com/office/powerpoint/2010/main" val="396573523"/>
+      </p:ext>
+    </p:extLst>
+  </p:cSld>
+  <p:clrMapOvr>
+    <a:masterClrMapping/>
+  </p:clrMapOvr>
+</p:sld>
+</file>
+
+<file path=ppt/slides/slide13.xml><?xml version="1.0" encoding="utf-8"?>
+<p:sld xmlns:a="http://schemas.openxmlformats.org/drawingml/2006/main" xmlns:r="http://schemas.openxmlformats.org/officeDocument/2006/relationships" xmlns:p="http://schemas.openxmlformats.org/presentationml/2006/main">
+  <p:cSld>
+    <p:spTree>
+      <p:nvGrpSpPr>
+        <p:cNvPr id="1" name="Shape 66"/>
+        <p:cNvGrpSpPr/>
+        <p:nvPr/>
+      </p:nvGrpSpPr>
+      <p:grpSpPr>
+        <a:xfrm>
+          <a:off x="0" y="0"/>
+          <a:ext cx="0" cy="0"/>
+          <a:chOff x="0" y="0"/>
+          <a:chExt cx="0" cy="0"/>
+        </a:xfrm>
+      </p:grpSpPr>
+      <p:sp>
+        <p:nvSpPr>
+          <p:cNvPr id="67" name="Google Shape;67;p14"/>
+          <p:cNvSpPr txBox="1">
+            <a:spLocks noGrp="1"/>
+          </p:cNvSpPr>
+          <p:nvPr>
+            <p:ph type="body" idx="1"/>
+          </p:nvPr>
+        </p:nvSpPr>
+        <p:spPr>
+          <a:xfrm>
+            <a:off x="311700" y="1152475"/>
+            <a:ext cx="8520600" cy="3416400"/>
+          </a:xfrm>
+          <a:prstGeom prst="rect">
+            <a:avLst/>
+          </a:prstGeom>
+        </p:spPr>
+        <p:txBody>
+          <a:bodyPr spcFirstLastPara="1" wrap="square" lIns="91425" tIns="91425" rIns="91425" bIns="91425" anchor="t" anchorCtr="0">
+            <a:normAutofit/>
+          </a:bodyPr>
+          <a:lstStyle/>
+          <a:p>
+            <a:pPr algn="just"/>
+            <a:r>
+              <a:rPr lang="vi-VN"/>
+              <a:t>Được dùng khi nào?</a:t>
+            </a:r>
+          </a:p>
+        </p:txBody>
+      </p:sp>
+      <p:sp>
+        <p:nvSpPr>
+          <p:cNvPr id="68" name="Google Shape;68;p14"/>
+          <p:cNvSpPr txBox="1">
+            <a:spLocks noGrp="1"/>
+          </p:cNvSpPr>
+          <p:nvPr>
+            <p:ph type="title"/>
+          </p:nvPr>
+        </p:nvSpPr>
+        <p:spPr>
+          <a:xfrm>
+            <a:off x="311700" y="445025"/>
+            <a:ext cx="8520600" cy="572700"/>
+          </a:xfrm>
+          <a:prstGeom prst="rect">
+            <a:avLst/>
+          </a:prstGeom>
+        </p:spPr>
+        <p:txBody>
+          <a:bodyPr spcFirstLastPara="1" wrap="square" lIns="91425" tIns="91425" rIns="91425" bIns="91425" anchor="t" anchorCtr="0">
+            <a:normAutofit fontScale="90000"/>
+          </a:bodyPr>
+          <a:lstStyle/>
+          <a:p>
+            <a:pPr marL="0" lvl="0" indent="0" algn="l" rtl="0">
+              <a:spcBef>
+                <a:spcPts val="0"/>
+              </a:spcBef>
+              <a:spcAft>
+                <a:spcPts val="0"/>
+              </a:spcAft>
+              <a:buNone/>
+            </a:pPr>
+            <a:r>
+              <a:rPr lang="vi-VN"/>
+              <a:t>JSON Web Token (JWT)</a:t>
+            </a:r>
+            <a:endParaRPr/>
+          </a:p>
+        </p:txBody>
+      </p:sp>
+      <p:pic>
+        <p:nvPicPr>
+          <p:cNvPr id="4" name="Picture 3">
+            <a:extLst>
+              <a:ext uri="{FF2B5EF4-FFF2-40B4-BE49-F238E27FC236}">
+                <a16:creationId xmlns:a16="http://schemas.microsoft.com/office/drawing/2014/main" id="{1DA78046-78EE-D57A-E150-6BAFFC86F78A}"/>
+              </a:ext>
+            </a:extLst>
+          </p:cNvPr>
+          <p:cNvPicPr>
+            <a:picLocks noChangeAspect="1"/>
+          </p:cNvPicPr>
+          <p:nvPr/>
+        </p:nvPicPr>
+        <p:blipFill>
+          <a:blip r:embed="rId3"/>
+          <a:stretch>
+            <a:fillRect/>
+          </a:stretch>
+        </p:blipFill>
+        <p:spPr>
+          <a:xfrm>
+            <a:off x="958301" y="1523343"/>
+            <a:ext cx="7227398" cy="2329449"/>
+          </a:xfrm>
+          <a:prstGeom prst="rect">
+            <a:avLst/>
+          </a:prstGeom>
+        </p:spPr>
+      </p:pic>
+    </p:spTree>
+    <p:extLst>
+      <p:ext uri="{BB962C8B-B14F-4D97-AF65-F5344CB8AC3E}">
+        <p14:creationId xmlns:p14="http://schemas.microsoft.com/office/powerpoint/2010/main" val="1621739617"/>
+      </p:ext>
+    </p:extLst>
+  </p:cSld>
+  <p:clrMapOvr>
+    <a:masterClrMapping/>
+  </p:clrMapOvr>
+</p:sld>
+</file>
+
+<file path=ppt/slides/slide14.xml><?xml version="1.0" encoding="utf-8"?>
+<p:sld xmlns:a="http://schemas.openxmlformats.org/drawingml/2006/main" xmlns:r="http://schemas.openxmlformats.org/officeDocument/2006/relationships" xmlns:p="http://schemas.openxmlformats.org/presentationml/2006/main">
+  <p:cSld>
+    <p:spTree>
+      <p:nvGrpSpPr>
+        <p:cNvPr id="1" name="Shape 66"/>
+        <p:cNvGrpSpPr/>
+        <p:nvPr/>
+      </p:nvGrpSpPr>
+      <p:grpSpPr>
+        <a:xfrm>
+          <a:off x="0" y="0"/>
+          <a:ext cx="0" cy="0"/>
+          <a:chOff x="0" y="0"/>
+          <a:chExt cx="0" cy="0"/>
+        </a:xfrm>
+      </p:grpSpPr>
+      <p:sp>
+        <p:nvSpPr>
+          <p:cNvPr id="67" name="Google Shape;67;p14"/>
+          <p:cNvSpPr txBox="1">
+            <a:spLocks noGrp="1"/>
+          </p:cNvSpPr>
+          <p:nvPr>
+            <p:ph type="body" idx="1"/>
+          </p:nvPr>
+        </p:nvSpPr>
+        <p:spPr>
+          <a:xfrm>
+            <a:off x="311700" y="1152475"/>
+            <a:ext cx="8520600" cy="3416400"/>
+          </a:xfrm>
+          <a:prstGeom prst="rect">
+            <a:avLst/>
+          </a:prstGeom>
+        </p:spPr>
+        <p:txBody>
+          <a:bodyPr spcFirstLastPara="1" wrap="square" lIns="91425" tIns="91425" rIns="91425" bIns="91425" anchor="t" anchorCtr="0">
+            <a:normAutofit/>
+          </a:bodyPr>
+          <a:lstStyle/>
+          <a:p>
+            <a:pPr algn="just"/>
+            <a:r>
+              <a:rPr lang="vi-VN"/>
+              <a:t>Là quá trình xác thực người dùng bằng cách hiển thị một trang HTML tùy chỉnh để thu thập thông tin đăng nhập và chuyển hướng trách nhiệm xác thực cho ứng dụng web thu thập dữ liệu biểu mẫu.</a:t>
+            </a:r>
+          </a:p>
+        </p:txBody>
+      </p:sp>
+      <p:sp>
+        <p:nvSpPr>
+          <p:cNvPr id="68" name="Google Shape;68;p14"/>
+          <p:cNvSpPr txBox="1">
+            <a:spLocks noGrp="1"/>
+          </p:cNvSpPr>
+          <p:nvPr>
+            <p:ph type="title"/>
+          </p:nvPr>
+        </p:nvSpPr>
+        <p:spPr>
+          <a:xfrm>
+            <a:off x="311700" y="445025"/>
+            <a:ext cx="8520600" cy="572700"/>
+          </a:xfrm>
+          <a:prstGeom prst="rect">
+            <a:avLst/>
+          </a:prstGeom>
+        </p:spPr>
+        <p:txBody>
+          <a:bodyPr spcFirstLastPara="1" wrap="square" lIns="91425" tIns="91425" rIns="91425" bIns="91425" anchor="t" anchorCtr="0">
+            <a:normAutofit fontScale="90000"/>
+          </a:bodyPr>
+          <a:lstStyle/>
+          <a:p>
+            <a:pPr marL="0" lvl="0" indent="0" algn="l" rtl="0">
+              <a:spcBef>
+                <a:spcPts val="0"/>
+              </a:spcBef>
+              <a:spcAft>
+                <a:spcPts val="0"/>
+              </a:spcAft>
+              <a:buNone/>
+            </a:pPr>
+            <a:r>
+              <a:rPr lang="vi-VN"/>
+              <a:t>Form Based Authentication</a:t>
+            </a:r>
+            <a:endParaRPr/>
+          </a:p>
+        </p:txBody>
+      </p:sp>
+      <p:pic>
+        <p:nvPicPr>
+          <p:cNvPr id="3" name="Picture 2">
+            <a:extLst>
+              <a:ext uri="{FF2B5EF4-FFF2-40B4-BE49-F238E27FC236}">
+                <a16:creationId xmlns:a16="http://schemas.microsoft.com/office/drawing/2014/main" id="{E28AA783-C620-FD7D-ECDB-7C3509592838}"/>
+              </a:ext>
+            </a:extLst>
+          </p:cNvPr>
+          <p:cNvPicPr>
+            <a:picLocks noChangeAspect="1"/>
+          </p:cNvPicPr>
+          <p:nvPr/>
+        </p:nvPicPr>
+        <p:blipFill>
+          <a:blip r:embed="rId3"/>
+          <a:stretch>
+            <a:fillRect/>
+          </a:stretch>
+        </p:blipFill>
+        <p:spPr>
+          <a:xfrm>
+            <a:off x="1908463" y="2196742"/>
+            <a:ext cx="5327073" cy="2792308"/>
+          </a:xfrm>
+          <a:prstGeom prst="rect">
+            <a:avLst/>
+          </a:prstGeom>
+        </p:spPr>
+      </p:pic>
+    </p:spTree>
+    <p:extLst>
+      <p:ext uri="{BB962C8B-B14F-4D97-AF65-F5344CB8AC3E}">
+        <p14:creationId xmlns:p14="http://schemas.microsoft.com/office/powerpoint/2010/main" val="2888056737"/>
+      </p:ext>
+    </p:extLst>
+  </p:cSld>
+  <p:clrMapOvr>
+    <a:masterClrMapping/>
+  </p:clrMapOvr>
+</p:sld>
+</file>
+
+<file path=ppt/slides/slide15.xml><?xml version="1.0" encoding="utf-8"?>
+<p:sld xmlns:a="http://schemas.openxmlformats.org/drawingml/2006/main" xmlns:r="http://schemas.openxmlformats.org/officeDocument/2006/relationships" xmlns:p="http://schemas.openxmlformats.org/presentationml/2006/main">
+  <p:cSld>
+    <p:spTree>
+      <p:nvGrpSpPr>
+        <p:cNvPr id="1" name="Shape 66"/>
+        <p:cNvGrpSpPr/>
+        <p:nvPr/>
+      </p:nvGrpSpPr>
+      <p:grpSpPr>
+        <a:xfrm>
+          <a:off x="0" y="0"/>
+          <a:ext cx="0" cy="0"/>
+          <a:chOff x="0" y="0"/>
+          <a:chExt cx="0" cy="0"/>
+        </a:xfrm>
+      </p:grpSpPr>
+      <p:sp>
+        <p:nvSpPr>
+          <p:cNvPr id="67" name="Google Shape;67;p14"/>
+          <p:cNvSpPr txBox="1">
+            <a:spLocks noGrp="1"/>
+          </p:cNvSpPr>
+          <p:nvPr>
+            <p:ph type="body" idx="1"/>
+          </p:nvPr>
+        </p:nvSpPr>
+        <p:spPr>
+          <a:xfrm>
+            <a:off x="311700" y="1152475"/>
+            <a:ext cx="8520600" cy="3416400"/>
+          </a:xfrm>
+          <a:prstGeom prst="rect">
+            <a:avLst/>
+          </a:prstGeom>
+        </p:spPr>
+        <p:txBody>
+          <a:bodyPr spcFirstLastPara="1" wrap="square" lIns="91425" tIns="91425" rIns="91425" bIns="91425" anchor="t" anchorCtr="0">
+            <a:normAutofit/>
+          </a:bodyPr>
+          <a:lstStyle/>
+          <a:p>
+            <a:pPr algn="just"/>
+            <a:r>
+              <a:rPr lang="vi-VN"/>
+              <a:t>Là quá trình xác thực người dùng bằng cách hiển thị một trang HTML tùy chỉnh để thu thập thông tin đăng nhập và chuyển hướng trách nhiệm xác thực cho ứng dụng web thu thập dữ liệu biểu mẫu.</a:t>
+            </a:r>
+          </a:p>
+        </p:txBody>
+      </p:sp>
+      <p:sp>
+        <p:nvSpPr>
+          <p:cNvPr id="68" name="Google Shape;68;p14"/>
+          <p:cNvSpPr txBox="1">
+            <a:spLocks noGrp="1"/>
+          </p:cNvSpPr>
+          <p:nvPr>
+            <p:ph type="title"/>
+          </p:nvPr>
+        </p:nvSpPr>
+        <p:spPr>
+          <a:xfrm>
+            <a:off x="311700" y="445025"/>
+            <a:ext cx="8520600" cy="572700"/>
+          </a:xfrm>
+          <a:prstGeom prst="rect">
+            <a:avLst/>
+          </a:prstGeom>
+        </p:spPr>
+        <p:txBody>
+          <a:bodyPr spcFirstLastPara="1" wrap="square" lIns="91425" tIns="91425" rIns="91425" bIns="91425" anchor="t" anchorCtr="0">
+            <a:normAutofit fontScale="90000"/>
+          </a:bodyPr>
+          <a:lstStyle/>
+          <a:p>
+            <a:pPr marL="0" lvl="0" indent="0" algn="l" rtl="0">
+              <a:spcBef>
+                <a:spcPts val="0"/>
+              </a:spcBef>
+              <a:spcAft>
+                <a:spcPts val="0"/>
+              </a:spcAft>
+              <a:buNone/>
+            </a:pPr>
+            <a:r>
+              <a:rPr lang="vi-VN"/>
+              <a:t>Form Based Authentication</a:t>
+            </a:r>
+            <a:endParaRPr/>
+          </a:p>
+        </p:txBody>
+      </p:sp>
+      <p:pic>
+        <p:nvPicPr>
+          <p:cNvPr id="4" name="Picture 3">
+            <a:extLst>
+              <a:ext uri="{FF2B5EF4-FFF2-40B4-BE49-F238E27FC236}">
+                <a16:creationId xmlns:a16="http://schemas.microsoft.com/office/drawing/2014/main" id="{A67EA82A-B869-6FD1-1B29-9A149B0BF586}"/>
+              </a:ext>
+            </a:extLst>
+          </p:cNvPr>
+          <p:cNvPicPr>
+            <a:picLocks noChangeAspect="1"/>
+          </p:cNvPicPr>
+          <p:nvPr/>
+        </p:nvPicPr>
+        <p:blipFill>
+          <a:blip r:embed="rId3"/>
+          <a:stretch>
+            <a:fillRect/>
+          </a:stretch>
+        </p:blipFill>
+        <p:spPr>
+          <a:xfrm>
+            <a:off x="1846118" y="2313044"/>
+            <a:ext cx="5451764" cy="2830456"/>
+          </a:xfrm>
+          <a:prstGeom prst="rect">
+            <a:avLst/>
+          </a:prstGeom>
+        </p:spPr>
+      </p:pic>
+    </p:spTree>
+    <p:extLst>
+      <p:ext uri="{BB962C8B-B14F-4D97-AF65-F5344CB8AC3E}">
+        <p14:creationId xmlns:p14="http://schemas.microsoft.com/office/powerpoint/2010/main" val="3675318847"/>
+      </p:ext>
+    </p:extLst>
+  </p:cSld>
+  <p:clrMapOvr>
+    <a:masterClrMapping/>
+  </p:clrMapOvr>
+</p:sld>
+</file>
+
+<file path=ppt/slides/slide16.xml><?xml version="1.0" encoding="utf-8"?>
+<p:sld xmlns:a="http://schemas.openxmlformats.org/drawingml/2006/main" xmlns:r="http://schemas.openxmlformats.org/officeDocument/2006/relationships" xmlns:p="http://schemas.openxmlformats.org/presentationml/2006/main">
+  <p:cSld>
+    <p:spTree>
+      <p:nvGrpSpPr>
+        <p:cNvPr id="1" name="Shape 66"/>
+        <p:cNvGrpSpPr/>
+        <p:nvPr/>
+      </p:nvGrpSpPr>
+      <p:grpSpPr>
+        <a:xfrm>
+          <a:off x="0" y="0"/>
+          <a:ext cx="0" cy="0"/>
+          <a:chOff x="0" y="0"/>
+          <a:chExt cx="0" cy="0"/>
+        </a:xfrm>
+      </p:grpSpPr>
+      <p:sp>
+        <p:nvSpPr>
+          <p:cNvPr id="67" name="Google Shape;67;p14"/>
+          <p:cNvSpPr txBox="1">
+            <a:spLocks noGrp="1"/>
+          </p:cNvSpPr>
+          <p:nvPr>
+            <p:ph type="body" idx="1"/>
+          </p:nvPr>
+        </p:nvSpPr>
+        <p:spPr>
+          <a:xfrm>
+            <a:off x="311700" y="1152475"/>
+            <a:ext cx="8520600" cy="3416400"/>
+          </a:xfrm>
+          <a:prstGeom prst="rect">
+            <a:avLst/>
+          </a:prstGeom>
+        </p:spPr>
+        <p:txBody>
+          <a:bodyPr spcFirstLastPara="1" wrap="square" lIns="91425" tIns="91425" rIns="91425" bIns="91425" anchor="t" anchorCtr="0">
+            <a:normAutofit/>
+          </a:bodyPr>
+          <a:lstStyle/>
+          <a:p>
+            <a:pPr algn="just"/>
+            <a:r>
+              <a:rPr lang="vi-VN"/>
+              <a:t>Những điều bạn cần biết về Forms Auth</a:t>
+            </a:r>
+          </a:p>
+          <a:p>
+            <a:pPr lvl="1" algn="just">
+              <a:buFont typeface="Arial" panose="020B0604020202020204" pitchFamily="34" charset="0"/>
+              <a:buChar char="•"/>
+            </a:pPr>
+            <a:r>
+              <a:rPr lang="vi-VN" sz="1600"/>
+              <a:t>Ứng dụng chịu trách nhiệm xử lý dữ liệu biểu mẫu và thực hiện giai đoạn phân quyền thực tế.</a:t>
+            </a:r>
+          </a:p>
+          <a:p>
+            <a:pPr lvl="1" algn="just">
+              <a:buFont typeface="Arial" panose="020B0604020202020204" pitchFamily="34" charset="0"/>
+              <a:buChar char="•"/>
+            </a:pPr>
+            <a:r>
+              <a:rPr lang="vi-VN" sz="1600"/>
+              <a:t>Đây là hình thức xác thực phổ biến nhất, rất phù hợp với các ứng dụng độc lập.</a:t>
+            </a:r>
+          </a:p>
+          <a:p>
+            <a:pPr lvl="1" algn="just">
+              <a:buFont typeface="Arial" panose="020B0604020202020204" pitchFamily="34" charset="0"/>
+              <a:buChar char="•"/>
+            </a:pPr>
+            <a:r>
+              <a:rPr lang="vi-VN" sz="1600"/>
+              <a:t>Thông tin đăng nhập của người dùng được chuyển rõ ràng tới ứng dụng web, vì vậy hãy sử dụng SSL để giữ chúng an toàn khi chuyển tiếp.</a:t>
+            </a:r>
+          </a:p>
+          <a:p>
+            <a:pPr lvl="1" algn="just">
+              <a:buFont typeface="Arial" panose="020B0604020202020204" pitchFamily="34" charset="0"/>
+              <a:buChar char="•"/>
+            </a:pPr>
+            <a:r>
+              <a:rPr lang="vi-VN" sz="1600"/>
+              <a:t>Kỹ thuật này vốn có thể lừa đảo được, vì vậy hãy sử dụng SSL và chứng chỉ từ các tổ chức đáng tin cậy.</a:t>
+            </a:r>
+          </a:p>
+          <a:p>
+            <a:pPr lvl="1" algn="just">
+              <a:buFont typeface="Arial" panose="020B0604020202020204" pitchFamily="34" charset="0"/>
+              <a:buChar char="•"/>
+            </a:pPr>
+            <a:r>
+              <a:rPr lang="vi-VN" sz="1600"/>
+              <a:t>Không phù hợp với các điểm cuối REST công khai được cung cấp cho ứng dụng hoặc khách hàng của bên thứ ba.</a:t>
+            </a:r>
+          </a:p>
+        </p:txBody>
+      </p:sp>
+      <p:sp>
+        <p:nvSpPr>
+          <p:cNvPr id="68" name="Google Shape;68;p14"/>
+          <p:cNvSpPr txBox="1">
+            <a:spLocks noGrp="1"/>
+          </p:cNvSpPr>
+          <p:nvPr>
+            <p:ph type="title"/>
+          </p:nvPr>
+        </p:nvSpPr>
+        <p:spPr>
+          <a:xfrm>
+            <a:off x="311700" y="445025"/>
+            <a:ext cx="8520600" cy="572700"/>
+          </a:xfrm>
+          <a:prstGeom prst="rect">
+            <a:avLst/>
+          </a:prstGeom>
+        </p:spPr>
+        <p:txBody>
+          <a:bodyPr spcFirstLastPara="1" wrap="square" lIns="91425" tIns="91425" rIns="91425" bIns="91425" anchor="t" anchorCtr="0">
+            <a:normAutofit fontScale="90000"/>
+          </a:bodyPr>
+          <a:lstStyle/>
+          <a:p>
+            <a:pPr marL="0" lvl="0" indent="0" algn="l" rtl="0">
+              <a:spcBef>
+                <a:spcPts val="0"/>
+              </a:spcBef>
+              <a:spcAft>
+                <a:spcPts val="0"/>
+              </a:spcAft>
+              <a:buNone/>
+            </a:pPr>
+            <a:r>
+              <a:rPr lang="vi-VN"/>
+              <a:t>Form Based Authentication</a:t>
+            </a:r>
+            <a:endParaRPr/>
+          </a:p>
+        </p:txBody>
+      </p:sp>
+    </p:spTree>
+    <p:extLst>
+      <p:ext uri="{BB962C8B-B14F-4D97-AF65-F5344CB8AC3E}">
+        <p14:creationId xmlns:p14="http://schemas.microsoft.com/office/powerpoint/2010/main" val="4129270574"/>
+      </p:ext>
+    </p:extLst>
+  </p:cSld>
+  <p:clrMapOvr>
+    <a:masterClrMapping/>
+  </p:clrMapOvr>
+</p:sld>
+</file>
+
+<file path=ppt/slides/slide17.xml><?xml version="1.0" encoding="utf-8"?>
+<p:sld xmlns:a="http://schemas.openxmlformats.org/drawingml/2006/main" xmlns:r="http://schemas.openxmlformats.org/officeDocument/2006/relationships" xmlns:p="http://schemas.openxmlformats.org/presentationml/2006/main">
+  <p:cSld>
+    <p:spTree>
+      <p:nvGrpSpPr>
+        <p:cNvPr id="1" name="Shape 66"/>
+        <p:cNvGrpSpPr/>
+        <p:nvPr/>
+      </p:nvGrpSpPr>
+      <p:grpSpPr>
+        <a:xfrm>
+          <a:off x="0" y="0"/>
+          <a:ext cx="0" cy="0"/>
+          <a:chOff x="0" y="0"/>
+          <a:chExt cx="0" cy="0"/>
+        </a:xfrm>
+      </p:grpSpPr>
+      <p:sp>
+        <p:nvSpPr>
+          <p:cNvPr id="67" name="Google Shape;67;p14"/>
+          <p:cNvSpPr txBox="1">
+            <a:spLocks noGrp="1"/>
+          </p:cNvSpPr>
+          <p:nvPr>
+            <p:ph type="body" idx="1"/>
+          </p:nvPr>
+        </p:nvSpPr>
+        <p:spPr>
+          <a:xfrm>
+            <a:off x="311700" y="1152475"/>
+            <a:ext cx="8520600" cy="3416400"/>
+          </a:xfrm>
+          <a:prstGeom prst="rect">
+            <a:avLst/>
+          </a:prstGeom>
+        </p:spPr>
+        <p:txBody>
+          <a:bodyPr spcFirstLastPara="1" wrap="square" lIns="91425" tIns="91425" rIns="91425" bIns="91425" anchor="t" anchorCtr="0">
+            <a:normAutofit/>
+          </a:bodyPr>
+          <a:lstStyle/>
+          <a:p>
+            <a:pPr algn="just"/>
+            <a:r>
+              <a:rPr lang="vi-VN"/>
+              <a:t>Trong ngữ cảnh của HTTP, xác thực cơ bản là quá trình trình duyệt yêu cầu tên người dùng và mật khẩu khi đưa ra yêu cầu để xác thực người dùng</a:t>
+            </a:r>
+            <a:endParaRPr lang="vi-VN" sz="1600"/>
+          </a:p>
+        </p:txBody>
+      </p:sp>
+      <p:sp>
+        <p:nvSpPr>
+          <p:cNvPr id="68" name="Google Shape;68;p14"/>
+          <p:cNvSpPr txBox="1">
+            <a:spLocks noGrp="1"/>
+          </p:cNvSpPr>
+          <p:nvPr>
+            <p:ph type="title"/>
+          </p:nvPr>
+        </p:nvSpPr>
+        <p:spPr>
+          <a:xfrm>
+            <a:off x="311700" y="445025"/>
+            <a:ext cx="8520600" cy="572700"/>
+          </a:xfrm>
+          <a:prstGeom prst="rect">
+            <a:avLst/>
+          </a:prstGeom>
+        </p:spPr>
+        <p:txBody>
+          <a:bodyPr spcFirstLastPara="1" wrap="square" lIns="91425" tIns="91425" rIns="91425" bIns="91425" anchor="t" anchorCtr="0">
+            <a:normAutofit fontScale="90000"/>
+          </a:bodyPr>
+          <a:lstStyle/>
+          <a:p>
+            <a:pPr marL="0" lvl="0" indent="0" algn="l" rtl="0">
+              <a:spcBef>
+                <a:spcPts val="0"/>
+              </a:spcBef>
+              <a:spcAft>
+                <a:spcPts val="0"/>
+              </a:spcAft>
+              <a:buNone/>
+            </a:pPr>
+            <a:r>
+              <a:rPr lang="vi-VN"/>
+              <a:t>HTTP Authentication</a:t>
+            </a:r>
+            <a:endParaRPr/>
+          </a:p>
+        </p:txBody>
+      </p:sp>
+      <p:pic>
+        <p:nvPicPr>
+          <p:cNvPr id="3" name="Picture 2">
+            <a:extLst>
+              <a:ext uri="{FF2B5EF4-FFF2-40B4-BE49-F238E27FC236}">
+                <a16:creationId xmlns:a16="http://schemas.microsoft.com/office/drawing/2014/main" id="{77E12BC5-6448-FB94-4ED7-1447973D819D}"/>
+              </a:ext>
+            </a:extLst>
+          </p:cNvPr>
+          <p:cNvPicPr>
+            <a:picLocks noChangeAspect="1"/>
+          </p:cNvPicPr>
+          <p:nvPr/>
+        </p:nvPicPr>
+        <p:blipFill>
+          <a:blip r:embed="rId3"/>
+          <a:stretch>
+            <a:fillRect/>
+          </a:stretch>
+        </p:blipFill>
+        <p:spPr>
+          <a:xfrm>
+            <a:off x="1783392" y="1934633"/>
+            <a:ext cx="5577215" cy="2763842"/>
+          </a:xfrm>
+          <a:prstGeom prst="rect">
+            <a:avLst/>
+          </a:prstGeom>
+        </p:spPr>
+      </p:pic>
+    </p:spTree>
+    <p:extLst>
+      <p:ext uri="{BB962C8B-B14F-4D97-AF65-F5344CB8AC3E}">
+        <p14:creationId xmlns:p14="http://schemas.microsoft.com/office/powerpoint/2010/main" val="1334887213"/>
+      </p:ext>
+    </p:extLst>
+  </p:cSld>
+  <p:clrMapOvr>
+    <a:masterClrMapping/>
+  </p:clrMapOvr>
+</p:sld>
+</file>
+
 <file path=ppt/slides/slide2.xml><?xml version="1.0" encoding="utf-8"?>
 <p:sld xmlns:a="http://schemas.openxmlformats.org/drawingml/2006/main" xmlns:r="http://schemas.openxmlformats.org/officeDocument/2006/relationships" xmlns:p="http://schemas.openxmlformats.org/presentationml/2006/main">
   <p:cSld>
@@ -6833,7 +9060,7 @@
             </a:r>
             <a:r>
               <a:rPr lang="vi-VN"/>
-              <a:t> được kiến thức về nền tảng bảo mật trong ứng dụng Spring Boot</a:t>
+              <a:t> được các khái niệm có liên quan về nền tảng bảo mật trong ứng dụng Spring Boot</a:t>
             </a:r>
           </a:p>
           <a:p>
@@ -6853,7 +9080,7 @@
             </a:r>
             <a:r>
               <a:rPr lang="vi-VN"/>
-              <a:t> các cách bảo mật khác nhau cho ứng dụng Spring Boot</a:t>
+              <a:t> các cách thức bảo mật khác nhau cho ứng dụng Spring Boot</a:t>
             </a:r>
           </a:p>
           <a:p>
@@ -7421,7 +9648,7 @@
         </p:spPr>
         <p:txBody>
           <a:bodyPr spcFirstLastPara="1" wrap="square" lIns="91425" tIns="91425" rIns="91425" bIns="91425" anchor="t" anchorCtr="0">
-            <a:normAutofit fontScale="85000" lnSpcReduction="20000"/>
+            <a:normAutofit/>
           </a:bodyPr>
           <a:lstStyle/>
           <a:p>
@@ -7437,126 +9664,23 @@
             </a:pPr>
             <a:r>
               <a:rPr lang="vi-VN"/>
-              <a:t>Thực thể (Principal):</a:t>
+              <a:t>Authentication: trả lời câu hỏi: Ai đang đăng nhập?</a:t>
             </a:r>
           </a:p>
           <a:p>
-            <a:pPr lvl="1" indent="-342900" algn="just">
+            <a:pPr marL="457200" lvl="0" indent="-342900" algn="just" rtl="0">
+              <a:spcBef>
+                <a:spcPts val="0"/>
+              </a:spcBef>
+              <a:spcAft>
+                <a:spcPts val="0"/>
+              </a:spcAft>
               <a:buSzPts val="1800"/>
               <a:buChar char="●"/>
             </a:pPr>
             <a:r>
-              <a:rPr lang="vi-VN" sz="1600"/>
-              <a:t>Người dùng thực hiện hành động</a:t>
-            </a:r>
-          </a:p>
-          <a:p>
-            <a:pPr algn="just"/>
-            <a:r>
               <a:rPr lang="vi-VN"/>
-              <a:t>Xác thực (Authentication)</a:t>
-            </a:r>
-          </a:p>
-          <a:p>
-            <a:pPr lvl="1" indent="-342900" algn="just">
-              <a:lnSpc>
-                <a:spcPct val="125000"/>
-              </a:lnSpc>
-              <a:buSzPts val="1800"/>
-              <a:buFont typeface="Proxima Nova"/>
-              <a:buChar char="●"/>
-            </a:pPr>
-            <a:r>
-              <a:rPr lang="vi-VN" sz="1600"/>
-              <a:t>Xác nhận sự thật của thông tin đăng nhập</a:t>
-            </a:r>
-          </a:p>
-          <a:p>
-            <a:pPr algn="just"/>
-            <a:r>
-              <a:rPr lang="vi-VN"/>
-              <a:t>Phân quyền (Authorization)</a:t>
-            </a:r>
-          </a:p>
-          <a:p>
-            <a:pPr lvl="1" indent="-342900" algn="just">
-              <a:lnSpc>
-                <a:spcPct val="125000"/>
-              </a:lnSpc>
-              <a:buSzPts val="1800"/>
-              <a:buFont typeface="Proxima Nova"/>
-              <a:buChar char="●"/>
-            </a:pPr>
-            <a:r>
-              <a:rPr lang="vi-VN" sz="1700"/>
-              <a:t>Xác định chính sách truy cập cho từng tài khoản</a:t>
-            </a:r>
-          </a:p>
-          <a:p>
-            <a:pPr algn="just"/>
-            <a:r>
-              <a:rPr lang="vi-VN"/>
-              <a:t>GrantedAuthority</a:t>
-            </a:r>
-          </a:p>
-          <a:p>
-            <a:pPr lvl="1" indent="-342900" algn="just">
-              <a:lnSpc>
-                <a:spcPct val="125000"/>
-              </a:lnSpc>
-              <a:buSzPts val="1800"/>
-              <a:buFont typeface="Proxima Nova"/>
-              <a:buChar char="●"/>
-            </a:pPr>
-            <a:r>
-              <a:rPr lang="vi-VN" sz="1700"/>
-              <a:t>Là một giao diện trong Spring Security đại diện cho quyền được cấp để thực hiện một hành động cụ thể hoặc truy cập một tài nguyên cụ thể.</a:t>
-            </a:r>
-          </a:p>
-          <a:p>
-            <a:pPr algn="just">
-              <a:lnSpc>
-                <a:spcPct val="125000"/>
-              </a:lnSpc>
-            </a:pPr>
-            <a:r>
-              <a:rPr lang="vi-VN"/>
-              <a:t>SecurityContext</a:t>
-            </a:r>
-          </a:p>
-          <a:p>
-            <a:pPr lvl="1" indent="-342900" algn="just">
-              <a:lnSpc>
-                <a:spcPct val="125000"/>
-              </a:lnSpc>
-              <a:buSzPts val="1800"/>
-              <a:buFont typeface="Proxima Nova"/>
-              <a:buChar char="●"/>
-            </a:pPr>
-            <a:r>
-              <a:rPr lang="vi-VN" sz="1700"/>
-              <a:t>Chứa đối tượng Xác thực hiện tại, đại diện cho danh tính và quyền hạn người dùng hiện đang đăng nhập</a:t>
-            </a:r>
-          </a:p>
-          <a:p>
-            <a:pPr algn="just">
-              <a:lnSpc>
-                <a:spcPct val="125000"/>
-              </a:lnSpc>
-            </a:pPr>
-            <a:r>
-              <a:rPr lang="vi-VN"/>
-              <a:t>SecurityContextHolder</a:t>
-            </a:r>
-          </a:p>
-          <a:p>
-            <a:pPr lvl="1" indent="-342900" algn="just">
-              <a:buSzPts val="1800"/>
-              <a:buChar char="●"/>
-            </a:pPr>
-            <a:r>
-              <a:rPr lang="vi-VN" sz="1600"/>
-              <a:t>Cung cấp quyền truy cập vào SecurityContext</a:t>
+              <a:t>Authorization: trả lời câu hỏi: Những gì được phép làm?</a:t>
             </a:r>
           </a:p>
         </p:txBody>
@@ -7597,16 +9721,46 @@
             </a:pPr>
             <a:r>
               <a:rPr lang="vi-VN"/>
-              <a:t>Nền tảng bảo mật Spring Security</a:t>
+              <a:t>Spring Security là gì?</a:t>
             </a:r>
             <a:endParaRPr/>
           </a:p>
         </p:txBody>
       </p:sp>
+      <p:pic>
+        <p:nvPicPr>
+          <p:cNvPr id="3" name="Picture 2">
+            <a:extLst>
+              <a:ext uri="{FF2B5EF4-FFF2-40B4-BE49-F238E27FC236}">
+                <a16:creationId xmlns:a16="http://schemas.microsoft.com/office/drawing/2014/main" id="{1A585978-0115-0C37-3596-EE5D1992D1C3}"/>
+              </a:ext>
+            </a:extLst>
+          </p:cNvPr>
+          <p:cNvPicPr>
+            <a:picLocks noChangeAspect="1"/>
+          </p:cNvPicPr>
+          <p:nvPr/>
+        </p:nvPicPr>
+        <p:blipFill>
+          <a:blip r:embed="rId3"/>
+          <a:stretch>
+            <a:fillRect/>
+          </a:stretch>
+        </p:blipFill>
+        <p:spPr>
+          <a:xfrm>
+            <a:off x="1472045" y="2000110"/>
+            <a:ext cx="6199909" cy="2229858"/>
+          </a:xfrm>
+          <a:prstGeom prst="rect">
+            <a:avLst/>
+          </a:prstGeom>
+        </p:spPr>
+      </p:pic>
     </p:spTree>
     <p:extLst>
       <p:ext uri="{BB962C8B-B14F-4D97-AF65-F5344CB8AC3E}">
-        <p14:creationId xmlns:p14="http://schemas.microsoft.com/office/powerpoint/2010/main" val="336231400"/>
+        <p14:creationId xmlns:p14="http://schemas.microsoft.com/office/powerpoint/2010/main" val="727121281"/>
       </p:ext>
     </p:extLst>
   </p:cSld>
@@ -7654,117 +9808,114 @@
         </p:spPr>
         <p:txBody>
           <a:bodyPr spcFirstLastPara="1" wrap="square" lIns="91425" tIns="91425" rIns="91425" bIns="91425" anchor="t" anchorCtr="0">
-            <a:noAutofit/>
+            <a:normAutofit/>
           </a:bodyPr>
           <a:lstStyle/>
           <a:p>
-            <a:pPr algn="just"/>
-            <a:r>
-              <a:rPr lang="vi-VN"/>
-              <a:t>AuthenticationManager</a:t>
-            </a:r>
-          </a:p>
-          <a:p>
-            <a:pPr lvl="1" indent="-342900" algn="just">
-              <a:lnSpc>
-                <a:spcPct val="105000"/>
-              </a:lnSpc>
+            <a:pPr marL="457200" lvl="0" indent="-342900" algn="just" rtl="0">
+              <a:spcBef>
+                <a:spcPts val="0"/>
+              </a:spcBef>
+              <a:spcAft>
+                <a:spcPts val="0"/>
+              </a:spcAft>
               <a:buSzPts val="1800"/>
-              <a:buFont typeface="Proxima Nova"/>
               <a:buChar char="●"/>
             </a:pPr>
             <a:r>
-              <a:rPr lang="vi-VN" sz="1500"/>
-              <a:t>Là interface cung cấp cách xác thực yêu cầu Xác thực dựa trên cơ chế xác thực cụ thể</a:t>
+              <a:rPr lang="vi-VN"/>
+              <a:t>Authentication: phương thức xử lý</a:t>
             </a:r>
           </a:p>
           <a:p>
-            <a:pPr algn="just">
-              <a:lnSpc>
-                <a:spcPct val="105000"/>
-              </a:lnSpc>
+            <a:pPr lvl="1" indent="-342900" algn="just">
+              <a:buSzPts val="1800"/>
+              <a:buChar char="●"/>
+            </a:pPr>
+            <a:r>
+              <a:rPr lang="vi-VN" sz="1600"/>
+              <a:t>HTTP Authentication</a:t>
+            </a:r>
+          </a:p>
+          <a:p>
+            <a:pPr lvl="1" indent="-342900" algn="just">
+              <a:buSzPts val="1800"/>
+              <a:buChar char="●"/>
+            </a:pPr>
+            <a:r>
+              <a:rPr lang="vi-VN" sz="1600"/>
+              <a:t>FORM Authentication</a:t>
+            </a:r>
+          </a:p>
+          <a:p>
+            <a:pPr lvl="1" indent="-342900" algn="just">
+              <a:buSzPts val="1800"/>
+              <a:buChar char="●"/>
+            </a:pPr>
+            <a:r>
+              <a:rPr lang="vi-VN" sz="1600"/>
+              <a:t>Certificate</a:t>
+            </a:r>
+          </a:p>
+          <a:p>
+            <a:pPr lvl="1" indent="-342900" algn="just">
+              <a:buSzPts val="1800"/>
+              <a:buChar char="●"/>
+            </a:pPr>
+            <a:r>
+              <a:rPr lang="vi-VN" sz="1600"/>
+              <a:t>Tokens</a:t>
+            </a:r>
+          </a:p>
+          <a:p>
+            <a:pPr marL="457200" lvl="0" indent="-342900" algn="just" rtl="0">
+              <a:spcBef>
+                <a:spcPts val="0"/>
+              </a:spcBef>
+              <a:spcAft>
+                <a:spcPts val="0"/>
+              </a:spcAft>
+              <a:buSzPts val="1800"/>
+              <a:buChar char="●"/>
             </a:pPr>
             <a:r>
               <a:rPr lang="vi-VN"/>
-              <a:t>AuthenticationProvider</a:t>
+              <a:t>Authorization: trả lời câu hỏi: phương thức xử lý</a:t>
             </a:r>
           </a:p>
           <a:p>
             <a:pPr lvl="1" indent="-342900" algn="just">
-              <a:lnSpc>
-                <a:spcPct val="105000"/>
-              </a:lnSpc>
               <a:buSzPts val="1800"/>
-              <a:buFont typeface="Proxima Nova"/>
               <a:buChar char="●"/>
             </a:pPr>
             <a:r>
-              <a:rPr lang="vi-VN" sz="1500"/>
-              <a:t>Giao diện ánh xạ tới kho lưu trữ dữ liệu lưu trữ dữ liệu người dùng của bạn.</a:t>
+              <a:rPr lang="vi-VN" sz="1600"/>
+              <a:t>Privileges/Authorities</a:t>
             </a:r>
           </a:p>
           <a:p>
-            <a:pPr algn="just"/>
-            <a:r>
-              <a:rPr lang="vi-VN"/>
-              <a:t>Authentication Object</a:t>
-            </a:r>
-          </a:p>
-          <a:p>
             <a:pPr lvl="1" indent="-342900" algn="just">
-              <a:lnSpc>
-                <a:spcPct val="105000"/>
-              </a:lnSpc>
               <a:buSzPts val="1800"/>
-              <a:buFont typeface="Proxima Nova"/>
               <a:buChar char="●"/>
             </a:pPr>
             <a:r>
-              <a:rPr lang="vi-VN" sz="1500"/>
-              <a:t>Đối tượng được tạo khi xác thực, chứa thông tin xác thực đăng nhập.</a:t>
+              <a:rPr lang="vi-VN" sz="1600"/>
+              <a:t>Roles</a:t>
             </a:r>
           </a:p>
           <a:p>
-            <a:pPr algn="just"/>
-            <a:r>
-              <a:rPr lang="vi-VN"/>
-              <a:t>UserDetails</a:t>
-            </a:r>
-          </a:p>
-          <a:p>
             <a:pPr lvl="1" indent="-342900" algn="just">
-              <a:lnSpc>
-                <a:spcPct val="105000"/>
-              </a:lnSpc>
               <a:buSzPts val="1800"/>
-              <a:buFont typeface="Proxima Nova"/>
               <a:buChar char="●"/>
             </a:pPr>
-            <a:r>
-              <a:rPr lang="vi-VN" sz="1500"/>
-              <a:t>Đối tượng dữ liệu chứa thông tin đăng nhập của người dùng cũng như Vai trò của người dùng.</a:t>
-            </a:r>
-          </a:p>
-          <a:p>
-            <a:pPr algn="just"/>
-            <a:r>
-              <a:rPr lang="vi-VN"/>
-              <a:t>UserDetailsService</a:t>
-            </a:r>
+            <a:endParaRPr lang="vi-VN"/>
           </a:p>
           <a:p>
             <a:pPr lvl="1" indent="-342900" algn="just">
-              <a:lnSpc>
-                <a:spcPct val="105000"/>
-              </a:lnSpc>
               <a:buSzPts val="1800"/>
-              <a:buFont typeface="Proxima Nova"/>
               <a:buChar char="●"/>
             </a:pPr>
-            <a:r>
-              <a:rPr lang="vi-VN" sz="1500"/>
-              <a:t>Thu thập thông tin đăng nhập của người dùng, quyền (vai trò) và xây dựng đối tượng UserDetails.</a:t>
-            </a:r>
+            <a:endParaRPr lang="vi-VN"/>
           </a:p>
         </p:txBody>
       </p:sp>
@@ -7804,7 +9955,7 @@
             </a:pPr>
             <a:r>
               <a:rPr lang="vi-VN"/>
-              <a:t>Nền tảng bảo mật Spring Security</a:t>
+              <a:t>Spring Security là gì?</a:t>
             </a:r>
             <a:endParaRPr/>
           </a:p>
@@ -7813,7 +9964,523 @@
     </p:spTree>
     <p:extLst>
       <p:ext uri="{BB962C8B-B14F-4D97-AF65-F5344CB8AC3E}">
-        <p14:creationId xmlns:p14="http://schemas.microsoft.com/office/powerpoint/2010/main" val="2754428576"/>
+        <p14:creationId xmlns:p14="http://schemas.microsoft.com/office/powerpoint/2010/main" val="353662086"/>
+      </p:ext>
+    </p:extLst>
+  </p:cSld>
+  <p:clrMapOvr>
+    <a:masterClrMapping/>
+  </p:clrMapOvr>
+</p:sld>
+</file>
+
+<file path=ppt/slides/slide8.xml><?xml version="1.0" encoding="utf-8"?>
+<p:sld xmlns:a="http://schemas.openxmlformats.org/drawingml/2006/main" xmlns:r="http://schemas.openxmlformats.org/officeDocument/2006/relationships" xmlns:p="http://schemas.openxmlformats.org/presentationml/2006/main">
+  <p:cSld>
+    <p:spTree>
+      <p:nvGrpSpPr>
+        <p:cNvPr id="1" name="Shape 66"/>
+        <p:cNvGrpSpPr/>
+        <p:nvPr/>
+      </p:nvGrpSpPr>
+      <p:grpSpPr>
+        <a:xfrm>
+          <a:off x="0" y="0"/>
+          <a:ext cx="0" cy="0"/>
+          <a:chOff x="0" y="0"/>
+          <a:chExt cx="0" cy="0"/>
+        </a:xfrm>
+      </p:grpSpPr>
+      <p:sp>
+        <p:nvSpPr>
+          <p:cNvPr id="67" name="Google Shape;67;p14"/>
+          <p:cNvSpPr txBox="1">
+            <a:spLocks noGrp="1"/>
+          </p:cNvSpPr>
+          <p:nvPr>
+            <p:ph type="body" idx="1"/>
+          </p:nvPr>
+        </p:nvSpPr>
+        <p:spPr>
+          <a:xfrm>
+            <a:off x="311700" y="1152475"/>
+            <a:ext cx="8520600" cy="3416400"/>
+          </a:xfrm>
+          <a:prstGeom prst="rect">
+            <a:avLst/>
+          </a:prstGeom>
+        </p:spPr>
+        <p:txBody>
+          <a:bodyPr spcFirstLastPara="1" wrap="square" lIns="91425" tIns="91425" rIns="91425" bIns="91425" anchor="t" anchorCtr="0">
+            <a:normAutofit/>
+          </a:bodyPr>
+          <a:lstStyle/>
+          <a:p>
+            <a:pPr marL="457200" lvl="0" indent="-342900" algn="just" rtl="0">
+              <a:spcBef>
+                <a:spcPts val="0"/>
+              </a:spcBef>
+              <a:spcAft>
+                <a:spcPts val="0"/>
+              </a:spcAft>
+              <a:buSzPts val="1800"/>
+              <a:buChar char="●"/>
+            </a:pPr>
+            <a:r>
+              <a:rPr lang="vi-VN" sz="1800"/>
+              <a:t>Authorities và Roles:</a:t>
+            </a:r>
+          </a:p>
+          <a:p>
+            <a:pPr lvl="1" indent="-342900" algn="just">
+              <a:buSzPts val="1800"/>
+              <a:buChar char="●"/>
+            </a:pPr>
+            <a:r>
+              <a:rPr lang="vi-VN"/>
+              <a:t>Trong Spring Security, quyền được cấp và vai trò là hình thức thể hiện đặc quyền được cấp cho Người dùng đã xác thực.</a:t>
+            </a:r>
+          </a:p>
+          <a:p>
+            <a:pPr lvl="1" indent="-342900" algn="just">
+              <a:buSzPts val="1800"/>
+              <a:buChar char="●"/>
+            </a:pPr>
+            <a:r>
+              <a:rPr lang="vi-VN"/>
+              <a:t>Chúng ta biểu diễn chúng bằng những tên rõ nghĩa như:</a:t>
+            </a:r>
+          </a:p>
+          <a:p>
+            <a:pPr lvl="1" indent="-342900" algn="just">
+              <a:buSzPts val="1800"/>
+              <a:buChar char="●"/>
+            </a:pPr>
+            <a:endParaRPr lang="vi-VN"/>
+          </a:p>
+          <a:p>
+            <a:pPr marL="457200" lvl="0" indent="-342900" algn="just" rtl="0">
+              <a:spcBef>
+                <a:spcPts val="0"/>
+              </a:spcBef>
+              <a:spcAft>
+                <a:spcPts val="0"/>
+              </a:spcAft>
+              <a:buSzPts val="1800"/>
+              <a:buChar char="●"/>
+            </a:pPr>
+            <a:endParaRPr lang="vi-VN"/>
+          </a:p>
+          <a:p>
+            <a:pPr lvl="1" indent="-342900" algn="just">
+              <a:buSzPts val="1800"/>
+              <a:buChar char="●"/>
+            </a:pPr>
+            <a:endParaRPr lang="vi-VN"/>
+          </a:p>
+        </p:txBody>
+      </p:sp>
+      <p:sp>
+        <p:nvSpPr>
+          <p:cNvPr id="68" name="Google Shape;68;p14"/>
+          <p:cNvSpPr txBox="1">
+            <a:spLocks noGrp="1"/>
+          </p:cNvSpPr>
+          <p:nvPr>
+            <p:ph type="title"/>
+          </p:nvPr>
+        </p:nvSpPr>
+        <p:spPr>
+          <a:xfrm>
+            <a:off x="311700" y="445025"/>
+            <a:ext cx="8520600" cy="572700"/>
+          </a:xfrm>
+          <a:prstGeom prst="rect">
+            <a:avLst/>
+          </a:prstGeom>
+        </p:spPr>
+        <p:txBody>
+          <a:bodyPr spcFirstLastPara="1" wrap="square" lIns="91425" tIns="91425" rIns="91425" bIns="91425" anchor="t" anchorCtr="0">
+            <a:normAutofit fontScale="90000"/>
+          </a:bodyPr>
+          <a:lstStyle/>
+          <a:p>
+            <a:pPr marL="0" lvl="0" indent="0" algn="l" rtl="0">
+              <a:spcBef>
+                <a:spcPts val="0"/>
+              </a:spcBef>
+              <a:spcAft>
+                <a:spcPts val="0"/>
+              </a:spcAft>
+              <a:buNone/>
+            </a:pPr>
+            <a:r>
+              <a:rPr lang="vi-VN"/>
+              <a:t>Spring Security là gì?</a:t>
+            </a:r>
+            <a:endParaRPr/>
+          </a:p>
+        </p:txBody>
+      </p:sp>
+      <p:sp>
+        <p:nvSpPr>
+          <p:cNvPr id="2" name="TextBox 1">
+            <a:extLst>
+              <a:ext uri="{FF2B5EF4-FFF2-40B4-BE49-F238E27FC236}">
+                <a16:creationId xmlns:a16="http://schemas.microsoft.com/office/drawing/2014/main" id="{65ADA0FC-5852-48F0-05BC-C3FE4A1A55E9}"/>
+              </a:ext>
+            </a:extLst>
+          </p:cNvPr>
+          <p:cNvSpPr txBox="1"/>
+          <p:nvPr/>
+        </p:nvSpPr>
+        <p:spPr>
+          <a:xfrm>
+            <a:off x="1177636" y="2571750"/>
+            <a:ext cx="3082637" cy="1669688"/>
+          </a:xfrm>
+          <a:prstGeom prst="rect">
+            <a:avLst/>
+          </a:prstGeom>
+          <a:noFill/>
+        </p:spPr>
+        <p:txBody>
+          <a:bodyPr wrap="square" rtlCol="0">
+            <a:spAutoFit/>
+          </a:bodyPr>
+          <a:lstStyle/>
+          <a:p>
+            <a:pPr marL="114300">
+              <a:lnSpc>
+                <a:spcPct val="115000"/>
+              </a:lnSpc>
+              <a:buClr>
+                <a:schemeClr val="dk2"/>
+              </a:buClr>
+              <a:buSzPts val="1800"/>
+            </a:pPr>
+            <a:r>
+              <a:rPr lang="vi-VN" sz="1800" b="1">
+                <a:solidFill>
+                  <a:schemeClr val="dk2"/>
+                </a:solidFill>
+                <a:latin typeface="Proxi ma Nova"/>
+                <a:sym typeface="Proxima Nova"/>
+              </a:rPr>
+              <a:t>Granted Authorities</a:t>
+            </a:r>
+          </a:p>
+          <a:p>
+            <a:pPr marL="114300">
+              <a:lnSpc>
+                <a:spcPct val="115000"/>
+              </a:lnSpc>
+              <a:buClr>
+                <a:schemeClr val="dk2"/>
+              </a:buClr>
+              <a:buSzPts val="1800"/>
+            </a:pPr>
+            <a:r>
+              <a:rPr lang="vi-VN" sz="1800">
+                <a:solidFill>
+                  <a:schemeClr val="dk2"/>
+                </a:solidFill>
+                <a:latin typeface="Proxi ma Nova"/>
+                <a:sym typeface="Proxima Nova"/>
+              </a:rPr>
+              <a:t>READ_PROFILE</a:t>
+            </a:r>
+          </a:p>
+          <a:p>
+            <a:pPr marL="114300">
+              <a:lnSpc>
+                <a:spcPct val="115000"/>
+              </a:lnSpc>
+              <a:buClr>
+                <a:schemeClr val="dk2"/>
+              </a:buClr>
+              <a:buSzPts val="1800"/>
+            </a:pPr>
+            <a:r>
+              <a:rPr lang="vi-VN" sz="1800">
+                <a:solidFill>
+                  <a:schemeClr val="dk2"/>
+                </a:solidFill>
+                <a:latin typeface="Proxi ma Nova"/>
+                <a:sym typeface="Proxima Nova"/>
+              </a:rPr>
+              <a:t>EDIT_PROFILE</a:t>
+            </a:r>
+            <a:br>
+              <a:rPr lang="vi-VN" sz="1800">
+                <a:solidFill>
+                  <a:schemeClr val="dk2"/>
+                </a:solidFill>
+                <a:latin typeface="Proxi ma Nova"/>
+                <a:sym typeface="Proxima Nova"/>
+              </a:rPr>
+            </a:br>
+            <a:r>
+              <a:rPr lang="vi-VN" sz="1800">
+                <a:solidFill>
+                  <a:schemeClr val="dk2"/>
+                </a:solidFill>
+                <a:latin typeface="Proxi ma Nova"/>
+                <a:sym typeface="Proxima Nova"/>
+              </a:rPr>
+              <a:t>DELETE_PROFILE</a:t>
+            </a:r>
+          </a:p>
+          <a:p>
+            <a:pPr marL="114300">
+              <a:lnSpc>
+                <a:spcPct val="115000"/>
+              </a:lnSpc>
+              <a:buClr>
+                <a:schemeClr val="dk2"/>
+              </a:buClr>
+              <a:buSzPts val="1800"/>
+            </a:pPr>
+            <a:r>
+              <a:rPr lang="vi-VN" sz="1800">
+                <a:solidFill>
+                  <a:schemeClr val="dk2"/>
+                </a:solidFill>
+                <a:latin typeface="Proxi ma Nova"/>
+                <a:sym typeface="Proxima Nova"/>
+              </a:rPr>
+              <a:t>ACCESS_PUBLIC_API</a:t>
+            </a:r>
+            <a:endParaRPr lang="en-US" sz="1800">
+              <a:solidFill>
+                <a:schemeClr val="dk2"/>
+              </a:solidFill>
+              <a:latin typeface="Proxi ma Nova"/>
+              <a:sym typeface="Proxima Nova"/>
+            </a:endParaRPr>
+          </a:p>
+        </p:txBody>
+      </p:sp>
+      <p:sp>
+        <p:nvSpPr>
+          <p:cNvPr id="3" name="TextBox 2">
+            <a:extLst>
+              <a:ext uri="{FF2B5EF4-FFF2-40B4-BE49-F238E27FC236}">
+                <a16:creationId xmlns:a16="http://schemas.microsoft.com/office/drawing/2014/main" id="{BC0BD32D-B825-E0E0-1EBD-637D8A55B9F8}"/>
+              </a:ext>
+            </a:extLst>
+          </p:cNvPr>
+          <p:cNvSpPr txBox="1"/>
+          <p:nvPr/>
+        </p:nvSpPr>
+        <p:spPr>
+          <a:xfrm>
+            <a:off x="4648200" y="2528966"/>
+            <a:ext cx="3082637" cy="1669688"/>
+          </a:xfrm>
+          <a:prstGeom prst="rect">
+            <a:avLst/>
+          </a:prstGeom>
+          <a:noFill/>
+        </p:spPr>
+        <p:txBody>
+          <a:bodyPr wrap="square" rtlCol="0">
+            <a:spAutoFit/>
+          </a:bodyPr>
+          <a:lstStyle/>
+          <a:p>
+            <a:pPr marL="114300" algn="just">
+              <a:lnSpc>
+                <a:spcPct val="115000"/>
+              </a:lnSpc>
+              <a:buClr>
+                <a:schemeClr val="dk2"/>
+              </a:buClr>
+              <a:buSzPts val="1800"/>
+            </a:pPr>
+            <a:r>
+              <a:rPr lang="vi-VN" sz="1800" b="1">
+                <a:solidFill>
+                  <a:schemeClr val="dk2"/>
+                </a:solidFill>
+                <a:latin typeface="Proxi ma Nova"/>
+                <a:sym typeface="Proxima Nova"/>
+              </a:rPr>
+              <a:t>Roles</a:t>
+            </a:r>
+          </a:p>
+          <a:p>
+            <a:pPr marL="114300" algn="just">
+              <a:lnSpc>
+                <a:spcPct val="115000"/>
+              </a:lnSpc>
+              <a:buClr>
+                <a:schemeClr val="dk2"/>
+              </a:buClr>
+              <a:buSzPts val="1800"/>
+            </a:pPr>
+            <a:r>
+              <a:rPr lang="vi-VN" sz="1800">
+                <a:solidFill>
+                  <a:schemeClr val="dk2"/>
+                </a:solidFill>
+                <a:latin typeface="Proxi ma Nova"/>
+                <a:sym typeface="Proxima Nova"/>
+              </a:rPr>
+              <a:t>ROLE_ADMIN</a:t>
+            </a:r>
+          </a:p>
+          <a:p>
+            <a:pPr marL="114300" algn="just">
+              <a:lnSpc>
+                <a:spcPct val="115000"/>
+              </a:lnSpc>
+              <a:buClr>
+                <a:schemeClr val="dk2"/>
+              </a:buClr>
+              <a:buSzPts val="1800"/>
+            </a:pPr>
+            <a:r>
+              <a:rPr lang="vi-VN" sz="1800">
+                <a:solidFill>
+                  <a:schemeClr val="dk2"/>
+                </a:solidFill>
+                <a:latin typeface="Proxi ma Nova"/>
+                <a:sym typeface="Proxima Nova"/>
+              </a:rPr>
+              <a:t>ROLE_USER</a:t>
+            </a:r>
+          </a:p>
+          <a:p>
+            <a:pPr marL="114300" algn="just">
+              <a:lnSpc>
+                <a:spcPct val="115000"/>
+              </a:lnSpc>
+              <a:buClr>
+                <a:schemeClr val="dk2"/>
+              </a:buClr>
+              <a:buSzPts val="1800"/>
+            </a:pPr>
+            <a:r>
+              <a:rPr lang="vi-VN" sz="1800">
+                <a:solidFill>
+                  <a:schemeClr val="dk2"/>
+                </a:solidFill>
+                <a:latin typeface="Proxi ma Nova"/>
+                <a:sym typeface="Proxima Nova"/>
+              </a:rPr>
+              <a:t>ROLE_SALES</a:t>
+            </a:r>
+          </a:p>
+          <a:p>
+            <a:pPr marL="114300" algn="just">
+              <a:lnSpc>
+                <a:spcPct val="115000"/>
+              </a:lnSpc>
+              <a:buClr>
+                <a:schemeClr val="dk2"/>
+              </a:buClr>
+              <a:buSzPts val="1800"/>
+            </a:pPr>
+            <a:r>
+              <a:rPr lang="vi-VN" sz="1800">
+                <a:solidFill>
+                  <a:schemeClr val="dk2"/>
+                </a:solidFill>
+                <a:latin typeface="Proxi ma Nova"/>
+                <a:sym typeface="Proxima Nova"/>
+              </a:rPr>
+              <a:t>ROLE_MANAGEMENT</a:t>
+            </a:r>
+            <a:endParaRPr lang="en-US" sz="1800">
+              <a:solidFill>
+                <a:schemeClr val="dk2"/>
+              </a:solidFill>
+              <a:latin typeface="Proxi ma Nova"/>
+              <a:sym typeface="Proxima Nova"/>
+            </a:endParaRPr>
+          </a:p>
+        </p:txBody>
+      </p:sp>
+    </p:spTree>
+    <p:extLst>
+      <p:ext uri="{BB962C8B-B14F-4D97-AF65-F5344CB8AC3E}">
+        <p14:creationId xmlns:p14="http://schemas.microsoft.com/office/powerpoint/2010/main" val="1380424609"/>
+      </p:ext>
+    </p:extLst>
+  </p:cSld>
+  <p:clrMapOvr>
+    <a:masterClrMapping/>
+  </p:clrMapOvr>
+</p:sld>
+</file>
+
+<file path=ppt/slides/slide9.xml><?xml version="1.0" encoding="utf-8"?>
+<p:sld xmlns:a="http://schemas.openxmlformats.org/drawingml/2006/main" xmlns:r="http://schemas.openxmlformats.org/officeDocument/2006/relationships" xmlns:p="http://schemas.openxmlformats.org/presentationml/2006/main">
+  <p:cSld>
+    <p:spTree>
+      <p:nvGrpSpPr>
+        <p:cNvPr id="1" name="Shape 72"/>
+        <p:cNvGrpSpPr/>
+        <p:nvPr/>
+      </p:nvGrpSpPr>
+      <p:grpSpPr>
+        <a:xfrm>
+          <a:off x="0" y="0"/>
+          <a:ext cx="0" cy="0"/>
+          <a:chOff x="0" y="0"/>
+          <a:chExt cx="0" cy="0"/>
+        </a:xfrm>
+      </p:grpSpPr>
+      <p:sp>
+        <p:nvSpPr>
+          <p:cNvPr id="73" name="Google Shape;73;p15"/>
+          <p:cNvSpPr txBox="1">
+            <a:spLocks noGrp="1"/>
+          </p:cNvSpPr>
+          <p:nvPr>
+            <p:ph type="title"/>
+          </p:nvPr>
+        </p:nvSpPr>
+        <p:spPr>
+          <a:xfrm>
+            <a:off x="490250" y="517961"/>
+            <a:ext cx="5683800" cy="4090800"/>
+          </a:xfrm>
+          <a:prstGeom prst="rect">
+            <a:avLst/>
+          </a:prstGeom>
+        </p:spPr>
+        <p:txBody>
+          <a:bodyPr spcFirstLastPara="1" wrap="square" lIns="91425" tIns="91425" rIns="91425" bIns="91425" anchor="ctr" anchorCtr="0">
+            <a:normAutofit/>
+          </a:bodyPr>
+          <a:lstStyle/>
+          <a:p>
+            <a:pPr marL="0" lvl="0" indent="0" algn="l" rtl="0">
+              <a:lnSpc>
+                <a:spcPct val="115000"/>
+              </a:lnSpc>
+              <a:spcBef>
+                <a:spcPts val="0"/>
+              </a:spcBef>
+              <a:spcAft>
+                <a:spcPts val="0"/>
+              </a:spcAft>
+              <a:buNone/>
+            </a:pPr>
+            <a:r>
+              <a:rPr lang="vi-VN"/>
+              <a:t>Các hình thức Xác thực</a:t>
+            </a:r>
+            <a:endParaRPr/>
+          </a:p>
+        </p:txBody>
+      </p:sp>
+    </p:spTree>
+    <p:extLst>
+      <p:ext uri="{BB962C8B-B14F-4D97-AF65-F5344CB8AC3E}">
+        <p14:creationId xmlns:p14="http://schemas.microsoft.com/office/powerpoint/2010/main" val="589360785"/>
       </p:ext>
     </p:extLst>
   </p:cSld>

--- a/presentations/Bài 25_Bao mat trong Java Spring Boot.pptx
+++ b/presentations/Bài 25_Bao mat trong Java Spring Boot.pptx
@@ -5,7 +5,7 @@
     <p:sldMasterId id="2147483659" r:id="rId1"/>
   </p:sldMasterIdLst>
   <p:notesMasterIdLst>
-    <p:notesMasterId r:id="rId19"/>
+    <p:notesMasterId r:id="rId28"/>
   </p:notesMasterIdLst>
   <p:sldIdLst>
     <p:sldId id="256" r:id="rId2"/>
@@ -25,20 +25,29 @@
     <p:sldId id="308" r:id="rId16"/>
     <p:sldId id="309" r:id="rId17"/>
     <p:sldId id="310" r:id="rId18"/>
+    <p:sldId id="311" r:id="rId19"/>
+    <p:sldId id="312" r:id="rId20"/>
+    <p:sldId id="313" r:id="rId21"/>
+    <p:sldId id="314" r:id="rId22"/>
+    <p:sldId id="315" r:id="rId23"/>
+    <p:sldId id="316" r:id="rId24"/>
+    <p:sldId id="317" r:id="rId25"/>
+    <p:sldId id="318" r:id="rId26"/>
+    <p:sldId id="319" r:id="rId27"/>
   </p:sldIdLst>
   <p:sldSz cx="9144000" cy="5143500" type="screen16x9"/>
   <p:notesSz cx="6858000" cy="9144000"/>
   <p:embeddedFontLst>
     <p:embeddedFont>
       <p:font typeface="Alfa Slab One" panose="020B0604020202020204" charset="0"/>
-      <p:regular r:id="rId20"/>
+      <p:regular r:id="rId29"/>
     </p:embeddedFont>
     <p:embeddedFont>
       <p:font typeface="Proxima Nova" panose="020B0604020202020204" charset="0"/>
-      <p:regular r:id="rId21"/>
-      <p:bold r:id="rId22"/>
-      <p:italic r:id="rId23"/>
-      <p:boldItalic r:id="rId24"/>
+      <p:regular r:id="rId30"/>
+      <p:bold r:id="rId31"/>
+      <p:italic r:id="rId32"/>
+      <p:boldItalic r:id="rId33"/>
     </p:embeddedFont>
   </p:embeddedFontLst>
   <p:defaultTextStyle>
@@ -1706,7 +1715,7 @@
 </p:notes>
 </file>
 
-<file path=ppt/notesSlides/notesSlide2.xml><?xml version="1.0" encoding="utf-8"?>
+<file path=ppt/notesSlides/notesSlide18.xml><?xml version="1.0" encoding="utf-8"?>
 <p:notes xmlns:a="http://schemas.openxmlformats.org/drawingml/2006/main" xmlns:r="http://schemas.openxmlformats.org/officeDocument/2006/relationships" xmlns:p="http://schemas.openxmlformats.org/presentationml/2006/main" showMasterSp="0" showMasterPhAnim="0">
   <p:cSld>
     <p:spTree>
@@ -1803,6 +1812,987 @@
         </p:txBody>
       </p:sp>
     </p:spTree>
+    <p:extLst>
+      <p:ext uri="{BB962C8B-B14F-4D97-AF65-F5344CB8AC3E}">
+        <p14:creationId xmlns:p14="http://schemas.microsoft.com/office/powerpoint/2010/main" val="1435890612"/>
+      </p:ext>
+    </p:extLst>
+  </p:cSld>
+  <p:clrMapOvr>
+    <a:masterClrMapping/>
+  </p:clrMapOvr>
+</p:notes>
+</file>
+
+<file path=ppt/notesSlides/notesSlide19.xml><?xml version="1.0" encoding="utf-8"?>
+<p:notes xmlns:a="http://schemas.openxmlformats.org/drawingml/2006/main" xmlns:r="http://schemas.openxmlformats.org/officeDocument/2006/relationships" xmlns:p="http://schemas.openxmlformats.org/presentationml/2006/main" showMasterSp="0" showMasterPhAnim="0">
+  <p:cSld>
+    <p:spTree>
+      <p:nvGrpSpPr>
+        <p:cNvPr id="1" name="Shape 63"/>
+        <p:cNvGrpSpPr/>
+        <p:nvPr/>
+      </p:nvGrpSpPr>
+      <p:grpSpPr>
+        <a:xfrm>
+          <a:off x="0" y="0"/>
+          <a:ext cx="0" cy="0"/>
+          <a:chOff x="0" y="0"/>
+          <a:chExt cx="0" cy="0"/>
+        </a:xfrm>
+      </p:grpSpPr>
+      <p:sp>
+        <p:nvSpPr>
+          <p:cNvPr id="64" name="Google Shape;64;g163dd5cb31f_0_287:notes"/>
+          <p:cNvSpPr>
+            <a:spLocks noGrp="1" noRot="1" noChangeAspect="1"/>
+          </p:cNvSpPr>
+          <p:nvPr>
+            <p:ph type="sldImg" idx="2"/>
+          </p:nvPr>
+        </p:nvSpPr>
+        <p:spPr>
+          <a:xfrm>
+            <a:off x="381000" y="685800"/>
+            <a:ext cx="6096000" cy="3429000"/>
+          </a:xfrm>
+          <a:custGeom>
+            <a:avLst/>
+            <a:gdLst/>
+            <a:ahLst/>
+            <a:cxnLst/>
+            <a:rect l="l" t="t" r="r" b="b"/>
+            <a:pathLst>
+              <a:path w="120000" h="120000" extrusionOk="0">
+                <a:moveTo>
+                  <a:pt x="0" y="0"/>
+                </a:moveTo>
+                <a:lnTo>
+                  <a:pt x="120000" y="0"/>
+                </a:lnTo>
+                <a:lnTo>
+                  <a:pt x="120000" y="120000"/>
+                </a:lnTo>
+                <a:lnTo>
+                  <a:pt x="0" y="120000"/>
+                </a:lnTo>
+                <a:close/>
+              </a:path>
+            </a:pathLst>
+          </a:custGeom>
+        </p:spPr>
+      </p:sp>
+      <p:sp>
+        <p:nvSpPr>
+          <p:cNvPr id="65" name="Google Shape;65;g163dd5cb31f_0_287:notes"/>
+          <p:cNvSpPr txBox="1">
+            <a:spLocks noGrp="1"/>
+          </p:cNvSpPr>
+          <p:nvPr>
+            <p:ph type="body" idx="1"/>
+          </p:nvPr>
+        </p:nvSpPr>
+        <p:spPr>
+          <a:xfrm>
+            <a:off x="685800" y="4343400"/>
+            <a:ext cx="5486400" cy="4114800"/>
+          </a:xfrm>
+          <a:prstGeom prst="rect">
+            <a:avLst/>
+          </a:prstGeom>
+        </p:spPr>
+        <p:txBody>
+          <a:bodyPr spcFirstLastPara="1" wrap="square" lIns="91425" tIns="91425" rIns="91425" bIns="91425" anchor="t" anchorCtr="0">
+            <a:noAutofit/>
+          </a:bodyPr>
+          <a:lstStyle/>
+          <a:p>
+            <a:pPr marL="0" lvl="0" indent="0" algn="l" rtl="0">
+              <a:spcBef>
+                <a:spcPts val="0"/>
+              </a:spcBef>
+              <a:spcAft>
+                <a:spcPts val="0"/>
+              </a:spcAft>
+              <a:buNone/>
+            </a:pPr>
+            <a:endParaRPr/>
+          </a:p>
+        </p:txBody>
+      </p:sp>
+    </p:spTree>
+    <p:extLst>
+      <p:ext uri="{BB962C8B-B14F-4D97-AF65-F5344CB8AC3E}">
+        <p14:creationId xmlns:p14="http://schemas.microsoft.com/office/powerpoint/2010/main" val="3607183481"/>
+      </p:ext>
+    </p:extLst>
+  </p:cSld>
+  <p:clrMapOvr>
+    <a:masterClrMapping/>
+  </p:clrMapOvr>
+</p:notes>
+</file>
+
+<file path=ppt/notesSlides/notesSlide2.xml><?xml version="1.0" encoding="utf-8"?>
+<p:notes xmlns:a="http://schemas.openxmlformats.org/drawingml/2006/main" xmlns:r="http://schemas.openxmlformats.org/officeDocument/2006/relationships" xmlns:p="http://schemas.openxmlformats.org/presentationml/2006/main" showMasterSp="0" showMasterPhAnim="0">
+  <p:cSld>
+    <p:spTree>
+      <p:nvGrpSpPr>
+        <p:cNvPr id="1" name="Shape 63"/>
+        <p:cNvGrpSpPr/>
+        <p:nvPr/>
+      </p:nvGrpSpPr>
+      <p:grpSpPr>
+        <a:xfrm>
+          <a:off x="0" y="0"/>
+          <a:ext cx="0" cy="0"/>
+          <a:chOff x="0" y="0"/>
+          <a:chExt cx="0" cy="0"/>
+        </a:xfrm>
+      </p:grpSpPr>
+      <p:sp>
+        <p:nvSpPr>
+          <p:cNvPr id="64" name="Google Shape;64;g163dd5cb31f_0_287:notes"/>
+          <p:cNvSpPr>
+            <a:spLocks noGrp="1" noRot="1" noChangeAspect="1"/>
+          </p:cNvSpPr>
+          <p:nvPr>
+            <p:ph type="sldImg" idx="2"/>
+          </p:nvPr>
+        </p:nvSpPr>
+        <p:spPr>
+          <a:xfrm>
+            <a:off x="381000" y="685800"/>
+            <a:ext cx="6096000" cy="3429000"/>
+          </a:xfrm>
+          <a:custGeom>
+            <a:avLst/>
+            <a:gdLst/>
+            <a:ahLst/>
+            <a:cxnLst/>
+            <a:rect l="l" t="t" r="r" b="b"/>
+            <a:pathLst>
+              <a:path w="120000" h="120000" extrusionOk="0">
+                <a:moveTo>
+                  <a:pt x="0" y="0"/>
+                </a:moveTo>
+                <a:lnTo>
+                  <a:pt x="120000" y="0"/>
+                </a:lnTo>
+                <a:lnTo>
+                  <a:pt x="120000" y="120000"/>
+                </a:lnTo>
+                <a:lnTo>
+                  <a:pt x="0" y="120000"/>
+                </a:lnTo>
+                <a:close/>
+              </a:path>
+            </a:pathLst>
+          </a:custGeom>
+        </p:spPr>
+      </p:sp>
+      <p:sp>
+        <p:nvSpPr>
+          <p:cNvPr id="65" name="Google Shape;65;g163dd5cb31f_0_287:notes"/>
+          <p:cNvSpPr txBox="1">
+            <a:spLocks noGrp="1"/>
+          </p:cNvSpPr>
+          <p:nvPr>
+            <p:ph type="body" idx="1"/>
+          </p:nvPr>
+        </p:nvSpPr>
+        <p:spPr>
+          <a:xfrm>
+            <a:off x="685800" y="4343400"/>
+            <a:ext cx="5486400" cy="4114800"/>
+          </a:xfrm>
+          <a:prstGeom prst="rect">
+            <a:avLst/>
+          </a:prstGeom>
+        </p:spPr>
+        <p:txBody>
+          <a:bodyPr spcFirstLastPara="1" wrap="square" lIns="91425" tIns="91425" rIns="91425" bIns="91425" anchor="t" anchorCtr="0">
+            <a:noAutofit/>
+          </a:bodyPr>
+          <a:lstStyle/>
+          <a:p>
+            <a:pPr marL="0" lvl="0" indent="0" algn="l" rtl="0">
+              <a:spcBef>
+                <a:spcPts val="0"/>
+              </a:spcBef>
+              <a:spcAft>
+                <a:spcPts val="0"/>
+              </a:spcAft>
+              <a:buNone/>
+            </a:pPr>
+            <a:endParaRPr/>
+          </a:p>
+        </p:txBody>
+      </p:sp>
+    </p:spTree>
+  </p:cSld>
+  <p:clrMapOvr>
+    <a:masterClrMapping/>
+  </p:clrMapOvr>
+</p:notes>
+</file>
+
+<file path=ppt/notesSlides/notesSlide20.xml><?xml version="1.0" encoding="utf-8"?>
+<p:notes xmlns:a="http://schemas.openxmlformats.org/drawingml/2006/main" xmlns:r="http://schemas.openxmlformats.org/officeDocument/2006/relationships" xmlns:p="http://schemas.openxmlformats.org/presentationml/2006/main" showMasterSp="0" showMasterPhAnim="0">
+  <p:cSld>
+    <p:spTree>
+      <p:nvGrpSpPr>
+        <p:cNvPr id="1" name="Shape 63"/>
+        <p:cNvGrpSpPr/>
+        <p:nvPr/>
+      </p:nvGrpSpPr>
+      <p:grpSpPr>
+        <a:xfrm>
+          <a:off x="0" y="0"/>
+          <a:ext cx="0" cy="0"/>
+          <a:chOff x="0" y="0"/>
+          <a:chExt cx="0" cy="0"/>
+        </a:xfrm>
+      </p:grpSpPr>
+      <p:sp>
+        <p:nvSpPr>
+          <p:cNvPr id="64" name="Google Shape;64;g163dd5cb31f_0_287:notes"/>
+          <p:cNvSpPr>
+            <a:spLocks noGrp="1" noRot="1" noChangeAspect="1"/>
+          </p:cNvSpPr>
+          <p:nvPr>
+            <p:ph type="sldImg" idx="2"/>
+          </p:nvPr>
+        </p:nvSpPr>
+        <p:spPr>
+          <a:xfrm>
+            <a:off x="381000" y="685800"/>
+            <a:ext cx="6096000" cy="3429000"/>
+          </a:xfrm>
+          <a:custGeom>
+            <a:avLst/>
+            <a:gdLst/>
+            <a:ahLst/>
+            <a:cxnLst/>
+            <a:rect l="l" t="t" r="r" b="b"/>
+            <a:pathLst>
+              <a:path w="120000" h="120000" extrusionOk="0">
+                <a:moveTo>
+                  <a:pt x="0" y="0"/>
+                </a:moveTo>
+                <a:lnTo>
+                  <a:pt x="120000" y="0"/>
+                </a:lnTo>
+                <a:lnTo>
+                  <a:pt x="120000" y="120000"/>
+                </a:lnTo>
+                <a:lnTo>
+                  <a:pt x="0" y="120000"/>
+                </a:lnTo>
+                <a:close/>
+              </a:path>
+            </a:pathLst>
+          </a:custGeom>
+        </p:spPr>
+      </p:sp>
+      <p:sp>
+        <p:nvSpPr>
+          <p:cNvPr id="65" name="Google Shape;65;g163dd5cb31f_0_287:notes"/>
+          <p:cNvSpPr txBox="1">
+            <a:spLocks noGrp="1"/>
+          </p:cNvSpPr>
+          <p:nvPr>
+            <p:ph type="body" idx="1"/>
+          </p:nvPr>
+        </p:nvSpPr>
+        <p:spPr>
+          <a:xfrm>
+            <a:off x="685800" y="4343400"/>
+            <a:ext cx="5486400" cy="4114800"/>
+          </a:xfrm>
+          <a:prstGeom prst="rect">
+            <a:avLst/>
+          </a:prstGeom>
+        </p:spPr>
+        <p:txBody>
+          <a:bodyPr spcFirstLastPara="1" wrap="square" lIns="91425" tIns="91425" rIns="91425" bIns="91425" anchor="t" anchorCtr="0">
+            <a:noAutofit/>
+          </a:bodyPr>
+          <a:lstStyle/>
+          <a:p>
+            <a:pPr marL="0" lvl="0" indent="0" algn="l" rtl="0">
+              <a:spcBef>
+                <a:spcPts val="0"/>
+              </a:spcBef>
+              <a:spcAft>
+                <a:spcPts val="0"/>
+              </a:spcAft>
+              <a:buNone/>
+            </a:pPr>
+            <a:endParaRPr/>
+          </a:p>
+        </p:txBody>
+      </p:sp>
+    </p:spTree>
+    <p:extLst>
+      <p:ext uri="{BB962C8B-B14F-4D97-AF65-F5344CB8AC3E}">
+        <p14:creationId xmlns:p14="http://schemas.microsoft.com/office/powerpoint/2010/main" val="360567925"/>
+      </p:ext>
+    </p:extLst>
+  </p:cSld>
+  <p:clrMapOvr>
+    <a:masterClrMapping/>
+  </p:clrMapOvr>
+</p:notes>
+</file>
+
+<file path=ppt/notesSlides/notesSlide21.xml><?xml version="1.0" encoding="utf-8"?>
+<p:notes xmlns:a="http://schemas.openxmlformats.org/drawingml/2006/main" xmlns:r="http://schemas.openxmlformats.org/officeDocument/2006/relationships" xmlns:p="http://schemas.openxmlformats.org/presentationml/2006/main" showMasterSp="0" showMasterPhAnim="0">
+  <p:cSld>
+    <p:spTree>
+      <p:nvGrpSpPr>
+        <p:cNvPr id="1" name="Shape 63"/>
+        <p:cNvGrpSpPr/>
+        <p:nvPr/>
+      </p:nvGrpSpPr>
+      <p:grpSpPr>
+        <a:xfrm>
+          <a:off x="0" y="0"/>
+          <a:ext cx="0" cy="0"/>
+          <a:chOff x="0" y="0"/>
+          <a:chExt cx="0" cy="0"/>
+        </a:xfrm>
+      </p:grpSpPr>
+      <p:sp>
+        <p:nvSpPr>
+          <p:cNvPr id="64" name="Google Shape;64;g163dd5cb31f_0_287:notes"/>
+          <p:cNvSpPr>
+            <a:spLocks noGrp="1" noRot="1" noChangeAspect="1"/>
+          </p:cNvSpPr>
+          <p:nvPr>
+            <p:ph type="sldImg" idx="2"/>
+          </p:nvPr>
+        </p:nvSpPr>
+        <p:spPr>
+          <a:xfrm>
+            <a:off x="381000" y="685800"/>
+            <a:ext cx="6096000" cy="3429000"/>
+          </a:xfrm>
+          <a:custGeom>
+            <a:avLst/>
+            <a:gdLst/>
+            <a:ahLst/>
+            <a:cxnLst/>
+            <a:rect l="l" t="t" r="r" b="b"/>
+            <a:pathLst>
+              <a:path w="120000" h="120000" extrusionOk="0">
+                <a:moveTo>
+                  <a:pt x="0" y="0"/>
+                </a:moveTo>
+                <a:lnTo>
+                  <a:pt x="120000" y="0"/>
+                </a:lnTo>
+                <a:lnTo>
+                  <a:pt x="120000" y="120000"/>
+                </a:lnTo>
+                <a:lnTo>
+                  <a:pt x="0" y="120000"/>
+                </a:lnTo>
+                <a:close/>
+              </a:path>
+            </a:pathLst>
+          </a:custGeom>
+        </p:spPr>
+      </p:sp>
+      <p:sp>
+        <p:nvSpPr>
+          <p:cNvPr id="65" name="Google Shape;65;g163dd5cb31f_0_287:notes"/>
+          <p:cNvSpPr txBox="1">
+            <a:spLocks noGrp="1"/>
+          </p:cNvSpPr>
+          <p:nvPr>
+            <p:ph type="body" idx="1"/>
+          </p:nvPr>
+        </p:nvSpPr>
+        <p:spPr>
+          <a:xfrm>
+            <a:off x="685800" y="4343400"/>
+            <a:ext cx="5486400" cy="4114800"/>
+          </a:xfrm>
+          <a:prstGeom prst="rect">
+            <a:avLst/>
+          </a:prstGeom>
+        </p:spPr>
+        <p:txBody>
+          <a:bodyPr spcFirstLastPara="1" wrap="square" lIns="91425" tIns="91425" rIns="91425" bIns="91425" anchor="t" anchorCtr="0">
+            <a:noAutofit/>
+          </a:bodyPr>
+          <a:lstStyle/>
+          <a:p>
+            <a:pPr marL="0" lvl="0" indent="0" algn="l" rtl="0">
+              <a:spcBef>
+                <a:spcPts val="0"/>
+              </a:spcBef>
+              <a:spcAft>
+                <a:spcPts val="0"/>
+              </a:spcAft>
+              <a:buNone/>
+            </a:pPr>
+            <a:endParaRPr/>
+          </a:p>
+        </p:txBody>
+      </p:sp>
+    </p:spTree>
+    <p:extLst>
+      <p:ext uri="{BB962C8B-B14F-4D97-AF65-F5344CB8AC3E}">
+        <p14:creationId xmlns:p14="http://schemas.microsoft.com/office/powerpoint/2010/main" val="1257626302"/>
+      </p:ext>
+    </p:extLst>
+  </p:cSld>
+  <p:clrMapOvr>
+    <a:masterClrMapping/>
+  </p:clrMapOvr>
+</p:notes>
+</file>
+
+<file path=ppt/notesSlides/notesSlide22.xml><?xml version="1.0" encoding="utf-8"?>
+<p:notes xmlns:a="http://schemas.openxmlformats.org/drawingml/2006/main" xmlns:r="http://schemas.openxmlformats.org/officeDocument/2006/relationships" xmlns:p="http://schemas.openxmlformats.org/presentationml/2006/main" showMasterSp="0" showMasterPhAnim="0">
+  <p:cSld>
+    <p:spTree>
+      <p:nvGrpSpPr>
+        <p:cNvPr id="1" name="Shape 63"/>
+        <p:cNvGrpSpPr/>
+        <p:nvPr/>
+      </p:nvGrpSpPr>
+      <p:grpSpPr>
+        <a:xfrm>
+          <a:off x="0" y="0"/>
+          <a:ext cx="0" cy="0"/>
+          <a:chOff x="0" y="0"/>
+          <a:chExt cx="0" cy="0"/>
+        </a:xfrm>
+      </p:grpSpPr>
+      <p:sp>
+        <p:nvSpPr>
+          <p:cNvPr id="64" name="Google Shape;64;g163dd5cb31f_0_287:notes"/>
+          <p:cNvSpPr>
+            <a:spLocks noGrp="1" noRot="1" noChangeAspect="1"/>
+          </p:cNvSpPr>
+          <p:nvPr>
+            <p:ph type="sldImg" idx="2"/>
+          </p:nvPr>
+        </p:nvSpPr>
+        <p:spPr>
+          <a:xfrm>
+            <a:off x="381000" y="685800"/>
+            <a:ext cx="6096000" cy="3429000"/>
+          </a:xfrm>
+          <a:custGeom>
+            <a:avLst/>
+            <a:gdLst/>
+            <a:ahLst/>
+            <a:cxnLst/>
+            <a:rect l="l" t="t" r="r" b="b"/>
+            <a:pathLst>
+              <a:path w="120000" h="120000" extrusionOk="0">
+                <a:moveTo>
+                  <a:pt x="0" y="0"/>
+                </a:moveTo>
+                <a:lnTo>
+                  <a:pt x="120000" y="0"/>
+                </a:lnTo>
+                <a:lnTo>
+                  <a:pt x="120000" y="120000"/>
+                </a:lnTo>
+                <a:lnTo>
+                  <a:pt x="0" y="120000"/>
+                </a:lnTo>
+                <a:close/>
+              </a:path>
+            </a:pathLst>
+          </a:custGeom>
+        </p:spPr>
+      </p:sp>
+      <p:sp>
+        <p:nvSpPr>
+          <p:cNvPr id="65" name="Google Shape;65;g163dd5cb31f_0_287:notes"/>
+          <p:cNvSpPr txBox="1">
+            <a:spLocks noGrp="1"/>
+          </p:cNvSpPr>
+          <p:nvPr>
+            <p:ph type="body" idx="1"/>
+          </p:nvPr>
+        </p:nvSpPr>
+        <p:spPr>
+          <a:xfrm>
+            <a:off x="685800" y="4343400"/>
+            <a:ext cx="5486400" cy="4114800"/>
+          </a:xfrm>
+          <a:prstGeom prst="rect">
+            <a:avLst/>
+          </a:prstGeom>
+        </p:spPr>
+        <p:txBody>
+          <a:bodyPr spcFirstLastPara="1" wrap="square" lIns="91425" tIns="91425" rIns="91425" bIns="91425" anchor="t" anchorCtr="0">
+            <a:noAutofit/>
+          </a:bodyPr>
+          <a:lstStyle/>
+          <a:p>
+            <a:pPr marL="0" lvl="0" indent="0" algn="l" rtl="0">
+              <a:spcBef>
+                <a:spcPts val="0"/>
+              </a:spcBef>
+              <a:spcAft>
+                <a:spcPts val="0"/>
+              </a:spcAft>
+              <a:buNone/>
+            </a:pPr>
+            <a:endParaRPr/>
+          </a:p>
+        </p:txBody>
+      </p:sp>
+    </p:spTree>
+    <p:extLst>
+      <p:ext uri="{BB962C8B-B14F-4D97-AF65-F5344CB8AC3E}">
+        <p14:creationId xmlns:p14="http://schemas.microsoft.com/office/powerpoint/2010/main" val="2478062325"/>
+      </p:ext>
+    </p:extLst>
+  </p:cSld>
+  <p:clrMapOvr>
+    <a:masterClrMapping/>
+  </p:clrMapOvr>
+</p:notes>
+</file>
+
+<file path=ppt/notesSlides/notesSlide23.xml><?xml version="1.0" encoding="utf-8"?>
+<p:notes xmlns:a="http://schemas.openxmlformats.org/drawingml/2006/main" xmlns:r="http://schemas.openxmlformats.org/officeDocument/2006/relationships" xmlns:p="http://schemas.openxmlformats.org/presentationml/2006/main" showMasterSp="0" showMasterPhAnim="0">
+  <p:cSld>
+    <p:spTree>
+      <p:nvGrpSpPr>
+        <p:cNvPr id="1" name="Shape 63"/>
+        <p:cNvGrpSpPr/>
+        <p:nvPr/>
+      </p:nvGrpSpPr>
+      <p:grpSpPr>
+        <a:xfrm>
+          <a:off x="0" y="0"/>
+          <a:ext cx="0" cy="0"/>
+          <a:chOff x="0" y="0"/>
+          <a:chExt cx="0" cy="0"/>
+        </a:xfrm>
+      </p:grpSpPr>
+      <p:sp>
+        <p:nvSpPr>
+          <p:cNvPr id="64" name="Google Shape;64;g163dd5cb31f_0_287:notes"/>
+          <p:cNvSpPr>
+            <a:spLocks noGrp="1" noRot="1" noChangeAspect="1"/>
+          </p:cNvSpPr>
+          <p:nvPr>
+            <p:ph type="sldImg" idx="2"/>
+          </p:nvPr>
+        </p:nvSpPr>
+        <p:spPr>
+          <a:xfrm>
+            <a:off x="381000" y="685800"/>
+            <a:ext cx="6096000" cy="3429000"/>
+          </a:xfrm>
+          <a:custGeom>
+            <a:avLst/>
+            <a:gdLst/>
+            <a:ahLst/>
+            <a:cxnLst/>
+            <a:rect l="l" t="t" r="r" b="b"/>
+            <a:pathLst>
+              <a:path w="120000" h="120000" extrusionOk="0">
+                <a:moveTo>
+                  <a:pt x="0" y="0"/>
+                </a:moveTo>
+                <a:lnTo>
+                  <a:pt x="120000" y="0"/>
+                </a:lnTo>
+                <a:lnTo>
+                  <a:pt x="120000" y="120000"/>
+                </a:lnTo>
+                <a:lnTo>
+                  <a:pt x="0" y="120000"/>
+                </a:lnTo>
+                <a:close/>
+              </a:path>
+            </a:pathLst>
+          </a:custGeom>
+        </p:spPr>
+      </p:sp>
+      <p:sp>
+        <p:nvSpPr>
+          <p:cNvPr id="65" name="Google Shape;65;g163dd5cb31f_0_287:notes"/>
+          <p:cNvSpPr txBox="1">
+            <a:spLocks noGrp="1"/>
+          </p:cNvSpPr>
+          <p:nvPr>
+            <p:ph type="body" idx="1"/>
+          </p:nvPr>
+        </p:nvSpPr>
+        <p:spPr>
+          <a:xfrm>
+            <a:off x="685800" y="4343400"/>
+            <a:ext cx="5486400" cy="4114800"/>
+          </a:xfrm>
+          <a:prstGeom prst="rect">
+            <a:avLst/>
+          </a:prstGeom>
+        </p:spPr>
+        <p:txBody>
+          <a:bodyPr spcFirstLastPara="1" wrap="square" lIns="91425" tIns="91425" rIns="91425" bIns="91425" anchor="t" anchorCtr="0">
+            <a:noAutofit/>
+          </a:bodyPr>
+          <a:lstStyle/>
+          <a:p>
+            <a:pPr marL="0" lvl="0" indent="0" algn="l" rtl="0">
+              <a:spcBef>
+                <a:spcPts val="0"/>
+              </a:spcBef>
+              <a:spcAft>
+                <a:spcPts val="0"/>
+              </a:spcAft>
+              <a:buNone/>
+            </a:pPr>
+            <a:endParaRPr/>
+          </a:p>
+        </p:txBody>
+      </p:sp>
+    </p:spTree>
+    <p:extLst>
+      <p:ext uri="{BB962C8B-B14F-4D97-AF65-F5344CB8AC3E}">
+        <p14:creationId xmlns:p14="http://schemas.microsoft.com/office/powerpoint/2010/main" val="2040453262"/>
+      </p:ext>
+    </p:extLst>
+  </p:cSld>
+  <p:clrMapOvr>
+    <a:masterClrMapping/>
+  </p:clrMapOvr>
+</p:notes>
+</file>
+
+<file path=ppt/notesSlides/notesSlide24.xml><?xml version="1.0" encoding="utf-8"?>
+<p:notes xmlns:a="http://schemas.openxmlformats.org/drawingml/2006/main" xmlns:r="http://schemas.openxmlformats.org/officeDocument/2006/relationships" xmlns:p="http://schemas.openxmlformats.org/presentationml/2006/main" showMasterSp="0" showMasterPhAnim="0">
+  <p:cSld>
+    <p:spTree>
+      <p:nvGrpSpPr>
+        <p:cNvPr id="1" name="Shape 63"/>
+        <p:cNvGrpSpPr/>
+        <p:nvPr/>
+      </p:nvGrpSpPr>
+      <p:grpSpPr>
+        <a:xfrm>
+          <a:off x="0" y="0"/>
+          <a:ext cx="0" cy="0"/>
+          <a:chOff x="0" y="0"/>
+          <a:chExt cx="0" cy="0"/>
+        </a:xfrm>
+      </p:grpSpPr>
+      <p:sp>
+        <p:nvSpPr>
+          <p:cNvPr id="64" name="Google Shape;64;g163dd5cb31f_0_287:notes"/>
+          <p:cNvSpPr>
+            <a:spLocks noGrp="1" noRot="1" noChangeAspect="1"/>
+          </p:cNvSpPr>
+          <p:nvPr>
+            <p:ph type="sldImg" idx="2"/>
+          </p:nvPr>
+        </p:nvSpPr>
+        <p:spPr>
+          <a:xfrm>
+            <a:off x="381000" y="685800"/>
+            <a:ext cx="6096000" cy="3429000"/>
+          </a:xfrm>
+          <a:custGeom>
+            <a:avLst/>
+            <a:gdLst/>
+            <a:ahLst/>
+            <a:cxnLst/>
+            <a:rect l="l" t="t" r="r" b="b"/>
+            <a:pathLst>
+              <a:path w="120000" h="120000" extrusionOk="0">
+                <a:moveTo>
+                  <a:pt x="0" y="0"/>
+                </a:moveTo>
+                <a:lnTo>
+                  <a:pt x="120000" y="0"/>
+                </a:lnTo>
+                <a:lnTo>
+                  <a:pt x="120000" y="120000"/>
+                </a:lnTo>
+                <a:lnTo>
+                  <a:pt x="0" y="120000"/>
+                </a:lnTo>
+                <a:close/>
+              </a:path>
+            </a:pathLst>
+          </a:custGeom>
+        </p:spPr>
+      </p:sp>
+      <p:sp>
+        <p:nvSpPr>
+          <p:cNvPr id="65" name="Google Shape;65;g163dd5cb31f_0_287:notes"/>
+          <p:cNvSpPr txBox="1">
+            <a:spLocks noGrp="1"/>
+          </p:cNvSpPr>
+          <p:nvPr>
+            <p:ph type="body" idx="1"/>
+          </p:nvPr>
+        </p:nvSpPr>
+        <p:spPr>
+          <a:xfrm>
+            <a:off x="685800" y="4343400"/>
+            <a:ext cx="5486400" cy="4114800"/>
+          </a:xfrm>
+          <a:prstGeom prst="rect">
+            <a:avLst/>
+          </a:prstGeom>
+        </p:spPr>
+        <p:txBody>
+          <a:bodyPr spcFirstLastPara="1" wrap="square" lIns="91425" tIns="91425" rIns="91425" bIns="91425" anchor="t" anchorCtr="0">
+            <a:noAutofit/>
+          </a:bodyPr>
+          <a:lstStyle/>
+          <a:p>
+            <a:pPr marL="0" lvl="0" indent="0" algn="l" rtl="0">
+              <a:spcBef>
+                <a:spcPts val="0"/>
+              </a:spcBef>
+              <a:spcAft>
+                <a:spcPts val="0"/>
+              </a:spcAft>
+              <a:buNone/>
+            </a:pPr>
+            <a:endParaRPr/>
+          </a:p>
+        </p:txBody>
+      </p:sp>
+    </p:spTree>
+    <p:extLst>
+      <p:ext uri="{BB962C8B-B14F-4D97-AF65-F5344CB8AC3E}">
+        <p14:creationId xmlns:p14="http://schemas.microsoft.com/office/powerpoint/2010/main" val="2017136443"/>
+      </p:ext>
+    </p:extLst>
+  </p:cSld>
+  <p:clrMapOvr>
+    <a:masterClrMapping/>
+  </p:clrMapOvr>
+</p:notes>
+</file>
+
+<file path=ppt/notesSlides/notesSlide25.xml><?xml version="1.0" encoding="utf-8"?>
+<p:notes xmlns:a="http://schemas.openxmlformats.org/drawingml/2006/main" xmlns:r="http://schemas.openxmlformats.org/officeDocument/2006/relationships" xmlns:p="http://schemas.openxmlformats.org/presentationml/2006/main" showMasterSp="0" showMasterPhAnim="0">
+  <p:cSld>
+    <p:spTree>
+      <p:nvGrpSpPr>
+        <p:cNvPr id="1" name="Shape 69"/>
+        <p:cNvGrpSpPr/>
+        <p:nvPr/>
+      </p:nvGrpSpPr>
+      <p:grpSpPr>
+        <a:xfrm>
+          <a:off x="0" y="0"/>
+          <a:ext cx="0" cy="0"/>
+          <a:chOff x="0" y="0"/>
+          <a:chExt cx="0" cy="0"/>
+        </a:xfrm>
+      </p:grpSpPr>
+      <p:sp>
+        <p:nvSpPr>
+          <p:cNvPr id="70" name="Google Shape;70;g1658efc2617_0_22:notes"/>
+          <p:cNvSpPr>
+            <a:spLocks noGrp="1" noRot="1" noChangeAspect="1"/>
+          </p:cNvSpPr>
+          <p:nvPr>
+            <p:ph type="sldImg" idx="2"/>
+          </p:nvPr>
+        </p:nvSpPr>
+        <p:spPr>
+          <a:xfrm>
+            <a:off x="381000" y="685800"/>
+            <a:ext cx="6096000" cy="3429000"/>
+          </a:xfrm>
+          <a:custGeom>
+            <a:avLst/>
+            <a:gdLst/>
+            <a:ahLst/>
+            <a:cxnLst/>
+            <a:rect l="l" t="t" r="r" b="b"/>
+            <a:pathLst>
+              <a:path w="120000" h="120000" extrusionOk="0">
+                <a:moveTo>
+                  <a:pt x="0" y="0"/>
+                </a:moveTo>
+                <a:lnTo>
+                  <a:pt x="120000" y="0"/>
+                </a:lnTo>
+                <a:lnTo>
+                  <a:pt x="120000" y="120000"/>
+                </a:lnTo>
+                <a:lnTo>
+                  <a:pt x="0" y="120000"/>
+                </a:lnTo>
+                <a:close/>
+              </a:path>
+            </a:pathLst>
+          </a:custGeom>
+        </p:spPr>
+      </p:sp>
+      <p:sp>
+        <p:nvSpPr>
+          <p:cNvPr id="71" name="Google Shape;71;g1658efc2617_0_22:notes"/>
+          <p:cNvSpPr txBox="1">
+            <a:spLocks noGrp="1"/>
+          </p:cNvSpPr>
+          <p:nvPr>
+            <p:ph type="body" idx="1"/>
+          </p:nvPr>
+        </p:nvSpPr>
+        <p:spPr>
+          <a:xfrm>
+            <a:off x="685800" y="4343400"/>
+            <a:ext cx="5486400" cy="4114800"/>
+          </a:xfrm>
+          <a:prstGeom prst="rect">
+            <a:avLst/>
+          </a:prstGeom>
+        </p:spPr>
+        <p:txBody>
+          <a:bodyPr spcFirstLastPara="1" wrap="square" lIns="91425" tIns="91425" rIns="91425" bIns="91425" anchor="t" anchorCtr="0">
+            <a:noAutofit/>
+          </a:bodyPr>
+          <a:lstStyle/>
+          <a:p>
+            <a:pPr marL="0" lvl="0" indent="0" algn="l" rtl="0">
+              <a:spcBef>
+                <a:spcPts val="0"/>
+              </a:spcBef>
+              <a:spcAft>
+                <a:spcPts val="0"/>
+              </a:spcAft>
+              <a:buNone/>
+            </a:pPr>
+            <a:endParaRPr/>
+          </a:p>
+        </p:txBody>
+      </p:sp>
+    </p:spTree>
+    <p:extLst>
+      <p:ext uri="{BB962C8B-B14F-4D97-AF65-F5344CB8AC3E}">
+        <p14:creationId xmlns:p14="http://schemas.microsoft.com/office/powerpoint/2010/main" val="3729922672"/>
+      </p:ext>
+    </p:extLst>
+  </p:cSld>
+  <p:clrMapOvr>
+    <a:masterClrMapping/>
+  </p:clrMapOvr>
+</p:notes>
+</file>
+
+<file path=ppt/notesSlides/notesSlide26.xml><?xml version="1.0" encoding="utf-8"?>
+<p:notes xmlns:a="http://schemas.openxmlformats.org/drawingml/2006/main" xmlns:r="http://schemas.openxmlformats.org/officeDocument/2006/relationships" xmlns:p="http://schemas.openxmlformats.org/presentationml/2006/main" showMasterSp="0" showMasterPhAnim="0">
+  <p:cSld>
+    <p:spTree>
+      <p:nvGrpSpPr>
+        <p:cNvPr id="1" name="Shape 63"/>
+        <p:cNvGrpSpPr/>
+        <p:nvPr/>
+      </p:nvGrpSpPr>
+      <p:grpSpPr>
+        <a:xfrm>
+          <a:off x="0" y="0"/>
+          <a:ext cx="0" cy="0"/>
+          <a:chOff x="0" y="0"/>
+          <a:chExt cx="0" cy="0"/>
+        </a:xfrm>
+      </p:grpSpPr>
+      <p:sp>
+        <p:nvSpPr>
+          <p:cNvPr id="64" name="Google Shape;64;g163dd5cb31f_0_287:notes"/>
+          <p:cNvSpPr>
+            <a:spLocks noGrp="1" noRot="1" noChangeAspect="1"/>
+          </p:cNvSpPr>
+          <p:nvPr>
+            <p:ph type="sldImg" idx="2"/>
+          </p:nvPr>
+        </p:nvSpPr>
+        <p:spPr>
+          <a:xfrm>
+            <a:off x="381000" y="685800"/>
+            <a:ext cx="6096000" cy="3429000"/>
+          </a:xfrm>
+          <a:custGeom>
+            <a:avLst/>
+            <a:gdLst/>
+            <a:ahLst/>
+            <a:cxnLst/>
+            <a:rect l="l" t="t" r="r" b="b"/>
+            <a:pathLst>
+              <a:path w="120000" h="120000" extrusionOk="0">
+                <a:moveTo>
+                  <a:pt x="0" y="0"/>
+                </a:moveTo>
+                <a:lnTo>
+                  <a:pt x="120000" y="0"/>
+                </a:lnTo>
+                <a:lnTo>
+                  <a:pt x="120000" y="120000"/>
+                </a:lnTo>
+                <a:lnTo>
+                  <a:pt x="0" y="120000"/>
+                </a:lnTo>
+                <a:close/>
+              </a:path>
+            </a:pathLst>
+          </a:custGeom>
+        </p:spPr>
+      </p:sp>
+      <p:sp>
+        <p:nvSpPr>
+          <p:cNvPr id="65" name="Google Shape;65;g163dd5cb31f_0_287:notes"/>
+          <p:cNvSpPr txBox="1">
+            <a:spLocks noGrp="1"/>
+          </p:cNvSpPr>
+          <p:nvPr>
+            <p:ph type="body" idx="1"/>
+          </p:nvPr>
+        </p:nvSpPr>
+        <p:spPr>
+          <a:xfrm>
+            <a:off x="685800" y="4343400"/>
+            <a:ext cx="5486400" cy="4114800"/>
+          </a:xfrm>
+          <a:prstGeom prst="rect">
+            <a:avLst/>
+          </a:prstGeom>
+        </p:spPr>
+        <p:txBody>
+          <a:bodyPr spcFirstLastPara="1" wrap="square" lIns="91425" tIns="91425" rIns="91425" bIns="91425" anchor="t" anchorCtr="0">
+            <a:noAutofit/>
+          </a:bodyPr>
+          <a:lstStyle/>
+          <a:p>
+            <a:pPr marL="0" lvl="0" indent="0" algn="l" rtl="0">
+              <a:spcBef>
+                <a:spcPts val="0"/>
+              </a:spcBef>
+              <a:spcAft>
+                <a:spcPts val="0"/>
+              </a:spcAft>
+              <a:buNone/>
+            </a:pPr>
+            <a:endParaRPr/>
+          </a:p>
+        </p:txBody>
+      </p:sp>
+    </p:spTree>
+    <p:extLst>
+      <p:ext uri="{BB962C8B-B14F-4D97-AF65-F5344CB8AC3E}">
+        <p14:creationId xmlns:p14="http://schemas.microsoft.com/office/powerpoint/2010/main" val="2062952424"/>
+      </p:ext>
+    </p:extLst>
   </p:cSld>
   <p:clrMapOvr>
     <a:masterClrMapping/>
@@ -8953,7 +9943,7 @@
             </a:pPr>
             <a:r>
               <a:rPr lang="vi-VN"/>
-              <a:t>HTTP Authentication</a:t>
+              <a:t>HTTP Basic Authentication</a:t>
             </a:r>
             <a:endParaRPr/>
           </a:p>
@@ -8993,6 +9983,282 @@
     <p:extLst>
       <p:ext uri="{BB962C8B-B14F-4D97-AF65-F5344CB8AC3E}">
         <p14:creationId xmlns:p14="http://schemas.microsoft.com/office/powerpoint/2010/main" val="1334887213"/>
+      </p:ext>
+    </p:extLst>
+  </p:cSld>
+  <p:clrMapOvr>
+    <a:masterClrMapping/>
+  </p:clrMapOvr>
+</p:sld>
+</file>
+
+<file path=ppt/slides/slide18.xml><?xml version="1.0" encoding="utf-8"?>
+<p:sld xmlns:a="http://schemas.openxmlformats.org/drawingml/2006/main" xmlns:r="http://schemas.openxmlformats.org/officeDocument/2006/relationships" xmlns:p="http://schemas.openxmlformats.org/presentationml/2006/main">
+  <p:cSld>
+    <p:spTree>
+      <p:nvGrpSpPr>
+        <p:cNvPr id="1" name="Shape 66"/>
+        <p:cNvGrpSpPr/>
+        <p:nvPr/>
+      </p:nvGrpSpPr>
+      <p:grpSpPr>
+        <a:xfrm>
+          <a:off x="0" y="0"/>
+          <a:ext cx="0" cy="0"/>
+          <a:chOff x="0" y="0"/>
+          <a:chExt cx="0" cy="0"/>
+        </a:xfrm>
+      </p:grpSpPr>
+      <p:sp>
+        <p:nvSpPr>
+          <p:cNvPr id="67" name="Google Shape;67;p14"/>
+          <p:cNvSpPr txBox="1">
+            <a:spLocks noGrp="1"/>
+          </p:cNvSpPr>
+          <p:nvPr>
+            <p:ph type="body" idx="1"/>
+          </p:nvPr>
+        </p:nvSpPr>
+        <p:spPr>
+          <a:xfrm>
+            <a:off x="311700" y="1152475"/>
+            <a:ext cx="8520600" cy="3416400"/>
+          </a:xfrm>
+          <a:prstGeom prst="rect">
+            <a:avLst/>
+          </a:prstGeom>
+        </p:spPr>
+        <p:txBody>
+          <a:bodyPr spcFirstLastPara="1" wrap="square" lIns="91425" tIns="91425" rIns="91425" bIns="91425" anchor="t" anchorCtr="0">
+            <a:normAutofit/>
+          </a:bodyPr>
+          <a:lstStyle/>
+          <a:p>
+            <a:pPr algn="just"/>
+            <a:r>
+              <a:rPr lang="vi-VN"/>
+              <a:t>Mã hóa Username/Password</a:t>
+            </a:r>
+            <a:endParaRPr lang="vi-VN" sz="1600"/>
+          </a:p>
+        </p:txBody>
+      </p:sp>
+      <p:sp>
+        <p:nvSpPr>
+          <p:cNvPr id="68" name="Google Shape;68;p14"/>
+          <p:cNvSpPr txBox="1">
+            <a:spLocks noGrp="1"/>
+          </p:cNvSpPr>
+          <p:nvPr>
+            <p:ph type="title"/>
+          </p:nvPr>
+        </p:nvSpPr>
+        <p:spPr>
+          <a:xfrm>
+            <a:off x="311700" y="445025"/>
+            <a:ext cx="8520600" cy="572700"/>
+          </a:xfrm>
+          <a:prstGeom prst="rect">
+            <a:avLst/>
+          </a:prstGeom>
+        </p:spPr>
+        <p:txBody>
+          <a:bodyPr spcFirstLastPara="1" wrap="square" lIns="91425" tIns="91425" rIns="91425" bIns="91425" anchor="t" anchorCtr="0">
+            <a:normAutofit fontScale="90000"/>
+          </a:bodyPr>
+          <a:lstStyle/>
+          <a:p>
+            <a:pPr marL="0" lvl="0" indent="0" algn="l" rtl="0">
+              <a:spcBef>
+                <a:spcPts val="0"/>
+              </a:spcBef>
+              <a:spcAft>
+                <a:spcPts val="0"/>
+              </a:spcAft>
+              <a:buNone/>
+            </a:pPr>
+            <a:r>
+              <a:rPr lang="vi-VN"/>
+              <a:t>HTTP Basic Authentication</a:t>
+            </a:r>
+            <a:endParaRPr/>
+          </a:p>
+        </p:txBody>
+      </p:sp>
+      <p:pic>
+        <p:nvPicPr>
+          <p:cNvPr id="4" name="Picture 3">
+            <a:extLst>
+              <a:ext uri="{FF2B5EF4-FFF2-40B4-BE49-F238E27FC236}">
+                <a16:creationId xmlns:a16="http://schemas.microsoft.com/office/drawing/2014/main" id="{80DCA6EC-6D50-AEA0-C1EB-B30B2F55D5C6}"/>
+              </a:ext>
+            </a:extLst>
+          </p:cNvPr>
+          <p:cNvPicPr>
+            <a:picLocks noChangeAspect="1"/>
+          </p:cNvPicPr>
+          <p:nvPr/>
+        </p:nvPicPr>
+        <p:blipFill>
+          <a:blip r:embed="rId3"/>
+          <a:stretch>
+            <a:fillRect/>
+          </a:stretch>
+        </p:blipFill>
+        <p:spPr>
+          <a:xfrm>
+            <a:off x="4197926" y="1212188"/>
+            <a:ext cx="3736471" cy="3706175"/>
+          </a:xfrm>
+          <a:prstGeom prst="rect">
+            <a:avLst/>
+          </a:prstGeom>
+        </p:spPr>
+      </p:pic>
+    </p:spTree>
+    <p:extLst>
+      <p:ext uri="{BB962C8B-B14F-4D97-AF65-F5344CB8AC3E}">
+        <p14:creationId xmlns:p14="http://schemas.microsoft.com/office/powerpoint/2010/main" val="1183998255"/>
+      </p:ext>
+    </p:extLst>
+  </p:cSld>
+  <p:clrMapOvr>
+    <a:masterClrMapping/>
+  </p:clrMapOvr>
+</p:sld>
+</file>
+
+<file path=ppt/slides/slide19.xml><?xml version="1.0" encoding="utf-8"?>
+<p:sld xmlns:a="http://schemas.openxmlformats.org/drawingml/2006/main" xmlns:r="http://schemas.openxmlformats.org/officeDocument/2006/relationships" xmlns:p="http://schemas.openxmlformats.org/presentationml/2006/main">
+  <p:cSld>
+    <p:spTree>
+      <p:nvGrpSpPr>
+        <p:cNvPr id="1" name="Shape 66"/>
+        <p:cNvGrpSpPr/>
+        <p:nvPr/>
+      </p:nvGrpSpPr>
+      <p:grpSpPr>
+        <a:xfrm>
+          <a:off x="0" y="0"/>
+          <a:ext cx="0" cy="0"/>
+          <a:chOff x="0" y="0"/>
+          <a:chExt cx="0" cy="0"/>
+        </a:xfrm>
+      </p:grpSpPr>
+      <p:sp>
+        <p:nvSpPr>
+          <p:cNvPr id="67" name="Google Shape;67;p14"/>
+          <p:cNvSpPr txBox="1">
+            <a:spLocks noGrp="1"/>
+          </p:cNvSpPr>
+          <p:nvPr>
+            <p:ph type="body" idx="1"/>
+          </p:nvPr>
+        </p:nvSpPr>
+        <p:spPr>
+          <a:xfrm>
+            <a:off x="311700" y="1152475"/>
+            <a:ext cx="8520600" cy="3416400"/>
+          </a:xfrm>
+          <a:prstGeom prst="rect">
+            <a:avLst/>
+          </a:prstGeom>
+        </p:spPr>
+        <p:txBody>
+          <a:bodyPr spcFirstLastPara="1" wrap="square" lIns="91425" tIns="91425" rIns="91425" bIns="91425" anchor="t" anchorCtr="0">
+            <a:normAutofit/>
+          </a:bodyPr>
+          <a:lstStyle/>
+          <a:p>
+            <a:pPr algn="just"/>
+            <a:r>
+              <a:rPr lang="vi-VN"/>
+              <a:t>Những điều bạn cần biết về Basic Auth</a:t>
+            </a:r>
+          </a:p>
+          <a:p>
+            <a:pPr lvl="1" algn="just"/>
+            <a:r>
+              <a:rPr lang="vi-VN" sz="1600"/>
+              <a:t>Nó rất đơn giản. Nó không yêu cầu cookie, số nhận dạng phiên hoặc trang đăng nhập.</a:t>
+            </a:r>
+          </a:p>
+          <a:p>
+            <a:pPr lvl="1" algn="just"/>
+            <a:r>
+              <a:rPr lang="vi-VN" sz="1600"/>
+              <a:t>Thông tin đăng nhập đã truyền không được mã hóa. Chúng được mã hóa bằng Base64 trong quá trình truyền, nhưng không được mã hóa hoặc băm theo bất kỳ cách nào.</a:t>
+            </a:r>
+          </a:p>
+          <a:p>
+            <a:pPr lvl="1" algn="just"/>
+            <a:r>
+              <a:rPr lang="vi-VN" sz="1600"/>
+              <a:t>Xác thực cơ bản thường được sử dụng cùng với HTTPS để cung cấp tính bảo mật.</a:t>
+            </a:r>
+          </a:p>
+          <a:p>
+            <a:pPr lvl="1" algn="just"/>
+            <a:r>
+              <a:rPr lang="vi-VN" sz="1600"/>
+              <a:t>HTTP không cung cấp phương thức để máy chủ web hướng dẫn khách hàng "đăng xuất"</a:t>
+            </a:r>
+          </a:p>
+          <a:p>
+            <a:pPr lvl="1" algn="just"/>
+            <a:r>
+              <a:rPr lang="vi-VN" sz="1600"/>
+              <a:t>Cơ chế xác thực này không được xử lý bởi ứng dụng của bạn mà bởi trình duyệt</a:t>
+            </a:r>
+          </a:p>
+        </p:txBody>
+      </p:sp>
+      <p:sp>
+        <p:nvSpPr>
+          <p:cNvPr id="68" name="Google Shape;68;p14"/>
+          <p:cNvSpPr txBox="1">
+            <a:spLocks noGrp="1"/>
+          </p:cNvSpPr>
+          <p:nvPr>
+            <p:ph type="title"/>
+          </p:nvPr>
+        </p:nvSpPr>
+        <p:spPr>
+          <a:xfrm>
+            <a:off x="311700" y="445025"/>
+            <a:ext cx="8520600" cy="572700"/>
+          </a:xfrm>
+          <a:prstGeom prst="rect">
+            <a:avLst/>
+          </a:prstGeom>
+        </p:spPr>
+        <p:txBody>
+          <a:bodyPr spcFirstLastPara="1" wrap="square" lIns="91425" tIns="91425" rIns="91425" bIns="91425" anchor="t" anchorCtr="0">
+            <a:normAutofit fontScale="90000"/>
+          </a:bodyPr>
+          <a:lstStyle/>
+          <a:p>
+            <a:pPr marL="0" lvl="0" indent="0" algn="l" rtl="0">
+              <a:spcBef>
+                <a:spcPts val="0"/>
+              </a:spcBef>
+              <a:spcAft>
+                <a:spcPts val="0"/>
+              </a:spcAft>
+              <a:buNone/>
+            </a:pPr>
+            <a:r>
+              <a:rPr lang="vi-VN"/>
+              <a:t>HTTP Basic Authentication</a:t>
+            </a:r>
+            <a:endParaRPr/>
+          </a:p>
+        </p:txBody>
+      </p:sp>
+    </p:spTree>
+    <p:extLst>
+      <p:ext uri="{BB962C8B-B14F-4D97-AF65-F5344CB8AC3E}">
+        <p14:creationId xmlns:p14="http://schemas.microsoft.com/office/powerpoint/2010/main" val="3796372640"/>
       </p:ext>
     </p:extLst>
   </p:cSld>
@@ -9149,6 +10415,994 @@
         </p:txBody>
       </p:sp>
     </p:spTree>
+  </p:cSld>
+  <p:clrMapOvr>
+    <a:masterClrMapping/>
+  </p:clrMapOvr>
+</p:sld>
+</file>
+
+<file path=ppt/slides/slide20.xml><?xml version="1.0" encoding="utf-8"?>
+<p:sld xmlns:a="http://schemas.openxmlformats.org/drawingml/2006/main" xmlns:r="http://schemas.openxmlformats.org/officeDocument/2006/relationships" xmlns:p="http://schemas.openxmlformats.org/presentationml/2006/main">
+  <p:cSld>
+    <p:spTree>
+      <p:nvGrpSpPr>
+        <p:cNvPr id="1" name="Shape 66"/>
+        <p:cNvGrpSpPr/>
+        <p:nvPr/>
+      </p:nvGrpSpPr>
+      <p:grpSpPr>
+        <a:xfrm>
+          <a:off x="0" y="0"/>
+          <a:ext cx="0" cy="0"/>
+          <a:chOff x="0" y="0"/>
+          <a:chExt cx="0" cy="0"/>
+        </a:xfrm>
+      </p:grpSpPr>
+      <p:sp>
+        <p:nvSpPr>
+          <p:cNvPr id="67" name="Google Shape;67;p14"/>
+          <p:cNvSpPr txBox="1">
+            <a:spLocks noGrp="1"/>
+          </p:cNvSpPr>
+          <p:nvPr>
+            <p:ph type="body" idx="1"/>
+          </p:nvPr>
+        </p:nvSpPr>
+        <p:spPr>
+          <a:xfrm>
+            <a:off x="311700" y="1152475"/>
+            <a:ext cx="8520600" cy="3416400"/>
+          </a:xfrm>
+          <a:prstGeom prst="rect">
+            <a:avLst/>
+          </a:prstGeom>
+        </p:spPr>
+        <p:txBody>
+          <a:bodyPr spcFirstLastPara="1" wrap="square" lIns="91425" tIns="91425" rIns="91425" bIns="91425" anchor="t" anchorCtr="0">
+            <a:normAutofit/>
+          </a:bodyPr>
+          <a:lstStyle/>
+          <a:p>
+            <a:pPr algn="just"/>
+            <a:r>
+              <a:rPr lang="vi-VN"/>
+              <a:t>Những điều bạn cần biết về Basic Auth</a:t>
+            </a:r>
+          </a:p>
+          <a:p>
+            <a:pPr lvl="1" algn="just"/>
+            <a:r>
+              <a:rPr lang="vi-VN" sz="1600"/>
+              <a:t>HTTP Basic là hình thức xác thực đơn giản nhất. Cùng với SSL, nó được coi là mức tối thiểu để bảo vệ các tài nguyên không nhạy cảm.</a:t>
+            </a:r>
+          </a:p>
+          <a:p>
+            <a:pPr lvl="1" algn="just"/>
+            <a:r>
+              <a:rPr lang="vi-VN" sz="1600"/>
+              <a:t>Nếu không, hãy chọn một giải pháp an toàn hơn.</a:t>
+            </a:r>
+          </a:p>
+        </p:txBody>
+      </p:sp>
+      <p:sp>
+        <p:nvSpPr>
+          <p:cNvPr id="68" name="Google Shape;68;p14"/>
+          <p:cNvSpPr txBox="1">
+            <a:spLocks noGrp="1"/>
+          </p:cNvSpPr>
+          <p:nvPr>
+            <p:ph type="title"/>
+          </p:nvPr>
+        </p:nvSpPr>
+        <p:spPr>
+          <a:xfrm>
+            <a:off x="311700" y="445025"/>
+            <a:ext cx="8520600" cy="572700"/>
+          </a:xfrm>
+          <a:prstGeom prst="rect">
+            <a:avLst/>
+          </a:prstGeom>
+        </p:spPr>
+        <p:txBody>
+          <a:bodyPr spcFirstLastPara="1" wrap="square" lIns="91425" tIns="91425" rIns="91425" bIns="91425" anchor="t" anchorCtr="0">
+            <a:normAutofit fontScale="90000"/>
+          </a:bodyPr>
+          <a:lstStyle/>
+          <a:p>
+            <a:pPr marL="0" lvl="0" indent="0" algn="l" rtl="0">
+              <a:spcBef>
+                <a:spcPts val="0"/>
+              </a:spcBef>
+              <a:spcAft>
+                <a:spcPts val="0"/>
+              </a:spcAft>
+              <a:buNone/>
+            </a:pPr>
+            <a:r>
+              <a:rPr lang="vi-VN"/>
+              <a:t>HTTP Basic Authentication</a:t>
+            </a:r>
+            <a:endParaRPr/>
+          </a:p>
+        </p:txBody>
+      </p:sp>
+    </p:spTree>
+    <p:extLst>
+      <p:ext uri="{BB962C8B-B14F-4D97-AF65-F5344CB8AC3E}">
+        <p14:creationId xmlns:p14="http://schemas.microsoft.com/office/powerpoint/2010/main" val="532140206"/>
+      </p:ext>
+    </p:extLst>
+  </p:cSld>
+  <p:clrMapOvr>
+    <a:masterClrMapping/>
+  </p:clrMapOvr>
+</p:sld>
+</file>
+
+<file path=ppt/slides/slide21.xml><?xml version="1.0" encoding="utf-8"?>
+<p:sld xmlns:a="http://schemas.openxmlformats.org/drawingml/2006/main" xmlns:r="http://schemas.openxmlformats.org/officeDocument/2006/relationships" xmlns:p="http://schemas.openxmlformats.org/presentationml/2006/main">
+  <p:cSld>
+    <p:spTree>
+      <p:nvGrpSpPr>
+        <p:cNvPr id="1" name="Shape 66"/>
+        <p:cNvGrpSpPr/>
+        <p:nvPr/>
+      </p:nvGrpSpPr>
+      <p:grpSpPr>
+        <a:xfrm>
+          <a:off x="0" y="0"/>
+          <a:ext cx="0" cy="0"/>
+          <a:chOff x="0" y="0"/>
+          <a:chExt cx="0" cy="0"/>
+        </a:xfrm>
+      </p:grpSpPr>
+      <p:sp>
+        <p:nvSpPr>
+          <p:cNvPr id="67" name="Google Shape;67;p14"/>
+          <p:cNvSpPr txBox="1">
+            <a:spLocks noGrp="1"/>
+          </p:cNvSpPr>
+          <p:nvPr>
+            <p:ph type="body" idx="1"/>
+          </p:nvPr>
+        </p:nvSpPr>
+        <p:spPr>
+          <a:xfrm>
+            <a:off x="311700" y="1152475"/>
+            <a:ext cx="8520600" cy="3416400"/>
+          </a:xfrm>
+          <a:prstGeom prst="rect">
+            <a:avLst/>
+          </a:prstGeom>
+        </p:spPr>
+        <p:txBody>
+          <a:bodyPr spcFirstLastPara="1" wrap="square" lIns="91425" tIns="91425" rIns="91425" bIns="91425" anchor="t" anchorCtr="0">
+            <a:normAutofit/>
+          </a:bodyPr>
+          <a:lstStyle/>
+          <a:p>
+            <a:pPr algn="just"/>
+            <a:r>
+              <a:rPr lang="vi-VN"/>
+              <a:t>HTTPS là sự kết hợp của HTTP cộng với lớp bảo mật SSL ở trên cùng. HTTPS chỉ là HTTP cung cấp dữ liệu an toàn giữa các điểm cuối.</a:t>
+            </a:r>
+            <a:endParaRPr lang="vi-VN" sz="1600"/>
+          </a:p>
+        </p:txBody>
+      </p:sp>
+      <p:sp>
+        <p:nvSpPr>
+          <p:cNvPr id="68" name="Google Shape;68;p14"/>
+          <p:cNvSpPr txBox="1">
+            <a:spLocks noGrp="1"/>
+          </p:cNvSpPr>
+          <p:nvPr>
+            <p:ph type="title"/>
+          </p:nvPr>
+        </p:nvSpPr>
+        <p:spPr>
+          <a:xfrm>
+            <a:off x="311700" y="445025"/>
+            <a:ext cx="8520600" cy="572700"/>
+          </a:xfrm>
+          <a:prstGeom prst="rect">
+            <a:avLst/>
+          </a:prstGeom>
+        </p:spPr>
+        <p:txBody>
+          <a:bodyPr spcFirstLastPara="1" wrap="square" lIns="91425" tIns="91425" rIns="91425" bIns="91425" anchor="t" anchorCtr="0">
+            <a:normAutofit fontScale="90000"/>
+          </a:bodyPr>
+          <a:lstStyle/>
+          <a:p>
+            <a:pPr marL="0" lvl="0" indent="0" algn="l" rtl="0">
+              <a:spcBef>
+                <a:spcPts val="0"/>
+              </a:spcBef>
+              <a:spcAft>
+                <a:spcPts val="0"/>
+              </a:spcAft>
+              <a:buNone/>
+            </a:pPr>
+            <a:r>
+              <a:rPr lang="vi-VN"/>
+              <a:t>SSL và HTTPS</a:t>
+            </a:r>
+            <a:endParaRPr/>
+          </a:p>
+        </p:txBody>
+      </p:sp>
+      <p:pic>
+        <p:nvPicPr>
+          <p:cNvPr id="3" name="Picture 2">
+            <a:extLst>
+              <a:ext uri="{FF2B5EF4-FFF2-40B4-BE49-F238E27FC236}">
+                <a16:creationId xmlns:a16="http://schemas.microsoft.com/office/drawing/2014/main" id="{8F6FCA03-9450-0B26-17B1-F58072D0DE29}"/>
+              </a:ext>
+            </a:extLst>
+          </p:cNvPr>
+          <p:cNvPicPr>
+            <a:picLocks noChangeAspect="1"/>
+          </p:cNvPicPr>
+          <p:nvPr/>
+        </p:nvPicPr>
+        <p:blipFill rotWithShape="1">
+          <a:blip r:embed="rId3"/>
+          <a:srcRect b="50465"/>
+          <a:stretch/>
+        </p:blipFill>
+        <p:spPr>
+          <a:xfrm>
+            <a:off x="782053" y="1974043"/>
+            <a:ext cx="3657699" cy="1926012"/>
+          </a:xfrm>
+          <a:prstGeom prst="rect">
+            <a:avLst/>
+          </a:prstGeom>
+        </p:spPr>
+      </p:pic>
+      <p:pic>
+        <p:nvPicPr>
+          <p:cNvPr id="4" name="Picture 3">
+            <a:extLst>
+              <a:ext uri="{FF2B5EF4-FFF2-40B4-BE49-F238E27FC236}">
+                <a16:creationId xmlns:a16="http://schemas.microsoft.com/office/drawing/2014/main" id="{C49F4359-46DA-0248-884F-07BEF0ECD30C}"/>
+              </a:ext>
+            </a:extLst>
+          </p:cNvPr>
+          <p:cNvPicPr>
+            <a:picLocks noChangeAspect="1"/>
+          </p:cNvPicPr>
+          <p:nvPr/>
+        </p:nvPicPr>
+        <p:blipFill rotWithShape="1">
+          <a:blip r:embed="rId3"/>
+          <a:srcRect t="50465"/>
+          <a:stretch/>
+        </p:blipFill>
+        <p:spPr>
+          <a:xfrm>
+            <a:off x="4704250" y="1974044"/>
+            <a:ext cx="3657697" cy="1926011"/>
+          </a:xfrm>
+          <a:prstGeom prst="rect">
+            <a:avLst/>
+          </a:prstGeom>
+        </p:spPr>
+      </p:pic>
+    </p:spTree>
+    <p:extLst>
+      <p:ext uri="{BB962C8B-B14F-4D97-AF65-F5344CB8AC3E}">
+        <p14:creationId xmlns:p14="http://schemas.microsoft.com/office/powerpoint/2010/main" val="192970265"/>
+      </p:ext>
+    </p:extLst>
+  </p:cSld>
+  <p:clrMapOvr>
+    <a:masterClrMapping/>
+  </p:clrMapOvr>
+</p:sld>
+</file>
+
+<file path=ppt/slides/slide22.xml><?xml version="1.0" encoding="utf-8"?>
+<p:sld xmlns:a="http://schemas.openxmlformats.org/drawingml/2006/main" xmlns:r="http://schemas.openxmlformats.org/officeDocument/2006/relationships" xmlns:p="http://schemas.openxmlformats.org/presentationml/2006/main">
+  <p:cSld>
+    <p:spTree>
+      <p:nvGrpSpPr>
+        <p:cNvPr id="1" name="Shape 66"/>
+        <p:cNvGrpSpPr/>
+        <p:nvPr/>
+      </p:nvGrpSpPr>
+      <p:grpSpPr>
+        <a:xfrm>
+          <a:off x="0" y="0"/>
+          <a:ext cx="0" cy="0"/>
+          <a:chOff x="0" y="0"/>
+          <a:chExt cx="0" cy="0"/>
+        </a:xfrm>
+      </p:grpSpPr>
+      <p:sp>
+        <p:nvSpPr>
+          <p:cNvPr id="67" name="Google Shape;67;p14"/>
+          <p:cNvSpPr txBox="1">
+            <a:spLocks noGrp="1"/>
+          </p:cNvSpPr>
+          <p:nvPr>
+            <p:ph type="body" idx="1"/>
+          </p:nvPr>
+        </p:nvSpPr>
+        <p:spPr>
+          <a:xfrm>
+            <a:off x="311700" y="1152475"/>
+            <a:ext cx="8520600" cy="3416400"/>
+          </a:xfrm>
+          <a:prstGeom prst="rect">
+            <a:avLst/>
+          </a:prstGeom>
+        </p:spPr>
+        <p:txBody>
+          <a:bodyPr spcFirstLastPara="1" wrap="square" lIns="91425" tIns="91425" rIns="91425" bIns="91425" anchor="t" anchorCtr="0">
+            <a:normAutofit lnSpcReduction="10000"/>
+          </a:bodyPr>
+          <a:lstStyle/>
+          <a:p>
+            <a:pPr algn="just"/>
+            <a:r>
+              <a:rPr lang="vi-VN"/>
+              <a:t>SSL Certificate</a:t>
+            </a:r>
+          </a:p>
+          <a:p>
+            <a:pPr lvl="1" algn="just"/>
+            <a:r>
+              <a:rPr lang="vi-VN" sz="1600"/>
+              <a:t>Chứng chỉ SSL, hoặc Secure Sockets Layer certificate, là chứng chỉ kỹ thuật số cung cấp kết nối được mã hóa, an toàn giữa máy chủ web và trình duyệt web.</a:t>
+            </a:r>
+          </a:p>
+          <a:p>
+            <a:pPr lvl="1" algn="just"/>
+            <a:r>
+              <a:rPr lang="vi-VN" sz="1600"/>
+              <a:t>Khi một trang web sử dụng chứng chỉ SSL, </a:t>
+            </a:r>
+            <a:r>
+              <a:rPr lang="vi-VN" sz="1600" b="1" i="1"/>
+              <a:t>dữ liệu được truyền giữa máy chủ và trình duyệt sẽ được mã hóa</a:t>
+            </a:r>
+            <a:r>
+              <a:rPr lang="vi-VN" sz="1600" i="1"/>
+              <a:t> </a:t>
+            </a:r>
+            <a:r>
+              <a:rPr lang="vi-VN" sz="1600"/>
+              <a:t>và bảo mật khỏi bị chặn hoặc giả mạo. Điều này đặc biệt quan trọng đối với các trang web xử lý thông tin nhạy cảm, chẳng hạn như thông tin cá nhân, chi tiết thẻ tín dụng hoặc thông tin đăng nhập.</a:t>
+            </a:r>
+          </a:p>
+          <a:p>
+            <a:pPr lvl="1" algn="just"/>
+            <a:r>
+              <a:rPr lang="vi-VN" sz="1600" b="1" i="1"/>
+              <a:t>Chứng chỉ SSL được cấp bởi cơ quan cấp chứng chỉ đáng tin cậy (CA)</a:t>
+            </a:r>
+            <a:r>
+              <a:rPr lang="vi-VN" sz="1600"/>
+              <a:t>, xác minh danh tính của chủ sở hữu trang web và xác nhận rằng trang web an toàn và đáng tin cậy. Khi người dùng truy cập trang web sử dụng chứng chỉ SSL, trình duyệt sẽ hiển thị biểu tượng ổ khóa và URL sẽ bắt đầu bằng "https" thay vì "http" để cho biết rằng kết nối được bảo mật.</a:t>
+            </a:r>
+          </a:p>
+        </p:txBody>
+      </p:sp>
+      <p:sp>
+        <p:nvSpPr>
+          <p:cNvPr id="68" name="Google Shape;68;p14"/>
+          <p:cNvSpPr txBox="1">
+            <a:spLocks noGrp="1"/>
+          </p:cNvSpPr>
+          <p:nvPr>
+            <p:ph type="title"/>
+          </p:nvPr>
+        </p:nvSpPr>
+        <p:spPr>
+          <a:xfrm>
+            <a:off x="311700" y="445025"/>
+            <a:ext cx="8520600" cy="572700"/>
+          </a:xfrm>
+          <a:prstGeom prst="rect">
+            <a:avLst/>
+          </a:prstGeom>
+        </p:spPr>
+        <p:txBody>
+          <a:bodyPr spcFirstLastPara="1" wrap="square" lIns="91425" tIns="91425" rIns="91425" bIns="91425" anchor="t" anchorCtr="0">
+            <a:normAutofit fontScale="90000"/>
+          </a:bodyPr>
+          <a:lstStyle/>
+          <a:p>
+            <a:pPr marL="0" lvl="0" indent="0" algn="l" rtl="0">
+              <a:spcBef>
+                <a:spcPts val="0"/>
+              </a:spcBef>
+              <a:spcAft>
+                <a:spcPts val="0"/>
+              </a:spcAft>
+              <a:buNone/>
+            </a:pPr>
+            <a:r>
+              <a:rPr lang="vi-VN"/>
+              <a:t>SSL và HTTPS</a:t>
+            </a:r>
+            <a:endParaRPr/>
+          </a:p>
+        </p:txBody>
+      </p:sp>
+      <p:pic>
+        <p:nvPicPr>
+          <p:cNvPr id="2" name="Picture 1">
+            <a:extLst>
+              <a:ext uri="{FF2B5EF4-FFF2-40B4-BE49-F238E27FC236}">
+                <a16:creationId xmlns:a16="http://schemas.microsoft.com/office/drawing/2014/main" id="{16B835DC-C56C-164F-D21B-82C0D4F2F71D}"/>
+              </a:ext>
+            </a:extLst>
+          </p:cNvPr>
+          <p:cNvPicPr>
+            <a:picLocks noChangeAspect="1"/>
+          </p:cNvPicPr>
+          <p:nvPr/>
+        </p:nvPicPr>
+        <p:blipFill>
+          <a:blip r:embed="rId3"/>
+          <a:stretch>
+            <a:fillRect/>
+          </a:stretch>
+        </p:blipFill>
+        <p:spPr>
+          <a:xfrm>
+            <a:off x="4294910" y="52510"/>
+            <a:ext cx="1565563" cy="1044230"/>
+          </a:xfrm>
+          <a:prstGeom prst="rect">
+            <a:avLst/>
+          </a:prstGeom>
+        </p:spPr>
+      </p:pic>
+    </p:spTree>
+    <p:extLst>
+      <p:ext uri="{BB962C8B-B14F-4D97-AF65-F5344CB8AC3E}">
+        <p14:creationId xmlns:p14="http://schemas.microsoft.com/office/powerpoint/2010/main" val="2313597604"/>
+      </p:ext>
+    </p:extLst>
+  </p:cSld>
+  <p:clrMapOvr>
+    <a:masterClrMapping/>
+  </p:clrMapOvr>
+</p:sld>
+</file>
+
+<file path=ppt/slides/slide23.xml><?xml version="1.0" encoding="utf-8"?>
+<p:sld xmlns:a="http://schemas.openxmlformats.org/drawingml/2006/main" xmlns:r="http://schemas.openxmlformats.org/officeDocument/2006/relationships" xmlns:p="http://schemas.openxmlformats.org/presentationml/2006/main">
+  <p:cSld>
+    <p:spTree>
+      <p:nvGrpSpPr>
+        <p:cNvPr id="1" name="Shape 66"/>
+        <p:cNvGrpSpPr/>
+        <p:nvPr/>
+      </p:nvGrpSpPr>
+      <p:grpSpPr>
+        <a:xfrm>
+          <a:off x="0" y="0"/>
+          <a:ext cx="0" cy="0"/>
+          <a:chOff x="0" y="0"/>
+          <a:chExt cx="0" cy="0"/>
+        </a:xfrm>
+      </p:grpSpPr>
+      <p:sp>
+        <p:nvSpPr>
+          <p:cNvPr id="67" name="Google Shape;67;p14"/>
+          <p:cNvSpPr txBox="1">
+            <a:spLocks noGrp="1"/>
+          </p:cNvSpPr>
+          <p:nvPr>
+            <p:ph type="body" idx="1"/>
+          </p:nvPr>
+        </p:nvSpPr>
+        <p:spPr>
+          <a:xfrm>
+            <a:off x="311700" y="1152475"/>
+            <a:ext cx="8520600" cy="3416400"/>
+          </a:xfrm>
+          <a:prstGeom prst="rect">
+            <a:avLst/>
+          </a:prstGeom>
+        </p:spPr>
+        <p:txBody>
+          <a:bodyPr spcFirstLastPara="1" wrap="square" lIns="91425" tIns="91425" rIns="91425" bIns="91425" anchor="t" anchorCtr="0">
+            <a:normAutofit/>
+          </a:bodyPr>
+          <a:lstStyle/>
+          <a:p>
+            <a:pPr algn="just"/>
+            <a:r>
+              <a:rPr lang="en-US"/>
+              <a:t>self-signed SSL </a:t>
+            </a:r>
+            <a:r>
+              <a:rPr lang="vi-VN"/>
+              <a:t>và </a:t>
+            </a:r>
+            <a:r>
+              <a:rPr lang="en-US"/>
+              <a:t>trusted </a:t>
+            </a:r>
+            <a:r>
+              <a:rPr lang="vi-VN"/>
+              <a:t>SSL: chứng chỉ SSL tự ký và chứng chỉ SSL đáng tin cậy.</a:t>
+            </a:r>
+          </a:p>
+          <a:p>
+            <a:pPr lvl="1" algn="just"/>
+            <a:r>
+              <a:rPr lang="vi-VN"/>
+              <a:t>Chứng chỉ SSL tự ký được chủ sở hữu trang web tự tạo mà không cần bất kỳ xác thực nào của bên thứ ba. Điều này có nghĩa là trình duyệt không thể xác minh tính xác thực của chứng chỉ và sẽ hiển thị cảnh báo cho người dùng, cho biết rằng kết nối có thể không an toàn. Chứng chỉ tự ký thường được sử dụng trong môi trường thử nghiệm hoặc cho các ứng dụng nội bộ mà công chúng không thể truy cập được.</a:t>
+            </a:r>
+          </a:p>
+          <a:p>
+            <a:pPr lvl="1" algn="just"/>
+            <a:r>
+              <a:rPr lang="vi-VN"/>
+              <a:t>Chứng chỉ SSL đáng tin cậy được cấp bởi cơ quan cấp chứng chỉ đáng tin cậy (CA) đã xác minh danh tính của chủ sở hữu trang web và xác nhận rằng trang web đó an toàn và đáng tin cậy. Khi người dùng truy cập trang web sử dụng chứng chỉ SSL đáng tin cậy, trình duyệt sẽ hiển thị biểu tượng ổ khóa màu xanh lá cây và URL sẽ bắt đầu bằng "https" để cho biết rằng kết nối được bảo mật.</a:t>
+            </a:r>
+          </a:p>
+        </p:txBody>
+      </p:sp>
+      <p:sp>
+        <p:nvSpPr>
+          <p:cNvPr id="68" name="Google Shape;68;p14"/>
+          <p:cNvSpPr txBox="1">
+            <a:spLocks noGrp="1"/>
+          </p:cNvSpPr>
+          <p:nvPr>
+            <p:ph type="title"/>
+          </p:nvPr>
+        </p:nvSpPr>
+        <p:spPr>
+          <a:xfrm>
+            <a:off x="311700" y="445025"/>
+            <a:ext cx="8520600" cy="572700"/>
+          </a:xfrm>
+          <a:prstGeom prst="rect">
+            <a:avLst/>
+          </a:prstGeom>
+        </p:spPr>
+        <p:txBody>
+          <a:bodyPr spcFirstLastPara="1" wrap="square" lIns="91425" tIns="91425" rIns="91425" bIns="91425" anchor="t" anchorCtr="0">
+            <a:normAutofit fontScale="90000"/>
+          </a:bodyPr>
+          <a:lstStyle/>
+          <a:p>
+            <a:pPr marL="0" lvl="0" indent="0" algn="l" rtl="0">
+              <a:spcBef>
+                <a:spcPts val="0"/>
+              </a:spcBef>
+              <a:spcAft>
+                <a:spcPts val="0"/>
+              </a:spcAft>
+              <a:buNone/>
+            </a:pPr>
+            <a:r>
+              <a:rPr lang="vi-VN"/>
+              <a:t>SSL và HTTPS</a:t>
+            </a:r>
+            <a:endParaRPr/>
+          </a:p>
+        </p:txBody>
+      </p:sp>
+      <p:pic>
+        <p:nvPicPr>
+          <p:cNvPr id="2" name="Picture 1">
+            <a:extLst>
+              <a:ext uri="{FF2B5EF4-FFF2-40B4-BE49-F238E27FC236}">
+                <a16:creationId xmlns:a16="http://schemas.microsoft.com/office/drawing/2014/main" id="{16B835DC-C56C-164F-D21B-82C0D4F2F71D}"/>
+              </a:ext>
+            </a:extLst>
+          </p:cNvPr>
+          <p:cNvPicPr>
+            <a:picLocks noChangeAspect="1"/>
+          </p:cNvPicPr>
+          <p:nvPr/>
+        </p:nvPicPr>
+        <p:blipFill>
+          <a:blip r:embed="rId3"/>
+          <a:stretch>
+            <a:fillRect/>
+          </a:stretch>
+        </p:blipFill>
+        <p:spPr>
+          <a:xfrm>
+            <a:off x="4294910" y="52510"/>
+            <a:ext cx="1565563" cy="1044230"/>
+          </a:xfrm>
+          <a:prstGeom prst="rect">
+            <a:avLst/>
+          </a:prstGeom>
+        </p:spPr>
+      </p:pic>
+    </p:spTree>
+    <p:extLst>
+      <p:ext uri="{BB962C8B-B14F-4D97-AF65-F5344CB8AC3E}">
+        <p14:creationId xmlns:p14="http://schemas.microsoft.com/office/powerpoint/2010/main" val="3347532530"/>
+      </p:ext>
+    </p:extLst>
+  </p:cSld>
+  <p:clrMapOvr>
+    <a:masterClrMapping/>
+  </p:clrMapOvr>
+</p:sld>
+</file>
+
+<file path=ppt/slides/slide24.xml><?xml version="1.0" encoding="utf-8"?>
+<p:sld xmlns:a="http://schemas.openxmlformats.org/drawingml/2006/main" xmlns:r="http://schemas.openxmlformats.org/officeDocument/2006/relationships" xmlns:p="http://schemas.openxmlformats.org/presentationml/2006/main">
+  <p:cSld>
+    <p:spTree>
+      <p:nvGrpSpPr>
+        <p:cNvPr id="1" name="Shape 66"/>
+        <p:cNvGrpSpPr/>
+        <p:nvPr/>
+      </p:nvGrpSpPr>
+      <p:grpSpPr>
+        <a:xfrm>
+          <a:off x="0" y="0"/>
+          <a:ext cx="0" cy="0"/>
+          <a:chOff x="0" y="0"/>
+          <a:chExt cx="0" cy="0"/>
+        </a:xfrm>
+      </p:grpSpPr>
+      <p:sp>
+        <p:nvSpPr>
+          <p:cNvPr id="67" name="Google Shape;67;p14"/>
+          <p:cNvSpPr txBox="1">
+            <a:spLocks noGrp="1"/>
+          </p:cNvSpPr>
+          <p:nvPr>
+            <p:ph type="body" idx="1"/>
+          </p:nvPr>
+        </p:nvSpPr>
+        <p:spPr>
+          <a:xfrm>
+            <a:off x="311700" y="1152475"/>
+            <a:ext cx="8520600" cy="3416400"/>
+          </a:xfrm>
+          <a:prstGeom prst="rect">
+            <a:avLst/>
+          </a:prstGeom>
+        </p:spPr>
+        <p:txBody>
+          <a:bodyPr spcFirstLastPara="1" wrap="square" lIns="91425" tIns="91425" rIns="91425" bIns="91425" anchor="t" anchorCtr="0">
+            <a:normAutofit/>
+          </a:bodyPr>
+          <a:lstStyle/>
+          <a:p>
+            <a:pPr algn="just"/>
+            <a:r>
+              <a:rPr lang="vi-VN"/>
+              <a:t>SSL Certificate flow</a:t>
+            </a:r>
+          </a:p>
+        </p:txBody>
+      </p:sp>
+      <p:sp>
+        <p:nvSpPr>
+          <p:cNvPr id="68" name="Google Shape;68;p14"/>
+          <p:cNvSpPr txBox="1">
+            <a:spLocks noGrp="1"/>
+          </p:cNvSpPr>
+          <p:nvPr>
+            <p:ph type="title"/>
+          </p:nvPr>
+        </p:nvSpPr>
+        <p:spPr>
+          <a:xfrm>
+            <a:off x="311700" y="445025"/>
+            <a:ext cx="8520600" cy="572700"/>
+          </a:xfrm>
+          <a:prstGeom prst="rect">
+            <a:avLst/>
+          </a:prstGeom>
+        </p:spPr>
+        <p:txBody>
+          <a:bodyPr spcFirstLastPara="1" wrap="square" lIns="91425" tIns="91425" rIns="91425" bIns="91425" anchor="t" anchorCtr="0">
+            <a:normAutofit fontScale="90000"/>
+          </a:bodyPr>
+          <a:lstStyle/>
+          <a:p>
+            <a:pPr marL="0" lvl="0" indent="0" algn="l" rtl="0">
+              <a:spcBef>
+                <a:spcPts val="0"/>
+              </a:spcBef>
+              <a:spcAft>
+                <a:spcPts val="0"/>
+              </a:spcAft>
+              <a:buNone/>
+            </a:pPr>
+            <a:r>
+              <a:rPr lang="vi-VN"/>
+              <a:t>SSL và HTTPS</a:t>
+            </a:r>
+            <a:endParaRPr/>
+          </a:p>
+        </p:txBody>
+      </p:sp>
+      <p:pic>
+        <p:nvPicPr>
+          <p:cNvPr id="2" name="Picture 1">
+            <a:extLst>
+              <a:ext uri="{FF2B5EF4-FFF2-40B4-BE49-F238E27FC236}">
+                <a16:creationId xmlns:a16="http://schemas.microsoft.com/office/drawing/2014/main" id="{16B835DC-C56C-164F-D21B-82C0D4F2F71D}"/>
+              </a:ext>
+            </a:extLst>
+          </p:cNvPr>
+          <p:cNvPicPr>
+            <a:picLocks noChangeAspect="1"/>
+          </p:cNvPicPr>
+          <p:nvPr/>
+        </p:nvPicPr>
+        <p:blipFill>
+          <a:blip r:embed="rId3"/>
+          <a:stretch>
+            <a:fillRect/>
+          </a:stretch>
+        </p:blipFill>
+        <p:spPr>
+          <a:xfrm>
+            <a:off x="4294910" y="52510"/>
+            <a:ext cx="1565563" cy="1044230"/>
+          </a:xfrm>
+          <a:prstGeom prst="rect">
+            <a:avLst/>
+          </a:prstGeom>
+        </p:spPr>
+      </p:pic>
+      <p:pic>
+        <p:nvPicPr>
+          <p:cNvPr id="3" name="Picture 2">
+            <a:extLst>
+              <a:ext uri="{FF2B5EF4-FFF2-40B4-BE49-F238E27FC236}">
+                <a16:creationId xmlns:a16="http://schemas.microsoft.com/office/drawing/2014/main" id="{1A03D21C-DA97-23E6-DE27-90051E9D4817}"/>
+              </a:ext>
+            </a:extLst>
+          </p:cNvPr>
+          <p:cNvPicPr>
+            <a:picLocks noChangeAspect="1"/>
+          </p:cNvPicPr>
+          <p:nvPr/>
+        </p:nvPicPr>
+        <p:blipFill rotWithShape="1">
+          <a:blip r:embed="rId4"/>
+          <a:srcRect t="15363"/>
+          <a:stretch/>
+        </p:blipFill>
+        <p:spPr>
+          <a:xfrm>
+            <a:off x="1075549" y="1684532"/>
+            <a:ext cx="6992903" cy="3406458"/>
+          </a:xfrm>
+          <a:prstGeom prst="rect">
+            <a:avLst/>
+          </a:prstGeom>
+        </p:spPr>
+      </p:pic>
+    </p:spTree>
+    <p:extLst>
+      <p:ext uri="{BB962C8B-B14F-4D97-AF65-F5344CB8AC3E}">
+        <p14:creationId xmlns:p14="http://schemas.microsoft.com/office/powerpoint/2010/main" val="1525654917"/>
+      </p:ext>
+    </p:extLst>
+  </p:cSld>
+  <p:clrMapOvr>
+    <a:masterClrMapping/>
+  </p:clrMapOvr>
+</p:sld>
+</file>
+
+<file path=ppt/slides/slide25.xml><?xml version="1.0" encoding="utf-8"?>
+<p:sld xmlns:a="http://schemas.openxmlformats.org/drawingml/2006/main" xmlns:r="http://schemas.openxmlformats.org/officeDocument/2006/relationships" xmlns:p="http://schemas.openxmlformats.org/presentationml/2006/main">
+  <p:cSld>
+    <p:spTree>
+      <p:nvGrpSpPr>
+        <p:cNvPr id="1" name="Shape 72"/>
+        <p:cNvGrpSpPr/>
+        <p:nvPr/>
+      </p:nvGrpSpPr>
+      <p:grpSpPr>
+        <a:xfrm>
+          <a:off x="0" y="0"/>
+          <a:ext cx="0" cy="0"/>
+          <a:chOff x="0" y="0"/>
+          <a:chExt cx="0" cy="0"/>
+        </a:xfrm>
+      </p:grpSpPr>
+      <p:sp>
+        <p:nvSpPr>
+          <p:cNvPr id="73" name="Google Shape;73;p15"/>
+          <p:cNvSpPr txBox="1">
+            <a:spLocks noGrp="1"/>
+          </p:cNvSpPr>
+          <p:nvPr>
+            <p:ph type="title"/>
+          </p:nvPr>
+        </p:nvSpPr>
+        <p:spPr>
+          <a:xfrm>
+            <a:off x="490250" y="517961"/>
+            <a:ext cx="5683800" cy="4090800"/>
+          </a:xfrm>
+          <a:prstGeom prst="rect">
+            <a:avLst/>
+          </a:prstGeom>
+        </p:spPr>
+        <p:txBody>
+          <a:bodyPr spcFirstLastPara="1" wrap="square" lIns="91425" tIns="91425" rIns="91425" bIns="91425" anchor="ctr" anchorCtr="0">
+            <a:normAutofit/>
+          </a:bodyPr>
+          <a:lstStyle/>
+          <a:p>
+            <a:pPr marL="0" lvl="0" indent="0" algn="l" rtl="0">
+              <a:lnSpc>
+                <a:spcPct val="115000"/>
+              </a:lnSpc>
+              <a:spcBef>
+                <a:spcPts val="0"/>
+              </a:spcBef>
+              <a:spcAft>
+                <a:spcPts val="0"/>
+              </a:spcAft>
+              <a:buNone/>
+            </a:pPr>
+            <a:r>
+              <a:rPr lang="vi-VN"/>
+              <a:t>Spring Security qua các ví dụ minh họa</a:t>
+            </a:r>
+            <a:endParaRPr/>
+          </a:p>
+        </p:txBody>
+      </p:sp>
+    </p:spTree>
+    <p:extLst>
+      <p:ext uri="{BB962C8B-B14F-4D97-AF65-F5344CB8AC3E}">
+        <p14:creationId xmlns:p14="http://schemas.microsoft.com/office/powerpoint/2010/main" val="1334159207"/>
+      </p:ext>
+    </p:extLst>
+  </p:cSld>
+  <p:clrMapOvr>
+    <a:masterClrMapping/>
+  </p:clrMapOvr>
+</p:sld>
+</file>
+
+<file path=ppt/slides/slide26.xml><?xml version="1.0" encoding="utf-8"?>
+<p:sld xmlns:a="http://schemas.openxmlformats.org/drawingml/2006/main" xmlns:r="http://schemas.openxmlformats.org/officeDocument/2006/relationships" xmlns:p="http://schemas.openxmlformats.org/presentationml/2006/main">
+  <p:cSld>
+    <p:spTree>
+      <p:nvGrpSpPr>
+        <p:cNvPr id="1" name="Shape 66"/>
+        <p:cNvGrpSpPr/>
+        <p:nvPr/>
+      </p:nvGrpSpPr>
+      <p:grpSpPr>
+        <a:xfrm>
+          <a:off x="0" y="0"/>
+          <a:ext cx="0" cy="0"/>
+          <a:chOff x="0" y="0"/>
+          <a:chExt cx="0" cy="0"/>
+        </a:xfrm>
+      </p:grpSpPr>
+      <p:sp>
+        <p:nvSpPr>
+          <p:cNvPr id="68" name="Google Shape;68;p14"/>
+          <p:cNvSpPr txBox="1">
+            <a:spLocks noGrp="1"/>
+          </p:cNvSpPr>
+          <p:nvPr>
+            <p:ph type="title"/>
+          </p:nvPr>
+        </p:nvSpPr>
+        <p:spPr>
+          <a:xfrm>
+            <a:off x="311700" y="445025"/>
+            <a:ext cx="8520600" cy="572700"/>
+          </a:xfrm>
+          <a:prstGeom prst="rect">
+            <a:avLst/>
+          </a:prstGeom>
+        </p:spPr>
+        <p:txBody>
+          <a:bodyPr spcFirstLastPara="1" wrap="square" lIns="91425" tIns="91425" rIns="91425" bIns="91425" anchor="t" anchorCtr="0">
+            <a:normAutofit fontScale="90000"/>
+          </a:bodyPr>
+          <a:lstStyle/>
+          <a:p>
+            <a:pPr marL="0" lvl="0" indent="0" algn="l" rtl="0">
+              <a:spcBef>
+                <a:spcPts val="0"/>
+              </a:spcBef>
+              <a:spcAft>
+                <a:spcPts val="0"/>
+              </a:spcAft>
+              <a:buNone/>
+            </a:pPr>
+            <a:r>
+              <a:rPr lang="vi-VN"/>
+              <a:t>Ứng dụng Spring Boot không bảo mật</a:t>
+            </a:r>
+            <a:endParaRPr/>
+          </a:p>
+        </p:txBody>
+      </p:sp>
+      <p:sp>
+        <p:nvSpPr>
+          <p:cNvPr id="5" name="Text Placeholder 4">
+            <a:extLst>
+              <a:ext uri="{FF2B5EF4-FFF2-40B4-BE49-F238E27FC236}">
+                <a16:creationId xmlns:a16="http://schemas.microsoft.com/office/drawing/2014/main" id="{6E20AC34-DB1E-8165-ECF1-51AD98596133}"/>
+              </a:ext>
+            </a:extLst>
+          </p:cNvPr>
+          <p:cNvSpPr>
+            <a:spLocks noGrp="1"/>
+          </p:cNvSpPr>
+          <p:nvPr>
+            <p:ph type="body" idx="1"/>
+          </p:nvPr>
+        </p:nvSpPr>
+        <p:spPr/>
+        <p:txBody>
+          <a:bodyPr/>
+          <a:lstStyle/>
+          <a:p>
+            <a:r>
+              <a:rPr lang="vi-VN"/>
+              <a:t>Xem chi tiết mã nguồn minh họa tại đây:</a:t>
+            </a:r>
+          </a:p>
+          <a:p>
+            <a:endParaRPr lang="en-US"/>
+          </a:p>
+        </p:txBody>
+      </p:sp>
+      <p:pic>
+        <p:nvPicPr>
+          <p:cNvPr id="7" name="Picture 6">
+            <a:extLst>
+              <a:ext uri="{FF2B5EF4-FFF2-40B4-BE49-F238E27FC236}">
+                <a16:creationId xmlns:a16="http://schemas.microsoft.com/office/drawing/2014/main" id="{81303B61-0D4D-041F-9B92-1EE59CFE6A9C}"/>
+              </a:ext>
+            </a:extLst>
+          </p:cNvPr>
+          <p:cNvPicPr>
+            <a:picLocks noChangeAspect="1"/>
+          </p:cNvPicPr>
+          <p:nvPr/>
+        </p:nvPicPr>
+        <p:blipFill>
+          <a:blip r:embed="rId3"/>
+          <a:stretch>
+            <a:fillRect/>
+          </a:stretch>
+        </p:blipFill>
+        <p:spPr>
+          <a:xfrm>
+            <a:off x="616527" y="1724739"/>
+            <a:ext cx="8104909" cy="2901462"/>
+          </a:xfrm>
+          <a:prstGeom prst="rect">
+            <a:avLst/>
+          </a:prstGeom>
+        </p:spPr>
+      </p:pic>
+    </p:spTree>
+    <p:extLst>
+      <p:ext uri="{BB962C8B-B14F-4D97-AF65-F5344CB8AC3E}">
+        <p14:creationId xmlns:p14="http://schemas.microsoft.com/office/powerpoint/2010/main" val="1845470896"/>
+      </p:ext>
+    </p:extLst>
   </p:cSld>
   <p:clrMapOvr>
     <a:masterClrMapping/>
@@ -10255,7 +12509,7 @@
               <a:solidFill>
                 <a:schemeClr val="dk2"/>
               </a:solidFill>
-              <a:latin typeface="Proxi ma Nova"/>
+              <a:latin typeface="Proxima Nova" panose="020B0604020202020204" charset="0"/>
               <a:sym typeface="Proxima Nova"/>
             </a:endParaRPr>
           </a:p>
@@ -10396,7 +12650,7 @@
               <a:solidFill>
                 <a:schemeClr val="dk2"/>
               </a:solidFill>
-              <a:latin typeface="Proxi ma Nova"/>
+              <a:latin typeface="Proxima Nova" panose="020B0604020202020204" charset="0"/>
               <a:sym typeface="Proxima Nova"/>
             </a:endParaRPr>
           </a:p>

--- a/presentations/Bài 25_Bao mat trong Java Spring Boot.pptx
+++ b/presentations/Bài 25_Bao mat trong Java Spring Boot.pptx
@@ -5,7 +5,7 @@
     <p:sldMasterId id="2147483659" r:id="rId1"/>
   </p:sldMasterIdLst>
   <p:notesMasterIdLst>
-    <p:notesMasterId r:id="rId28"/>
+    <p:notesMasterId r:id="rId32"/>
   </p:notesMasterIdLst>
   <p:sldIdLst>
     <p:sldId id="256" r:id="rId2"/>
@@ -34,20 +34,24 @@
     <p:sldId id="317" r:id="rId25"/>
     <p:sldId id="318" r:id="rId26"/>
     <p:sldId id="319" r:id="rId27"/>
+    <p:sldId id="321" r:id="rId28"/>
+    <p:sldId id="320" r:id="rId29"/>
+    <p:sldId id="322" r:id="rId30"/>
+    <p:sldId id="323" r:id="rId31"/>
   </p:sldIdLst>
   <p:sldSz cx="9144000" cy="5143500" type="screen16x9"/>
   <p:notesSz cx="6858000" cy="9144000"/>
   <p:embeddedFontLst>
     <p:embeddedFont>
       <p:font typeface="Alfa Slab One" panose="020B0604020202020204" charset="0"/>
-      <p:regular r:id="rId29"/>
+      <p:regular r:id="rId33"/>
     </p:embeddedFont>
     <p:embeddedFont>
       <p:font typeface="Proxima Nova" panose="020B0604020202020204" charset="0"/>
-      <p:regular r:id="rId30"/>
-      <p:bold r:id="rId31"/>
-      <p:italic r:id="rId32"/>
-      <p:boldItalic r:id="rId33"/>
+      <p:regular r:id="rId34"/>
+      <p:bold r:id="rId35"/>
+      <p:italic r:id="rId36"/>
+      <p:boldItalic r:id="rId37"/>
     </p:embeddedFont>
   </p:embeddedFontLst>
   <p:defaultTextStyle>
@@ -2800,12 +2804,12 @@
 </p:notes>
 </file>
 
-<file path=ppt/notesSlides/notesSlide3.xml><?xml version="1.0" encoding="utf-8"?>
+<file path=ppt/notesSlides/notesSlide27.xml><?xml version="1.0" encoding="utf-8"?>
 <p:notes xmlns:a="http://schemas.openxmlformats.org/drawingml/2006/main" xmlns:r="http://schemas.openxmlformats.org/officeDocument/2006/relationships" xmlns:p="http://schemas.openxmlformats.org/presentationml/2006/main" showMasterSp="0" showMasterPhAnim="0">
   <p:cSld>
     <p:spTree>
       <p:nvGrpSpPr>
-        <p:cNvPr id="1" name="Shape 69"/>
+        <p:cNvPr id="1" name="Shape 63"/>
         <p:cNvGrpSpPr/>
         <p:nvPr/>
       </p:nvGrpSpPr>
@@ -2819,7 +2823,7 @@
       </p:grpSpPr>
       <p:sp>
         <p:nvSpPr>
-          <p:cNvPr id="70" name="Google Shape;70;g1658efc2617_0_22:notes"/>
+          <p:cNvPr id="64" name="Google Shape;64;g163dd5cb31f_0_287:notes"/>
           <p:cNvSpPr>
             <a:spLocks noGrp="1" noRot="1" noChangeAspect="1"/>
           </p:cNvSpPr>
@@ -2860,7 +2864,7 @@
       </p:sp>
       <p:sp>
         <p:nvSpPr>
-          <p:cNvPr id="71" name="Google Shape;71;g1658efc2617_0_22:notes"/>
+          <p:cNvPr id="65" name="Google Shape;65;g163dd5cb31f_0_287:notes"/>
           <p:cNvSpPr txBox="1">
             <a:spLocks noGrp="1"/>
           </p:cNvSpPr>
@@ -2897,6 +2901,442 @@
         </p:txBody>
       </p:sp>
     </p:spTree>
+    <p:extLst>
+      <p:ext uri="{BB962C8B-B14F-4D97-AF65-F5344CB8AC3E}">
+        <p14:creationId xmlns:p14="http://schemas.microsoft.com/office/powerpoint/2010/main" val="3744567085"/>
+      </p:ext>
+    </p:extLst>
+  </p:cSld>
+  <p:clrMapOvr>
+    <a:masterClrMapping/>
+  </p:clrMapOvr>
+</p:notes>
+</file>
+
+<file path=ppt/notesSlides/notesSlide28.xml><?xml version="1.0" encoding="utf-8"?>
+<p:notes xmlns:a="http://schemas.openxmlformats.org/drawingml/2006/main" xmlns:r="http://schemas.openxmlformats.org/officeDocument/2006/relationships" xmlns:p="http://schemas.openxmlformats.org/presentationml/2006/main" showMasterSp="0" showMasterPhAnim="0">
+  <p:cSld>
+    <p:spTree>
+      <p:nvGrpSpPr>
+        <p:cNvPr id="1" name="Shape 63"/>
+        <p:cNvGrpSpPr/>
+        <p:nvPr/>
+      </p:nvGrpSpPr>
+      <p:grpSpPr>
+        <a:xfrm>
+          <a:off x="0" y="0"/>
+          <a:ext cx="0" cy="0"/>
+          <a:chOff x="0" y="0"/>
+          <a:chExt cx="0" cy="0"/>
+        </a:xfrm>
+      </p:grpSpPr>
+      <p:sp>
+        <p:nvSpPr>
+          <p:cNvPr id="64" name="Google Shape;64;g163dd5cb31f_0_287:notes"/>
+          <p:cNvSpPr>
+            <a:spLocks noGrp="1" noRot="1" noChangeAspect="1"/>
+          </p:cNvSpPr>
+          <p:nvPr>
+            <p:ph type="sldImg" idx="2"/>
+          </p:nvPr>
+        </p:nvSpPr>
+        <p:spPr>
+          <a:xfrm>
+            <a:off x="381000" y="685800"/>
+            <a:ext cx="6096000" cy="3429000"/>
+          </a:xfrm>
+          <a:custGeom>
+            <a:avLst/>
+            <a:gdLst/>
+            <a:ahLst/>
+            <a:cxnLst/>
+            <a:rect l="l" t="t" r="r" b="b"/>
+            <a:pathLst>
+              <a:path w="120000" h="120000" extrusionOk="0">
+                <a:moveTo>
+                  <a:pt x="0" y="0"/>
+                </a:moveTo>
+                <a:lnTo>
+                  <a:pt x="120000" y="0"/>
+                </a:lnTo>
+                <a:lnTo>
+                  <a:pt x="120000" y="120000"/>
+                </a:lnTo>
+                <a:lnTo>
+                  <a:pt x="0" y="120000"/>
+                </a:lnTo>
+                <a:close/>
+              </a:path>
+            </a:pathLst>
+          </a:custGeom>
+        </p:spPr>
+      </p:sp>
+      <p:sp>
+        <p:nvSpPr>
+          <p:cNvPr id="65" name="Google Shape;65;g163dd5cb31f_0_287:notes"/>
+          <p:cNvSpPr txBox="1">
+            <a:spLocks noGrp="1"/>
+          </p:cNvSpPr>
+          <p:nvPr>
+            <p:ph type="body" idx="1"/>
+          </p:nvPr>
+        </p:nvSpPr>
+        <p:spPr>
+          <a:xfrm>
+            <a:off x="685800" y="4343400"/>
+            <a:ext cx="5486400" cy="4114800"/>
+          </a:xfrm>
+          <a:prstGeom prst="rect">
+            <a:avLst/>
+          </a:prstGeom>
+        </p:spPr>
+        <p:txBody>
+          <a:bodyPr spcFirstLastPara="1" wrap="square" lIns="91425" tIns="91425" rIns="91425" bIns="91425" anchor="t" anchorCtr="0">
+            <a:noAutofit/>
+          </a:bodyPr>
+          <a:lstStyle/>
+          <a:p>
+            <a:pPr marL="0" lvl="0" indent="0" algn="l" rtl="0">
+              <a:spcBef>
+                <a:spcPts val="0"/>
+              </a:spcBef>
+              <a:spcAft>
+                <a:spcPts val="0"/>
+              </a:spcAft>
+              <a:buNone/>
+            </a:pPr>
+            <a:endParaRPr/>
+          </a:p>
+        </p:txBody>
+      </p:sp>
+    </p:spTree>
+    <p:extLst>
+      <p:ext uri="{BB962C8B-B14F-4D97-AF65-F5344CB8AC3E}">
+        <p14:creationId xmlns:p14="http://schemas.microsoft.com/office/powerpoint/2010/main" val="2645347561"/>
+      </p:ext>
+    </p:extLst>
+  </p:cSld>
+  <p:clrMapOvr>
+    <a:masterClrMapping/>
+  </p:clrMapOvr>
+</p:notes>
+</file>
+
+<file path=ppt/notesSlides/notesSlide29.xml><?xml version="1.0" encoding="utf-8"?>
+<p:notes xmlns:a="http://schemas.openxmlformats.org/drawingml/2006/main" xmlns:r="http://schemas.openxmlformats.org/officeDocument/2006/relationships" xmlns:p="http://schemas.openxmlformats.org/presentationml/2006/main" showMasterSp="0" showMasterPhAnim="0">
+  <p:cSld>
+    <p:spTree>
+      <p:nvGrpSpPr>
+        <p:cNvPr id="1" name="Shape 63"/>
+        <p:cNvGrpSpPr/>
+        <p:nvPr/>
+      </p:nvGrpSpPr>
+      <p:grpSpPr>
+        <a:xfrm>
+          <a:off x="0" y="0"/>
+          <a:ext cx="0" cy="0"/>
+          <a:chOff x="0" y="0"/>
+          <a:chExt cx="0" cy="0"/>
+        </a:xfrm>
+      </p:grpSpPr>
+      <p:sp>
+        <p:nvSpPr>
+          <p:cNvPr id="64" name="Google Shape;64;g163dd5cb31f_0_287:notes"/>
+          <p:cNvSpPr>
+            <a:spLocks noGrp="1" noRot="1" noChangeAspect="1"/>
+          </p:cNvSpPr>
+          <p:nvPr>
+            <p:ph type="sldImg" idx="2"/>
+          </p:nvPr>
+        </p:nvSpPr>
+        <p:spPr>
+          <a:xfrm>
+            <a:off x="381000" y="685800"/>
+            <a:ext cx="6096000" cy="3429000"/>
+          </a:xfrm>
+          <a:custGeom>
+            <a:avLst/>
+            <a:gdLst/>
+            <a:ahLst/>
+            <a:cxnLst/>
+            <a:rect l="l" t="t" r="r" b="b"/>
+            <a:pathLst>
+              <a:path w="120000" h="120000" extrusionOk="0">
+                <a:moveTo>
+                  <a:pt x="0" y="0"/>
+                </a:moveTo>
+                <a:lnTo>
+                  <a:pt x="120000" y="0"/>
+                </a:lnTo>
+                <a:lnTo>
+                  <a:pt x="120000" y="120000"/>
+                </a:lnTo>
+                <a:lnTo>
+                  <a:pt x="0" y="120000"/>
+                </a:lnTo>
+                <a:close/>
+              </a:path>
+            </a:pathLst>
+          </a:custGeom>
+        </p:spPr>
+      </p:sp>
+      <p:sp>
+        <p:nvSpPr>
+          <p:cNvPr id="65" name="Google Shape;65;g163dd5cb31f_0_287:notes"/>
+          <p:cNvSpPr txBox="1">
+            <a:spLocks noGrp="1"/>
+          </p:cNvSpPr>
+          <p:nvPr>
+            <p:ph type="body" idx="1"/>
+          </p:nvPr>
+        </p:nvSpPr>
+        <p:spPr>
+          <a:xfrm>
+            <a:off x="685800" y="4343400"/>
+            <a:ext cx="5486400" cy="4114800"/>
+          </a:xfrm>
+          <a:prstGeom prst="rect">
+            <a:avLst/>
+          </a:prstGeom>
+        </p:spPr>
+        <p:txBody>
+          <a:bodyPr spcFirstLastPara="1" wrap="square" lIns="91425" tIns="91425" rIns="91425" bIns="91425" anchor="t" anchorCtr="0">
+            <a:noAutofit/>
+          </a:bodyPr>
+          <a:lstStyle/>
+          <a:p>
+            <a:pPr marL="0" lvl="0" indent="0" algn="l" rtl="0">
+              <a:spcBef>
+                <a:spcPts val="0"/>
+              </a:spcBef>
+              <a:spcAft>
+                <a:spcPts val="0"/>
+              </a:spcAft>
+              <a:buNone/>
+            </a:pPr>
+            <a:endParaRPr/>
+          </a:p>
+        </p:txBody>
+      </p:sp>
+    </p:spTree>
+    <p:extLst>
+      <p:ext uri="{BB962C8B-B14F-4D97-AF65-F5344CB8AC3E}">
+        <p14:creationId xmlns:p14="http://schemas.microsoft.com/office/powerpoint/2010/main" val="2928888733"/>
+      </p:ext>
+    </p:extLst>
+  </p:cSld>
+  <p:clrMapOvr>
+    <a:masterClrMapping/>
+  </p:clrMapOvr>
+</p:notes>
+</file>
+
+<file path=ppt/notesSlides/notesSlide3.xml><?xml version="1.0" encoding="utf-8"?>
+<p:notes xmlns:a="http://schemas.openxmlformats.org/drawingml/2006/main" xmlns:r="http://schemas.openxmlformats.org/officeDocument/2006/relationships" xmlns:p="http://schemas.openxmlformats.org/presentationml/2006/main" showMasterSp="0" showMasterPhAnim="0">
+  <p:cSld>
+    <p:spTree>
+      <p:nvGrpSpPr>
+        <p:cNvPr id="1" name="Shape 69"/>
+        <p:cNvGrpSpPr/>
+        <p:nvPr/>
+      </p:nvGrpSpPr>
+      <p:grpSpPr>
+        <a:xfrm>
+          <a:off x="0" y="0"/>
+          <a:ext cx="0" cy="0"/>
+          <a:chOff x="0" y="0"/>
+          <a:chExt cx="0" cy="0"/>
+        </a:xfrm>
+      </p:grpSpPr>
+      <p:sp>
+        <p:nvSpPr>
+          <p:cNvPr id="70" name="Google Shape;70;g1658efc2617_0_22:notes"/>
+          <p:cNvSpPr>
+            <a:spLocks noGrp="1" noRot="1" noChangeAspect="1"/>
+          </p:cNvSpPr>
+          <p:nvPr>
+            <p:ph type="sldImg" idx="2"/>
+          </p:nvPr>
+        </p:nvSpPr>
+        <p:spPr>
+          <a:xfrm>
+            <a:off x="381000" y="685800"/>
+            <a:ext cx="6096000" cy="3429000"/>
+          </a:xfrm>
+          <a:custGeom>
+            <a:avLst/>
+            <a:gdLst/>
+            <a:ahLst/>
+            <a:cxnLst/>
+            <a:rect l="l" t="t" r="r" b="b"/>
+            <a:pathLst>
+              <a:path w="120000" h="120000" extrusionOk="0">
+                <a:moveTo>
+                  <a:pt x="0" y="0"/>
+                </a:moveTo>
+                <a:lnTo>
+                  <a:pt x="120000" y="0"/>
+                </a:lnTo>
+                <a:lnTo>
+                  <a:pt x="120000" y="120000"/>
+                </a:lnTo>
+                <a:lnTo>
+                  <a:pt x="0" y="120000"/>
+                </a:lnTo>
+                <a:close/>
+              </a:path>
+            </a:pathLst>
+          </a:custGeom>
+        </p:spPr>
+      </p:sp>
+      <p:sp>
+        <p:nvSpPr>
+          <p:cNvPr id="71" name="Google Shape;71;g1658efc2617_0_22:notes"/>
+          <p:cNvSpPr txBox="1">
+            <a:spLocks noGrp="1"/>
+          </p:cNvSpPr>
+          <p:nvPr>
+            <p:ph type="body" idx="1"/>
+          </p:nvPr>
+        </p:nvSpPr>
+        <p:spPr>
+          <a:xfrm>
+            <a:off x="685800" y="4343400"/>
+            <a:ext cx="5486400" cy="4114800"/>
+          </a:xfrm>
+          <a:prstGeom prst="rect">
+            <a:avLst/>
+          </a:prstGeom>
+        </p:spPr>
+        <p:txBody>
+          <a:bodyPr spcFirstLastPara="1" wrap="square" lIns="91425" tIns="91425" rIns="91425" bIns="91425" anchor="t" anchorCtr="0">
+            <a:noAutofit/>
+          </a:bodyPr>
+          <a:lstStyle/>
+          <a:p>
+            <a:pPr marL="0" lvl="0" indent="0" algn="l" rtl="0">
+              <a:spcBef>
+                <a:spcPts val="0"/>
+              </a:spcBef>
+              <a:spcAft>
+                <a:spcPts val="0"/>
+              </a:spcAft>
+              <a:buNone/>
+            </a:pPr>
+            <a:endParaRPr/>
+          </a:p>
+        </p:txBody>
+      </p:sp>
+    </p:spTree>
+  </p:cSld>
+  <p:clrMapOvr>
+    <a:masterClrMapping/>
+  </p:clrMapOvr>
+</p:notes>
+</file>
+
+<file path=ppt/notesSlides/notesSlide30.xml><?xml version="1.0" encoding="utf-8"?>
+<p:notes xmlns:a="http://schemas.openxmlformats.org/drawingml/2006/main" xmlns:r="http://schemas.openxmlformats.org/officeDocument/2006/relationships" xmlns:p="http://schemas.openxmlformats.org/presentationml/2006/main" showMasterSp="0" showMasterPhAnim="0">
+  <p:cSld>
+    <p:spTree>
+      <p:nvGrpSpPr>
+        <p:cNvPr id="1" name="Shape 63"/>
+        <p:cNvGrpSpPr/>
+        <p:nvPr/>
+      </p:nvGrpSpPr>
+      <p:grpSpPr>
+        <a:xfrm>
+          <a:off x="0" y="0"/>
+          <a:ext cx="0" cy="0"/>
+          <a:chOff x="0" y="0"/>
+          <a:chExt cx="0" cy="0"/>
+        </a:xfrm>
+      </p:grpSpPr>
+      <p:sp>
+        <p:nvSpPr>
+          <p:cNvPr id="64" name="Google Shape;64;g163dd5cb31f_0_287:notes"/>
+          <p:cNvSpPr>
+            <a:spLocks noGrp="1" noRot="1" noChangeAspect="1"/>
+          </p:cNvSpPr>
+          <p:nvPr>
+            <p:ph type="sldImg" idx="2"/>
+          </p:nvPr>
+        </p:nvSpPr>
+        <p:spPr>
+          <a:xfrm>
+            <a:off x="381000" y="685800"/>
+            <a:ext cx="6096000" cy="3429000"/>
+          </a:xfrm>
+          <a:custGeom>
+            <a:avLst/>
+            <a:gdLst/>
+            <a:ahLst/>
+            <a:cxnLst/>
+            <a:rect l="l" t="t" r="r" b="b"/>
+            <a:pathLst>
+              <a:path w="120000" h="120000" extrusionOk="0">
+                <a:moveTo>
+                  <a:pt x="0" y="0"/>
+                </a:moveTo>
+                <a:lnTo>
+                  <a:pt x="120000" y="0"/>
+                </a:lnTo>
+                <a:lnTo>
+                  <a:pt x="120000" y="120000"/>
+                </a:lnTo>
+                <a:lnTo>
+                  <a:pt x="0" y="120000"/>
+                </a:lnTo>
+                <a:close/>
+              </a:path>
+            </a:pathLst>
+          </a:custGeom>
+        </p:spPr>
+      </p:sp>
+      <p:sp>
+        <p:nvSpPr>
+          <p:cNvPr id="65" name="Google Shape;65;g163dd5cb31f_0_287:notes"/>
+          <p:cNvSpPr txBox="1">
+            <a:spLocks noGrp="1"/>
+          </p:cNvSpPr>
+          <p:nvPr>
+            <p:ph type="body" idx="1"/>
+          </p:nvPr>
+        </p:nvSpPr>
+        <p:spPr>
+          <a:xfrm>
+            <a:off x="685800" y="4343400"/>
+            <a:ext cx="5486400" cy="4114800"/>
+          </a:xfrm>
+          <a:prstGeom prst="rect">
+            <a:avLst/>
+          </a:prstGeom>
+        </p:spPr>
+        <p:txBody>
+          <a:bodyPr spcFirstLastPara="1" wrap="square" lIns="91425" tIns="91425" rIns="91425" bIns="91425" anchor="t" anchorCtr="0">
+            <a:noAutofit/>
+          </a:bodyPr>
+          <a:lstStyle/>
+          <a:p>
+            <a:pPr marL="0" lvl="0" indent="0" algn="l" rtl="0">
+              <a:spcBef>
+                <a:spcPts val="0"/>
+              </a:spcBef>
+              <a:spcAft>
+                <a:spcPts val="0"/>
+              </a:spcAft>
+              <a:buNone/>
+            </a:pPr>
+            <a:endParaRPr/>
+          </a:p>
+        </p:txBody>
+      </p:sp>
+    </p:spTree>
+    <p:extLst>
+      <p:ext uri="{BB962C8B-B14F-4D97-AF65-F5344CB8AC3E}">
+        <p14:creationId xmlns:p14="http://schemas.microsoft.com/office/powerpoint/2010/main" val="3412633505"/>
+      </p:ext>
+    </p:extLst>
   </p:cSld>
   <p:clrMapOvr>
     <a:masterClrMapping/>
@@ -11361,6 +11801,17 @@
               <a:rPr lang="vi-VN"/>
               <a:t>Xem chi tiết mã nguồn minh họa tại đây:</a:t>
             </a:r>
+            <a:r>
+              <a:rPr lang="en-US"/>
+              <a:t> </a:t>
+            </a:r>
+            <a:r>
+              <a:rPr lang="en-US">
+                <a:hlinkClick r:id="rId3"/>
+              </a:rPr>
+              <a:t>UnsecuredAppDemo</a:t>
+            </a:r>
+            <a:endParaRPr lang="vi-VN"/>
           </a:p>
           <a:p>
             <a:endParaRPr lang="en-US"/>
@@ -11382,6 +11833,137 @@
           <p:nvPr/>
         </p:nvPicPr>
         <p:blipFill>
+          <a:blip r:embed="rId4"/>
+          <a:stretch>
+            <a:fillRect/>
+          </a:stretch>
+        </p:blipFill>
+        <p:spPr>
+          <a:xfrm>
+            <a:off x="616527" y="1724739"/>
+            <a:ext cx="8104909" cy="2901462"/>
+          </a:xfrm>
+          <a:prstGeom prst="rect">
+            <a:avLst/>
+          </a:prstGeom>
+        </p:spPr>
+      </p:pic>
+    </p:spTree>
+    <p:extLst>
+      <p:ext uri="{BB962C8B-B14F-4D97-AF65-F5344CB8AC3E}">
+        <p14:creationId xmlns:p14="http://schemas.microsoft.com/office/powerpoint/2010/main" val="1845470896"/>
+      </p:ext>
+    </p:extLst>
+  </p:cSld>
+  <p:clrMapOvr>
+    <a:masterClrMapping/>
+  </p:clrMapOvr>
+</p:sld>
+</file>
+
+<file path=ppt/slides/slide27.xml><?xml version="1.0" encoding="utf-8"?>
+<p:sld xmlns:a="http://schemas.openxmlformats.org/drawingml/2006/main" xmlns:r="http://schemas.openxmlformats.org/officeDocument/2006/relationships" xmlns:p="http://schemas.openxmlformats.org/presentationml/2006/main">
+  <p:cSld>
+    <p:spTree>
+      <p:nvGrpSpPr>
+        <p:cNvPr id="1" name="Shape 66"/>
+        <p:cNvGrpSpPr/>
+        <p:nvPr/>
+      </p:nvGrpSpPr>
+      <p:grpSpPr>
+        <a:xfrm>
+          <a:off x="0" y="0"/>
+          <a:ext cx="0" cy="0"/>
+          <a:chOff x="0" y="0"/>
+          <a:chExt cx="0" cy="0"/>
+        </a:xfrm>
+      </p:grpSpPr>
+      <p:sp>
+        <p:nvSpPr>
+          <p:cNvPr id="68" name="Google Shape;68;p14"/>
+          <p:cNvSpPr txBox="1">
+            <a:spLocks noGrp="1"/>
+          </p:cNvSpPr>
+          <p:nvPr>
+            <p:ph type="title"/>
+          </p:nvPr>
+        </p:nvSpPr>
+        <p:spPr>
+          <a:xfrm>
+            <a:off x="311700" y="445025"/>
+            <a:ext cx="8520600" cy="572700"/>
+          </a:xfrm>
+          <a:prstGeom prst="rect">
+            <a:avLst/>
+          </a:prstGeom>
+        </p:spPr>
+        <p:txBody>
+          <a:bodyPr spcFirstLastPara="1" wrap="square" lIns="91425" tIns="91425" rIns="91425" bIns="91425" anchor="t" anchorCtr="0">
+            <a:normAutofit fontScale="90000"/>
+          </a:bodyPr>
+          <a:lstStyle/>
+          <a:p>
+            <a:pPr marL="0" lvl="0" indent="0" algn="l" rtl="0">
+              <a:spcBef>
+                <a:spcPts val="0"/>
+              </a:spcBef>
+              <a:spcAft>
+                <a:spcPts val="0"/>
+              </a:spcAft>
+              <a:buNone/>
+            </a:pPr>
+            <a:r>
+              <a:rPr lang="vi-VN"/>
+              <a:t>Enable Security</a:t>
+            </a:r>
+            <a:endParaRPr/>
+          </a:p>
+        </p:txBody>
+      </p:sp>
+      <p:sp>
+        <p:nvSpPr>
+          <p:cNvPr id="5" name="Text Placeholder 4">
+            <a:extLst>
+              <a:ext uri="{FF2B5EF4-FFF2-40B4-BE49-F238E27FC236}">
+                <a16:creationId xmlns:a16="http://schemas.microsoft.com/office/drawing/2014/main" id="{6E20AC34-DB1E-8165-ECF1-51AD98596133}"/>
+              </a:ext>
+            </a:extLst>
+          </p:cNvPr>
+          <p:cNvSpPr>
+            <a:spLocks noGrp="1"/>
+          </p:cNvSpPr>
+          <p:nvPr>
+            <p:ph type="body" idx="1"/>
+          </p:nvPr>
+        </p:nvSpPr>
+        <p:spPr/>
+        <p:txBody>
+          <a:bodyPr/>
+          <a:lstStyle/>
+          <a:p>
+            <a:r>
+              <a:rPr lang="vi-VN"/>
+              <a:t>Dependency:</a:t>
+            </a:r>
+            <a:endParaRPr lang="en-US"/>
+          </a:p>
+        </p:txBody>
+      </p:sp>
+      <p:pic>
+        <p:nvPicPr>
+          <p:cNvPr id="3" name="Picture 2">
+            <a:extLst>
+              <a:ext uri="{FF2B5EF4-FFF2-40B4-BE49-F238E27FC236}">
+                <a16:creationId xmlns:a16="http://schemas.microsoft.com/office/drawing/2014/main" id="{6CE91902-5146-DE14-9CC0-5E5402150162}"/>
+              </a:ext>
+            </a:extLst>
+          </p:cNvPr>
+          <p:cNvPicPr>
+            <a:picLocks noChangeAspect="1"/>
+          </p:cNvPicPr>
+          <p:nvPr/>
+        </p:nvPicPr>
+        <p:blipFill>
           <a:blip r:embed="rId3"/>
           <a:stretch>
             <a:fillRect/>
@@ -11389,8 +11971,8 @@
         </p:blipFill>
         <p:spPr>
           <a:xfrm>
-            <a:off x="616527" y="1724739"/>
-            <a:ext cx="8104909" cy="2901462"/>
+            <a:off x="2022344" y="1628687"/>
+            <a:ext cx="5099312" cy="3410125"/>
           </a:xfrm>
           <a:prstGeom prst="rect">
             <a:avLst/>
@@ -11400,7 +11982,341 @@
     </p:spTree>
     <p:extLst>
       <p:ext uri="{BB962C8B-B14F-4D97-AF65-F5344CB8AC3E}">
-        <p14:creationId xmlns:p14="http://schemas.microsoft.com/office/powerpoint/2010/main" val="1845470896"/>
+        <p14:creationId xmlns:p14="http://schemas.microsoft.com/office/powerpoint/2010/main" val="2218996407"/>
+      </p:ext>
+    </p:extLst>
+  </p:cSld>
+  <p:clrMapOvr>
+    <a:masterClrMapping/>
+  </p:clrMapOvr>
+</p:sld>
+</file>
+
+<file path=ppt/slides/slide28.xml><?xml version="1.0" encoding="utf-8"?>
+<p:sld xmlns:a="http://schemas.openxmlformats.org/drawingml/2006/main" xmlns:r="http://schemas.openxmlformats.org/officeDocument/2006/relationships" xmlns:p="http://schemas.openxmlformats.org/presentationml/2006/main">
+  <p:cSld>
+    <p:spTree>
+      <p:nvGrpSpPr>
+        <p:cNvPr id="1" name="Shape 66"/>
+        <p:cNvGrpSpPr/>
+        <p:nvPr/>
+      </p:nvGrpSpPr>
+      <p:grpSpPr>
+        <a:xfrm>
+          <a:off x="0" y="0"/>
+          <a:ext cx="0" cy="0"/>
+          <a:chOff x="0" y="0"/>
+          <a:chExt cx="0" cy="0"/>
+        </a:xfrm>
+      </p:grpSpPr>
+      <p:sp>
+        <p:nvSpPr>
+          <p:cNvPr id="68" name="Google Shape;68;p14"/>
+          <p:cNvSpPr txBox="1">
+            <a:spLocks noGrp="1"/>
+          </p:cNvSpPr>
+          <p:nvPr>
+            <p:ph type="title"/>
+          </p:nvPr>
+        </p:nvSpPr>
+        <p:spPr>
+          <a:xfrm>
+            <a:off x="311700" y="445025"/>
+            <a:ext cx="8520600" cy="572700"/>
+          </a:xfrm>
+          <a:prstGeom prst="rect">
+            <a:avLst/>
+          </a:prstGeom>
+        </p:spPr>
+        <p:txBody>
+          <a:bodyPr spcFirstLastPara="1" wrap="square" lIns="91425" tIns="91425" rIns="91425" bIns="91425" anchor="t" anchorCtr="0">
+            <a:normAutofit fontScale="90000"/>
+          </a:bodyPr>
+          <a:lstStyle/>
+          <a:p>
+            <a:pPr marL="0" lvl="0" indent="0" algn="l" rtl="0">
+              <a:spcBef>
+                <a:spcPts val="0"/>
+              </a:spcBef>
+              <a:spcAft>
+                <a:spcPts val="0"/>
+              </a:spcAft>
+              <a:buNone/>
+            </a:pPr>
+            <a:r>
+              <a:rPr lang="vi-VN"/>
+              <a:t>Enable Security</a:t>
+            </a:r>
+            <a:endParaRPr/>
+          </a:p>
+        </p:txBody>
+      </p:sp>
+      <p:sp>
+        <p:nvSpPr>
+          <p:cNvPr id="5" name="Text Placeholder 4">
+            <a:extLst>
+              <a:ext uri="{FF2B5EF4-FFF2-40B4-BE49-F238E27FC236}">
+                <a16:creationId xmlns:a16="http://schemas.microsoft.com/office/drawing/2014/main" id="{6E20AC34-DB1E-8165-ECF1-51AD98596133}"/>
+              </a:ext>
+            </a:extLst>
+          </p:cNvPr>
+          <p:cNvSpPr>
+            <a:spLocks noGrp="1"/>
+          </p:cNvSpPr>
+          <p:nvPr>
+            <p:ph type="body" idx="1"/>
+          </p:nvPr>
+        </p:nvSpPr>
+        <p:spPr/>
+        <p:txBody>
+          <a:bodyPr/>
+          <a:lstStyle/>
+          <a:p>
+            <a:r>
+              <a:rPr lang="vi-VN"/>
+              <a:t>Mặc định, chế độ xác thực được bật: http://localhost:8080/</a:t>
+            </a:r>
+          </a:p>
+          <a:p>
+            <a:pPr lvl="1"/>
+            <a:r>
+              <a:rPr lang="vi-VN"/>
+              <a:t>Username mặc định: user</a:t>
+            </a:r>
+          </a:p>
+          <a:p>
+            <a:pPr lvl="1"/>
+            <a:r>
+              <a:rPr lang="vi-VN"/>
+              <a:t>Password được sinh ngẫu nhiên: </a:t>
+            </a:r>
+          </a:p>
+        </p:txBody>
+      </p:sp>
+      <p:pic>
+        <p:nvPicPr>
+          <p:cNvPr id="6" name="Picture 5">
+            <a:extLst>
+              <a:ext uri="{FF2B5EF4-FFF2-40B4-BE49-F238E27FC236}">
+                <a16:creationId xmlns:a16="http://schemas.microsoft.com/office/drawing/2014/main" id="{B71FF5E6-82F6-9CEE-B08D-7ECC2AD74E2E}"/>
+              </a:ext>
+            </a:extLst>
+          </p:cNvPr>
+          <p:cNvPicPr>
+            <a:picLocks noChangeAspect="1"/>
+          </p:cNvPicPr>
+          <p:nvPr/>
+        </p:nvPicPr>
+        <p:blipFill>
+          <a:blip r:embed="rId3"/>
+          <a:stretch>
+            <a:fillRect/>
+          </a:stretch>
+        </p:blipFill>
+        <p:spPr>
+          <a:xfrm>
+            <a:off x="6033655" y="1633984"/>
+            <a:ext cx="2798645" cy="1875532"/>
+          </a:xfrm>
+          <a:prstGeom prst="rect">
+            <a:avLst/>
+          </a:prstGeom>
+        </p:spPr>
+      </p:pic>
+      <p:pic>
+        <p:nvPicPr>
+          <p:cNvPr id="9" name="Picture 8">
+            <a:extLst>
+              <a:ext uri="{FF2B5EF4-FFF2-40B4-BE49-F238E27FC236}">
+                <a16:creationId xmlns:a16="http://schemas.microsoft.com/office/drawing/2014/main" id="{5AFF59A4-E05A-D545-84AB-B64E2A300C80}"/>
+              </a:ext>
+            </a:extLst>
+          </p:cNvPr>
+          <p:cNvPicPr>
+            <a:picLocks noChangeAspect="1"/>
+          </p:cNvPicPr>
+          <p:nvPr/>
+        </p:nvPicPr>
+        <p:blipFill>
+          <a:blip r:embed="rId4"/>
+          <a:stretch>
+            <a:fillRect/>
+          </a:stretch>
+        </p:blipFill>
+        <p:spPr>
+          <a:xfrm>
+            <a:off x="907473" y="3567555"/>
+            <a:ext cx="7924827" cy="1530999"/>
+          </a:xfrm>
+          <a:prstGeom prst="rect">
+            <a:avLst/>
+          </a:prstGeom>
+        </p:spPr>
+      </p:pic>
+    </p:spTree>
+    <p:extLst>
+      <p:ext uri="{BB962C8B-B14F-4D97-AF65-F5344CB8AC3E}">
+        <p14:creationId xmlns:p14="http://schemas.microsoft.com/office/powerpoint/2010/main" val="536057605"/>
+      </p:ext>
+    </p:extLst>
+  </p:cSld>
+  <p:clrMapOvr>
+    <a:masterClrMapping/>
+  </p:clrMapOvr>
+</p:sld>
+</file>
+
+<file path=ppt/slides/slide29.xml><?xml version="1.0" encoding="utf-8"?>
+<p:sld xmlns:a="http://schemas.openxmlformats.org/drawingml/2006/main" xmlns:r="http://schemas.openxmlformats.org/officeDocument/2006/relationships" xmlns:p="http://schemas.openxmlformats.org/presentationml/2006/main">
+  <p:cSld>
+    <p:spTree>
+      <p:nvGrpSpPr>
+        <p:cNvPr id="1" name="Shape 66"/>
+        <p:cNvGrpSpPr/>
+        <p:nvPr/>
+      </p:nvGrpSpPr>
+      <p:grpSpPr>
+        <a:xfrm>
+          <a:off x="0" y="0"/>
+          <a:ext cx="0" cy="0"/>
+          <a:chOff x="0" y="0"/>
+          <a:chExt cx="0" cy="0"/>
+        </a:xfrm>
+      </p:grpSpPr>
+      <p:sp>
+        <p:nvSpPr>
+          <p:cNvPr id="68" name="Google Shape;68;p14"/>
+          <p:cNvSpPr txBox="1">
+            <a:spLocks noGrp="1"/>
+          </p:cNvSpPr>
+          <p:nvPr>
+            <p:ph type="title"/>
+          </p:nvPr>
+        </p:nvSpPr>
+        <p:spPr>
+          <a:xfrm>
+            <a:off x="311700" y="445025"/>
+            <a:ext cx="8520600" cy="572700"/>
+          </a:xfrm>
+          <a:prstGeom prst="rect">
+            <a:avLst/>
+          </a:prstGeom>
+        </p:spPr>
+        <p:txBody>
+          <a:bodyPr spcFirstLastPara="1" wrap="square" lIns="91425" tIns="91425" rIns="91425" bIns="91425" anchor="t" anchorCtr="0">
+            <a:normAutofit fontScale="90000"/>
+          </a:bodyPr>
+          <a:lstStyle/>
+          <a:p>
+            <a:pPr marL="0" lvl="0" indent="0" algn="l" rtl="0">
+              <a:spcBef>
+                <a:spcPts val="0"/>
+              </a:spcBef>
+              <a:spcAft>
+                <a:spcPts val="0"/>
+              </a:spcAft>
+              <a:buNone/>
+            </a:pPr>
+            <a:r>
+              <a:rPr lang="vi-VN"/>
+              <a:t>Enable Security</a:t>
+            </a:r>
+            <a:endParaRPr/>
+          </a:p>
+        </p:txBody>
+      </p:sp>
+      <p:sp>
+        <p:nvSpPr>
+          <p:cNvPr id="5" name="Text Placeholder 4">
+            <a:extLst>
+              <a:ext uri="{FF2B5EF4-FFF2-40B4-BE49-F238E27FC236}">
+                <a16:creationId xmlns:a16="http://schemas.microsoft.com/office/drawing/2014/main" id="{6E20AC34-DB1E-8165-ECF1-51AD98596133}"/>
+              </a:ext>
+            </a:extLst>
+          </p:cNvPr>
+          <p:cNvSpPr>
+            <a:spLocks noGrp="1"/>
+          </p:cNvSpPr>
+          <p:nvPr>
+            <p:ph type="body" idx="1"/>
+          </p:nvPr>
+        </p:nvSpPr>
+        <p:spPr/>
+        <p:txBody>
+          <a:bodyPr/>
+          <a:lstStyle/>
+          <a:p>
+            <a:r>
+              <a:rPr lang="vi-VN"/>
+              <a:t>Đăng nhập thành công</a:t>
+            </a:r>
+          </a:p>
+        </p:txBody>
+      </p:sp>
+      <p:pic>
+        <p:nvPicPr>
+          <p:cNvPr id="3" name="Picture 2">
+            <a:extLst>
+              <a:ext uri="{FF2B5EF4-FFF2-40B4-BE49-F238E27FC236}">
+                <a16:creationId xmlns:a16="http://schemas.microsoft.com/office/drawing/2014/main" id="{98FCDC53-AF0C-1131-FA81-57FA38876368}"/>
+              </a:ext>
+            </a:extLst>
+          </p:cNvPr>
+          <p:cNvPicPr>
+            <a:picLocks noChangeAspect="1"/>
+          </p:cNvPicPr>
+          <p:nvPr/>
+        </p:nvPicPr>
+        <p:blipFill>
+          <a:blip r:embed="rId3"/>
+          <a:stretch>
+            <a:fillRect/>
+          </a:stretch>
+        </p:blipFill>
+        <p:spPr>
+          <a:xfrm>
+            <a:off x="3359727" y="2921831"/>
+            <a:ext cx="5579918" cy="2128553"/>
+          </a:xfrm>
+          <a:prstGeom prst="rect">
+            <a:avLst/>
+          </a:prstGeom>
+        </p:spPr>
+      </p:pic>
+      <p:pic>
+        <p:nvPicPr>
+          <p:cNvPr id="7" name="Picture 6">
+            <a:extLst>
+              <a:ext uri="{FF2B5EF4-FFF2-40B4-BE49-F238E27FC236}">
+                <a16:creationId xmlns:a16="http://schemas.microsoft.com/office/drawing/2014/main" id="{E7730B73-61E0-647C-45FD-3A7F8A32A992}"/>
+              </a:ext>
+            </a:extLst>
+          </p:cNvPr>
+          <p:cNvPicPr>
+            <a:picLocks noChangeAspect="1"/>
+          </p:cNvPicPr>
+          <p:nvPr/>
+        </p:nvPicPr>
+        <p:blipFill>
+          <a:blip r:embed="rId4"/>
+          <a:stretch>
+            <a:fillRect/>
+          </a:stretch>
+        </p:blipFill>
+        <p:spPr>
+          <a:xfrm>
+            <a:off x="892753" y="1628342"/>
+            <a:ext cx="2359630" cy="1595181"/>
+          </a:xfrm>
+          <a:prstGeom prst="rect">
+            <a:avLst/>
+          </a:prstGeom>
+        </p:spPr>
+      </p:pic>
+    </p:spTree>
+    <p:extLst>
+      <p:ext uri="{BB962C8B-B14F-4D97-AF65-F5344CB8AC3E}">
+        <p14:creationId xmlns:p14="http://schemas.microsoft.com/office/powerpoint/2010/main" val="401098426"/>
       </p:ext>
     </p:extLst>
   </p:cSld>
@@ -11473,6 +12389,196 @@
         </p:txBody>
       </p:sp>
     </p:spTree>
+  </p:cSld>
+  <p:clrMapOvr>
+    <a:masterClrMapping/>
+  </p:clrMapOvr>
+</p:sld>
+</file>
+
+<file path=ppt/slides/slide30.xml><?xml version="1.0" encoding="utf-8"?>
+<p:sld xmlns:a="http://schemas.openxmlformats.org/drawingml/2006/main" xmlns:r="http://schemas.openxmlformats.org/officeDocument/2006/relationships" xmlns:p="http://schemas.openxmlformats.org/presentationml/2006/main">
+  <p:cSld>
+    <p:spTree>
+      <p:nvGrpSpPr>
+        <p:cNvPr id="1" name="Shape 66"/>
+        <p:cNvGrpSpPr/>
+        <p:nvPr/>
+      </p:nvGrpSpPr>
+      <p:grpSpPr>
+        <a:xfrm>
+          <a:off x="0" y="0"/>
+          <a:ext cx="0" cy="0"/>
+          <a:chOff x="0" y="0"/>
+          <a:chExt cx="0" cy="0"/>
+        </a:xfrm>
+      </p:grpSpPr>
+      <p:sp>
+        <p:nvSpPr>
+          <p:cNvPr id="68" name="Google Shape;68;p14"/>
+          <p:cNvSpPr txBox="1">
+            <a:spLocks noGrp="1"/>
+          </p:cNvSpPr>
+          <p:nvPr>
+            <p:ph type="title"/>
+          </p:nvPr>
+        </p:nvSpPr>
+        <p:spPr>
+          <a:xfrm>
+            <a:off x="311700" y="445025"/>
+            <a:ext cx="8520600" cy="572700"/>
+          </a:xfrm>
+          <a:prstGeom prst="rect">
+            <a:avLst/>
+          </a:prstGeom>
+        </p:spPr>
+        <p:txBody>
+          <a:bodyPr spcFirstLastPara="1" wrap="square" lIns="91425" tIns="91425" rIns="91425" bIns="91425" anchor="t" anchorCtr="0">
+            <a:normAutofit fontScale="90000"/>
+          </a:bodyPr>
+          <a:lstStyle/>
+          <a:p>
+            <a:pPr marL="0" lvl="0" indent="0" algn="l" rtl="0">
+              <a:spcBef>
+                <a:spcPts val="0"/>
+              </a:spcBef>
+              <a:spcAft>
+                <a:spcPts val="0"/>
+              </a:spcAft>
+              <a:buNone/>
+            </a:pPr>
+            <a:r>
+              <a:rPr lang="vi-VN"/>
+              <a:t>Enable Security</a:t>
+            </a:r>
+            <a:endParaRPr/>
+          </a:p>
+        </p:txBody>
+      </p:sp>
+      <p:sp>
+        <p:nvSpPr>
+          <p:cNvPr id="5" name="Text Placeholder 4">
+            <a:extLst>
+              <a:ext uri="{FF2B5EF4-FFF2-40B4-BE49-F238E27FC236}">
+                <a16:creationId xmlns:a16="http://schemas.microsoft.com/office/drawing/2014/main" id="{6E20AC34-DB1E-8165-ECF1-51AD98596133}"/>
+              </a:ext>
+            </a:extLst>
+          </p:cNvPr>
+          <p:cNvSpPr>
+            <a:spLocks noGrp="1"/>
+          </p:cNvSpPr>
+          <p:nvPr>
+            <p:ph type="body" idx="1"/>
+          </p:nvPr>
+        </p:nvSpPr>
+        <p:spPr/>
+        <p:txBody>
+          <a:bodyPr/>
+          <a:lstStyle/>
+          <a:p>
+            <a:r>
+              <a:rPr lang="vi-VN"/>
+              <a:t>Cấu hình tài khoản tùy chỉnh</a:t>
+            </a:r>
+          </a:p>
+        </p:txBody>
+      </p:sp>
+      <p:pic>
+        <p:nvPicPr>
+          <p:cNvPr id="3" name="Picture 2">
+            <a:extLst>
+              <a:ext uri="{FF2B5EF4-FFF2-40B4-BE49-F238E27FC236}">
+                <a16:creationId xmlns:a16="http://schemas.microsoft.com/office/drawing/2014/main" id="{98FCDC53-AF0C-1131-FA81-57FA38876368}"/>
+              </a:ext>
+            </a:extLst>
+          </p:cNvPr>
+          <p:cNvPicPr>
+            <a:picLocks noChangeAspect="1"/>
+          </p:cNvPicPr>
+          <p:nvPr/>
+        </p:nvPicPr>
+        <p:blipFill>
+          <a:blip r:embed="rId3"/>
+          <a:stretch>
+            <a:fillRect/>
+          </a:stretch>
+        </p:blipFill>
+        <p:spPr>
+          <a:xfrm>
+            <a:off x="3359727" y="2921831"/>
+            <a:ext cx="5579918" cy="2128553"/>
+          </a:xfrm>
+          <a:prstGeom prst="rect">
+            <a:avLst/>
+          </a:prstGeom>
+        </p:spPr>
+      </p:pic>
+      <p:pic>
+        <p:nvPicPr>
+          <p:cNvPr id="4" name="Picture 3">
+            <a:extLst>
+              <a:ext uri="{FF2B5EF4-FFF2-40B4-BE49-F238E27FC236}">
+                <a16:creationId xmlns:a16="http://schemas.microsoft.com/office/drawing/2014/main" id="{AD920E55-AFC0-8E11-2EFE-302E33C069A7}"/>
+              </a:ext>
+            </a:extLst>
+          </p:cNvPr>
+          <p:cNvPicPr>
+            <a:picLocks noChangeAspect="1"/>
+          </p:cNvPicPr>
+          <p:nvPr/>
+        </p:nvPicPr>
+        <p:blipFill>
+          <a:blip r:embed="rId4"/>
+          <a:stretch>
+            <a:fillRect/>
+          </a:stretch>
+        </p:blipFill>
+        <p:spPr>
+          <a:xfrm>
+            <a:off x="957039" y="1612839"/>
+            <a:ext cx="2222579" cy="1717447"/>
+          </a:xfrm>
+          <a:prstGeom prst="rect">
+            <a:avLst/>
+          </a:prstGeom>
+        </p:spPr>
+      </p:pic>
+      <p:pic>
+        <p:nvPicPr>
+          <p:cNvPr id="8" name="Picture 7">
+            <a:extLst>
+              <a:ext uri="{FF2B5EF4-FFF2-40B4-BE49-F238E27FC236}">
+                <a16:creationId xmlns:a16="http://schemas.microsoft.com/office/drawing/2014/main" id="{99954BDE-B570-EA07-A242-DC5169FEC12E}"/>
+              </a:ext>
+            </a:extLst>
+          </p:cNvPr>
+          <p:cNvPicPr>
+            <a:picLocks noChangeAspect="1"/>
+          </p:cNvPicPr>
+          <p:nvPr/>
+        </p:nvPicPr>
+        <p:blipFill>
+          <a:blip r:embed="rId5"/>
+          <a:stretch>
+            <a:fillRect/>
+          </a:stretch>
+        </p:blipFill>
+        <p:spPr>
+          <a:xfrm>
+            <a:off x="3359727" y="1607810"/>
+            <a:ext cx="3492679" cy="723937"/>
+          </a:xfrm>
+          <a:prstGeom prst="rect">
+            <a:avLst/>
+          </a:prstGeom>
+        </p:spPr>
+      </p:pic>
+    </p:spTree>
+    <p:extLst>
+      <p:ext uri="{BB962C8B-B14F-4D97-AF65-F5344CB8AC3E}">
+        <p14:creationId xmlns:p14="http://schemas.microsoft.com/office/powerpoint/2010/main" val="1003353701"/>
+      </p:ext>
+    </p:extLst>
   </p:cSld>
   <p:clrMapOvr>
     <a:masterClrMapping/>

--- a/presentations/Bài 25_Bao mat trong Java Spring Boot.pptx
+++ b/presentations/Bài 25_Bao mat trong Java Spring Boot.pptx
@@ -5,7 +5,7 @@
     <p:sldMasterId id="2147483659" r:id="rId1"/>
   </p:sldMasterIdLst>
   <p:notesMasterIdLst>
-    <p:notesMasterId r:id="rId32"/>
+    <p:notesMasterId r:id="rId33"/>
   </p:notesMasterIdLst>
   <p:sldIdLst>
     <p:sldId id="256" r:id="rId2"/>
@@ -38,20 +38,21 @@
     <p:sldId id="320" r:id="rId29"/>
     <p:sldId id="322" r:id="rId30"/>
     <p:sldId id="323" r:id="rId31"/>
+    <p:sldId id="346" r:id="rId32"/>
   </p:sldIdLst>
   <p:sldSz cx="9144000" cy="5143500" type="screen16x9"/>
   <p:notesSz cx="6858000" cy="9144000"/>
   <p:embeddedFontLst>
     <p:embeddedFont>
       <p:font typeface="Alfa Slab One" panose="020B0604020202020204" charset="0"/>
-      <p:regular r:id="rId33"/>
+      <p:regular r:id="rId34"/>
     </p:embeddedFont>
     <p:embeddedFont>
       <p:font typeface="Proxima Nova" panose="020B0604020202020204" charset="0"/>
-      <p:regular r:id="rId34"/>
-      <p:bold r:id="rId35"/>
-      <p:italic r:id="rId36"/>
-      <p:boldItalic r:id="rId37"/>
+      <p:regular r:id="rId35"/>
+      <p:bold r:id="rId36"/>
+      <p:italic r:id="rId37"/>
+      <p:boldItalic r:id="rId38"/>
     </p:embeddedFont>
   </p:embeddedFontLst>
   <p:defaultTextStyle>
@@ -4524,6 +4525,270 @@
 </p:sldLayout>
 </file>
 
+<file path=ppt/slideLayouts/slideLayout11.xml><?xml version="1.0" encoding="utf-8"?>
+<p:sldLayout xmlns:a="http://schemas.openxmlformats.org/drawingml/2006/main" xmlns:r="http://schemas.openxmlformats.org/officeDocument/2006/relationships" xmlns:p="http://schemas.openxmlformats.org/presentationml/2006/main" matchingName="Title only" type="titleOnly">
+  <p:cSld name="Title only">
+    <p:spTree>
+      <p:nvGrpSpPr>
+        <p:cNvPr id="1" name="Shape 29"/>
+        <p:cNvGrpSpPr/>
+        <p:nvPr/>
+      </p:nvGrpSpPr>
+      <p:grpSpPr>
+        <a:xfrm>
+          <a:off x="0" y="0"/>
+          <a:ext cx="0" cy="0"/>
+          <a:chOff x="0" y="0"/>
+          <a:chExt cx="0" cy="0"/>
+        </a:xfrm>
+      </p:grpSpPr>
+      <p:sp>
+        <p:nvSpPr>
+          <p:cNvPr id="30" name="Google Shape;30;p6"/>
+          <p:cNvSpPr txBox="1">
+            <a:spLocks noGrp="1"/>
+          </p:cNvSpPr>
+          <p:nvPr>
+            <p:ph type="title"/>
+          </p:nvPr>
+        </p:nvSpPr>
+        <p:spPr>
+          <a:xfrm>
+            <a:off x="311700" y="445025"/>
+            <a:ext cx="8520600" cy="572700"/>
+          </a:xfrm>
+          <a:prstGeom prst="rect">
+            <a:avLst/>
+          </a:prstGeom>
+        </p:spPr>
+        <p:txBody>
+          <a:bodyPr spcFirstLastPara="1" wrap="square" lIns="91425" tIns="91425" rIns="91425" bIns="91425" anchor="t" anchorCtr="0">
+            <a:normAutofit/>
+          </a:bodyPr>
+          <a:lstStyle>
+            <a:lvl1pPr lvl="0">
+              <a:spcBef>
+                <a:spcPts val="0"/>
+              </a:spcBef>
+              <a:spcAft>
+                <a:spcPts val="0"/>
+              </a:spcAft>
+              <a:buSzPts val="3000"/>
+              <a:buNone/>
+              <a:defRPr/>
+            </a:lvl1pPr>
+            <a:lvl2pPr lvl="1">
+              <a:spcBef>
+                <a:spcPts val="0"/>
+              </a:spcBef>
+              <a:spcAft>
+                <a:spcPts val="0"/>
+              </a:spcAft>
+              <a:buSzPts val="3000"/>
+              <a:buNone/>
+              <a:defRPr/>
+            </a:lvl2pPr>
+            <a:lvl3pPr lvl="2">
+              <a:spcBef>
+                <a:spcPts val="0"/>
+              </a:spcBef>
+              <a:spcAft>
+                <a:spcPts val="0"/>
+              </a:spcAft>
+              <a:buSzPts val="3000"/>
+              <a:buNone/>
+              <a:defRPr/>
+            </a:lvl3pPr>
+            <a:lvl4pPr lvl="3">
+              <a:spcBef>
+                <a:spcPts val="0"/>
+              </a:spcBef>
+              <a:spcAft>
+                <a:spcPts val="0"/>
+              </a:spcAft>
+              <a:buSzPts val="3000"/>
+              <a:buNone/>
+              <a:defRPr/>
+            </a:lvl4pPr>
+            <a:lvl5pPr lvl="4">
+              <a:spcBef>
+                <a:spcPts val="0"/>
+              </a:spcBef>
+              <a:spcAft>
+                <a:spcPts val="0"/>
+              </a:spcAft>
+              <a:buSzPts val="3000"/>
+              <a:buNone/>
+              <a:defRPr/>
+            </a:lvl5pPr>
+            <a:lvl6pPr lvl="5">
+              <a:spcBef>
+                <a:spcPts val="0"/>
+              </a:spcBef>
+              <a:spcAft>
+                <a:spcPts val="0"/>
+              </a:spcAft>
+              <a:buSzPts val="3000"/>
+              <a:buNone/>
+              <a:defRPr/>
+            </a:lvl6pPr>
+            <a:lvl7pPr lvl="6">
+              <a:spcBef>
+                <a:spcPts val="0"/>
+              </a:spcBef>
+              <a:spcAft>
+                <a:spcPts val="0"/>
+              </a:spcAft>
+              <a:buSzPts val="3000"/>
+              <a:buNone/>
+              <a:defRPr/>
+            </a:lvl7pPr>
+            <a:lvl8pPr lvl="7">
+              <a:spcBef>
+                <a:spcPts val="0"/>
+              </a:spcBef>
+              <a:spcAft>
+                <a:spcPts val="0"/>
+              </a:spcAft>
+              <a:buSzPts val="3000"/>
+              <a:buNone/>
+              <a:defRPr/>
+            </a:lvl8pPr>
+            <a:lvl9pPr lvl="8">
+              <a:spcBef>
+                <a:spcPts val="0"/>
+              </a:spcBef>
+              <a:spcAft>
+                <a:spcPts val="0"/>
+              </a:spcAft>
+              <a:buSzPts val="3000"/>
+              <a:buNone/>
+              <a:defRPr/>
+            </a:lvl9pPr>
+          </a:lstStyle>
+          <a:p>
+            <a:endParaRPr/>
+          </a:p>
+        </p:txBody>
+      </p:sp>
+      <p:sp>
+        <p:nvSpPr>
+          <p:cNvPr id="31" name="Google Shape;31;p6"/>
+          <p:cNvSpPr txBox="1">
+            <a:spLocks noGrp="1"/>
+          </p:cNvSpPr>
+          <p:nvPr>
+            <p:ph type="sldNum" idx="12"/>
+          </p:nvPr>
+        </p:nvSpPr>
+        <p:spPr>
+          <a:xfrm>
+            <a:off x="8472458" y="4663217"/>
+            <a:ext cx="548700" cy="393600"/>
+          </a:xfrm>
+          <a:prstGeom prst="rect">
+            <a:avLst/>
+          </a:prstGeom>
+        </p:spPr>
+        <p:txBody>
+          <a:bodyPr spcFirstLastPara="1" wrap="square" lIns="91425" tIns="91425" rIns="91425" bIns="91425" anchor="ctr" anchorCtr="0">
+            <a:normAutofit/>
+          </a:bodyPr>
+          <a:lstStyle>
+            <a:lvl1pPr lvl="0">
+              <a:buNone/>
+              <a:defRPr/>
+            </a:lvl1pPr>
+            <a:lvl2pPr lvl="1">
+              <a:buNone/>
+              <a:defRPr/>
+            </a:lvl2pPr>
+            <a:lvl3pPr lvl="2">
+              <a:buNone/>
+              <a:defRPr/>
+            </a:lvl3pPr>
+            <a:lvl4pPr lvl="3">
+              <a:buNone/>
+              <a:defRPr/>
+            </a:lvl4pPr>
+            <a:lvl5pPr lvl="4">
+              <a:buNone/>
+              <a:defRPr/>
+            </a:lvl5pPr>
+            <a:lvl6pPr lvl="5">
+              <a:buNone/>
+              <a:defRPr/>
+            </a:lvl6pPr>
+            <a:lvl7pPr lvl="6">
+              <a:buNone/>
+              <a:defRPr/>
+            </a:lvl7pPr>
+            <a:lvl8pPr lvl="7">
+              <a:buNone/>
+              <a:defRPr/>
+            </a:lvl8pPr>
+            <a:lvl9pPr lvl="8">
+              <a:buNone/>
+              <a:defRPr/>
+            </a:lvl9pPr>
+          </a:lstStyle>
+          <a:p>
+            <a:pPr marL="0" lvl="0" indent="0" algn="r" rtl="0">
+              <a:spcBef>
+                <a:spcPts val="0"/>
+              </a:spcBef>
+              <a:spcAft>
+                <a:spcPts val="0"/>
+              </a:spcAft>
+              <a:buNone/>
+            </a:pPr>
+            <a:fld id="{00000000-1234-1234-1234-123412341234}" type="slidenum">
+              <a:rPr lang="en"/>
+              <a:t>‹#›</a:t>
+            </a:fld>
+            <a:endParaRPr/>
+          </a:p>
+        </p:txBody>
+      </p:sp>
+      <p:cxnSp>
+        <p:nvCxnSpPr>
+          <p:cNvPr id="32" name="Google Shape;32;p6"/>
+          <p:cNvCxnSpPr/>
+          <p:nvPr/>
+        </p:nvCxnSpPr>
+        <p:spPr>
+          <a:xfrm>
+            <a:off x="397650" y="1152475"/>
+            <a:ext cx="8348700" cy="1200"/>
+          </a:xfrm>
+          <a:prstGeom prst="straightConnector1">
+            <a:avLst/>
+          </a:prstGeom>
+          <a:noFill/>
+          <a:ln w="19050" cap="flat" cmpd="sng">
+            <a:solidFill>
+              <a:srgbClr val="F48121"/>
+            </a:solidFill>
+            <a:prstDash val="solid"/>
+            <a:round/>
+            <a:headEnd type="none" w="sm" len="sm"/>
+            <a:tailEnd type="none" w="sm" len="sm"/>
+          </a:ln>
+        </p:spPr>
+      </p:cxnSp>
+    </p:spTree>
+    <p:extLst>
+      <p:ext uri="{BB962C8B-B14F-4D97-AF65-F5344CB8AC3E}">
+        <p14:creationId xmlns:p14="http://schemas.microsoft.com/office/powerpoint/2010/main" val="752077978"/>
+      </p:ext>
+    </p:extLst>
+  </p:cSld>
+  <p:clrMapOvr>
+    <a:masterClrMapping/>
+  </p:clrMapOvr>
+</p:sldLayout>
+</file>
+
 <file path=ppt/slideLayouts/slideLayout2.xml><?xml version="1.0" encoding="utf-8"?>
 <p:sldLayout xmlns:a="http://schemas.openxmlformats.org/drawingml/2006/main" xmlns:r="http://schemas.openxmlformats.org/officeDocument/2006/relationships" xmlns:p="http://schemas.openxmlformats.org/presentationml/2006/main" matchingName="Section header" type="secHead">
   <p:cSld name="SECTION_HEADER">
@@ -8456,7 +8721,7 @@
           <p:nvPr/>
         </p:nvPicPr>
         <p:blipFill>
-          <a:blip r:embed="rId12">
+          <a:blip r:embed="rId13">
             <a:alphaModFix/>
           </a:blip>
           <a:stretch>
@@ -8491,6 +8756,7 @@
     <p:sldLayoutId id="2147483656" r:id="rId8"/>
     <p:sldLayoutId id="2147483657" r:id="rId9"/>
     <p:sldLayoutId id="2147483658" r:id="rId10"/>
+    <p:sldLayoutId id="2147483660" r:id="rId11"/>
   </p:sldLayoutIdLst>
   <p:hf sldNum="0" hdr="0" ftr="0" dt="0"/>
   <p:txStyles>
@@ -12586,6 +12852,110 @@
 </p:sld>
 </file>
 
+<file path=ppt/slides/slide31.xml><?xml version="1.0" encoding="utf-8"?>
+<p:sld xmlns:a="http://schemas.openxmlformats.org/drawingml/2006/main" xmlns:r="http://schemas.openxmlformats.org/officeDocument/2006/relationships" xmlns:p="http://schemas.openxmlformats.org/presentationml/2006/main">
+  <p:cSld>
+    <p:spTree>
+      <p:nvGrpSpPr>
+        <p:cNvPr id="1" name=""/>
+        <p:cNvGrpSpPr/>
+        <p:nvPr/>
+      </p:nvGrpSpPr>
+      <p:grpSpPr>
+        <a:xfrm>
+          <a:off x="0" y="0"/>
+          <a:ext cx="0" cy="0"/>
+          <a:chOff x="0" y="0"/>
+          <a:chExt cx="0" cy="0"/>
+        </a:xfrm>
+      </p:grpSpPr>
+      <p:sp>
+        <p:nvSpPr>
+          <p:cNvPr id="2" name="Title 1">
+            <a:extLst>
+              <a:ext uri="{FF2B5EF4-FFF2-40B4-BE49-F238E27FC236}">
+                <a16:creationId xmlns:a16="http://schemas.microsoft.com/office/drawing/2014/main" id="{CF6D12E1-FBF4-CDF1-B80D-910C581441FA}"/>
+              </a:ext>
+            </a:extLst>
+          </p:cNvPr>
+          <p:cNvSpPr>
+            <a:spLocks noGrp="1"/>
+          </p:cNvSpPr>
+          <p:nvPr>
+            <p:ph type="title"/>
+          </p:nvPr>
+        </p:nvSpPr>
+        <p:spPr/>
+        <p:txBody>
+          <a:bodyPr>
+            <a:normAutofit fontScale="90000"/>
+          </a:bodyPr>
+          <a:lstStyle/>
+          <a:p>
+            <a:endParaRPr lang="en-US"/>
+          </a:p>
+        </p:txBody>
+      </p:sp>
+      <p:pic>
+        <p:nvPicPr>
+          <p:cNvPr id="2050" name="Picture 2">
+            <a:extLst>
+              <a:ext uri="{FF2B5EF4-FFF2-40B4-BE49-F238E27FC236}">
+                <a16:creationId xmlns:a16="http://schemas.microsoft.com/office/drawing/2014/main" id="{DEF02AC6-78FC-B7BC-B1CC-891990A6FE59}"/>
+              </a:ext>
+            </a:extLst>
+          </p:cNvPr>
+          <p:cNvPicPr>
+            <a:picLocks noChangeAspect="1" noChangeArrowheads="1"/>
+          </p:cNvPicPr>
+          <p:nvPr/>
+        </p:nvPicPr>
+        <p:blipFill>
+          <a:blip r:embed="rId2">
+            <a:extLst>
+              <a:ext uri="{28A0092B-C50C-407E-A947-70E740481C1C}">
+                <a14:useLocalDpi xmlns:a14="http://schemas.microsoft.com/office/drawing/2010/main" val="0"/>
+              </a:ext>
+            </a:extLst>
+          </a:blip>
+          <a:srcRect/>
+          <a:stretch>
+            <a:fillRect/>
+          </a:stretch>
+        </p:blipFill>
+        <p:spPr bwMode="auto">
+          <a:xfrm>
+            <a:off x="0" y="0"/>
+            <a:ext cx="9144000" cy="5143500"/>
+          </a:xfrm>
+          <a:prstGeom prst="rect">
+            <a:avLst/>
+          </a:prstGeom>
+          <a:noFill/>
+          <a:extLst>
+            <a:ext uri="{909E8E84-426E-40DD-AFC4-6F175D3DCCD1}">
+              <a14:hiddenFill xmlns:a14="http://schemas.microsoft.com/office/drawing/2010/main">
+                <a:solidFill>
+                  <a:srgbClr val="FFFFFF"/>
+                </a:solidFill>
+              </a14:hiddenFill>
+            </a:ext>
+          </a:extLst>
+        </p:spPr>
+      </p:pic>
+    </p:spTree>
+    <p:extLst>
+      <p:ext uri="{BB962C8B-B14F-4D97-AF65-F5344CB8AC3E}">
+        <p14:creationId xmlns:p14="http://schemas.microsoft.com/office/powerpoint/2010/main" val="1171021255"/>
+      </p:ext>
+    </p:extLst>
+  </p:cSld>
+  <p:clrMapOvr>
+    <a:masterClrMapping/>
+  </p:clrMapOvr>
+</p:sld>
+</file>
+
 <file path=ppt/slides/slide4.xml><?xml version="1.0" encoding="utf-8"?>
 <p:sld xmlns:a="http://schemas.openxmlformats.org/drawingml/2006/main" xmlns:r="http://schemas.openxmlformats.org/officeDocument/2006/relationships" xmlns:p="http://schemas.openxmlformats.org/presentationml/2006/main">
   <p:cSld>
